--- a/materials/slides/ch07-edit-file.pptx
+++ b/materials/slides/ch07-edit-file.pptx
@@ -11,11 +11,10 @@
     <p:sldId id="272" r:id="rId5"/>
     <p:sldId id="271" r:id="rId6"/>
     <p:sldId id="263" r:id="rId7"/>
-    <p:sldId id="265" r:id="rId8"/>
-    <p:sldId id="266" r:id="rId9"/>
-    <p:sldId id="273" r:id="rId10"/>
-    <p:sldId id="268" r:id="rId11"/>
-    <p:sldId id="270" r:id="rId12"/>
+    <p:sldId id="266" r:id="rId8"/>
+    <p:sldId id="273" r:id="rId9"/>
+    <p:sldId id="268" r:id="rId10"/>
+    <p:sldId id="270" r:id="rId11"/>
   </p:sldIdLst>
   <p:sldSz cx="12192000" cy="6858000"/>
   <p:notesSz cx="6858000" cy="9144000"/>
@@ -277,7 +276,7 @@
           <a:p>
             <a:fld id="{02E60DA2-A0BC-48C9-AA88-75C78721B420}" type="datetimeFigureOut">
               <a:rPr lang="zh-CN" altLang="en-US" smtClean="0"/>
-              <a:t>2018/2/27</a:t>
+              <a:t>2018/3/1</a:t>
             </a:fld>
             <a:endParaRPr lang="zh-CN" altLang="en-US"/>
           </a:p>
@@ -499,7 +498,7 @@
           <a:p>
             <a:fld id="{02E60DA2-A0BC-48C9-AA88-75C78721B420}" type="datetimeFigureOut">
               <a:rPr lang="zh-CN" altLang="en-US" smtClean="0"/>
-              <a:t>2018/2/27</a:t>
+              <a:t>2018/3/1</a:t>
             </a:fld>
             <a:endParaRPr lang="zh-CN" altLang="en-US"/>
           </a:p>
@@ -731,7 +730,7 @@
           <a:p>
             <a:fld id="{02E60DA2-A0BC-48C9-AA88-75C78721B420}" type="datetimeFigureOut">
               <a:rPr lang="zh-CN" altLang="en-US" smtClean="0"/>
-              <a:t>2018/2/27</a:t>
+              <a:t>2018/3/1</a:t>
             </a:fld>
             <a:endParaRPr lang="zh-CN" altLang="en-US"/>
           </a:p>
@@ -981,7 +980,7 @@
           <a:p>
             <a:fld id="{02E60DA2-A0BC-48C9-AA88-75C78721B420}" type="datetimeFigureOut">
               <a:rPr lang="zh-CN" altLang="en-US" smtClean="0"/>
-              <a:t>2018/2/27</a:t>
+              <a:t>2018/3/1</a:t>
             </a:fld>
             <a:endParaRPr lang="zh-CN" altLang="en-US"/>
           </a:p>
@@ -1219,7 +1218,7 @@
           <a:p>
             <a:fld id="{02E60DA2-A0BC-48C9-AA88-75C78721B420}" type="datetimeFigureOut">
               <a:rPr lang="zh-CN" altLang="en-US" smtClean="0"/>
-              <a:t>2018/2/27</a:t>
+              <a:t>2018/3/1</a:t>
             </a:fld>
             <a:endParaRPr lang="zh-CN" altLang="en-US"/>
           </a:p>
@@ -1524,7 +1523,7 @@
           <a:p>
             <a:fld id="{02E60DA2-A0BC-48C9-AA88-75C78721B420}" type="datetimeFigureOut">
               <a:rPr lang="zh-CN" altLang="en-US" smtClean="0"/>
-              <a:t>2018/2/27</a:t>
+              <a:t>2018/3/1</a:t>
             </a:fld>
             <a:endParaRPr lang="zh-CN" altLang="en-US"/>
           </a:p>
@@ -1827,7 +1826,7 @@
           <a:p>
             <a:fld id="{02E60DA2-A0BC-48C9-AA88-75C78721B420}" type="datetimeFigureOut">
               <a:rPr lang="zh-CN" altLang="en-US" smtClean="0"/>
-              <a:t>2018/2/27</a:t>
+              <a:t>2018/3/1</a:t>
             </a:fld>
             <a:endParaRPr lang="zh-CN" altLang="en-US"/>
           </a:p>
@@ -2278,7 +2277,7 @@
           <a:p>
             <a:fld id="{02E60DA2-A0BC-48C9-AA88-75C78721B420}" type="datetimeFigureOut">
               <a:rPr lang="zh-CN" altLang="en-US" smtClean="0"/>
-              <a:t>2018/2/27</a:t>
+              <a:t>2018/3/1</a:t>
             </a:fld>
             <a:endParaRPr lang="zh-CN" altLang="en-US"/>
           </a:p>
@@ -2451,7 +2450,7 @@
           <a:p>
             <a:fld id="{02E60DA2-A0BC-48C9-AA88-75C78721B420}" type="datetimeFigureOut">
               <a:rPr lang="zh-CN" altLang="en-US" smtClean="0"/>
-              <a:t>2018/2/27</a:t>
+              <a:t>2018/3/1</a:t>
             </a:fld>
             <a:endParaRPr lang="zh-CN" altLang="en-US"/>
           </a:p>
@@ -2588,7 +2587,7 @@
           <a:p>
             <a:fld id="{02E60DA2-A0BC-48C9-AA88-75C78721B420}" type="datetimeFigureOut">
               <a:rPr lang="zh-CN" altLang="en-US" smtClean="0"/>
-              <a:t>2018/2/27</a:t>
+              <a:t>2018/3/1</a:t>
             </a:fld>
             <a:endParaRPr lang="zh-CN" altLang="en-US"/>
           </a:p>
@@ -2932,7 +2931,7 @@
           <a:p>
             <a:fld id="{02E60DA2-A0BC-48C9-AA88-75C78721B420}" type="datetimeFigureOut">
               <a:rPr lang="zh-CN" altLang="en-US" smtClean="0"/>
-              <a:t>2018/2/27</a:t>
+              <a:t>2018/3/1</a:t>
             </a:fld>
             <a:endParaRPr lang="zh-CN" altLang="en-US"/>
           </a:p>
@@ -3154,7 +3153,7 @@
           <a:p>
             <a:fld id="{02E60DA2-A0BC-48C9-AA88-75C78721B420}" type="datetimeFigureOut">
               <a:rPr lang="zh-CN" altLang="en-US" smtClean="0"/>
-              <a:t>2018/2/27</a:t>
+              <a:t>2018/3/1</a:t>
             </a:fld>
             <a:endParaRPr lang="zh-CN" altLang="en-US"/>
           </a:p>
@@ -3475,7 +3474,7 @@
           <a:p>
             <a:fld id="{02E60DA2-A0BC-48C9-AA88-75C78721B420}" type="datetimeFigureOut">
               <a:rPr lang="zh-CN" altLang="en-US" smtClean="0"/>
-              <a:t>2018/2/27</a:t>
+              <a:t>2018/3/1</a:t>
             </a:fld>
             <a:endParaRPr lang="zh-CN" altLang="en-US"/>
           </a:p>
@@ -3713,7 +3712,7 @@
           <a:p>
             <a:fld id="{02E60DA2-A0BC-48C9-AA88-75C78721B420}" type="datetimeFigureOut">
               <a:rPr lang="zh-CN" altLang="en-US" smtClean="0"/>
-              <a:t>2018/2/27</a:t>
+              <a:t>2018/3/1</a:t>
             </a:fld>
             <a:endParaRPr lang="zh-CN" altLang="en-US"/>
           </a:p>
@@ -3951,7 +3950,7 @@
           <a:p>
             <a:fld id="{02E60DA2-A0BC-48C9-AA88-75C78721B420}" type="datetimeFigureOut">
               <a:rPr lang="zh-CN" altLang="en-US" smtClean="0"/>
-              <a:t>2018/2/27</a:t>
+              <a:t>2018/3/1</a:t>
             </a:fld>
             <a:endParaRPr lang="zh-CN" altLang="en-US"/>
           </a:p>
@@ -4250,7 +4249,7 @@
           <a:p>
             <a:fld id="{02E60DA2-A0BC-48C9-AA88-75C78721B420}" type="datetimeFigureOut">
               <a:rPr lang="zh-CN" altLang="en-US" smtClean="0"/>
-              <a:t>2018/2/27</a:t>
+              <a:t>2018/3/1</a:t>
             </a:fld>
             <a:endParaRPr lang="zh-CN" altLang="en-US"/>
           </a:p>
@@ -4539,7 +4538,7 @@
           <a:p>
             <a:fld id="{02E60DA2-A0BC-48C9-AA88-75C78721B420}" type="datetimeFigureOut">
               <a:rPr lang="zh-CN" altLang="en-US" smtClean="0"/>
-              <a:t>2018/2/27</a:t>
+              <a:t>2018/3/1</a:t>
             </a:fld>
             <a:endParaRPr lang="zh-CN" altLang="en-US"/>
           </a:p>
@@ -4975,7 +4974,7 @@
           <a:p>
             <a:fld id="{02E60DA2-A0BC-48C9-AA88-75C78721B420}" type="datetimeFigureOut">
               <a:rPr lang="zh-CN" altLang="en-US" smtClean="0"/>
-              <a:t>2018/2/27</a:t>
+              <a:t>2018/3/1</a:t>
             </a:fld>
             <a:endParaRPr lang="zh-CN" altLang="en-US"/>
           </a:p>
@@ -5140,7 +5139,7 @@
           <a:p>
             <a:fld id="{02E60DA2-A0BC-48C9-AA88-75C78721B420}" type="datetimeFigureOut">
               <a:rPr lang="zh-CN" altLang="en-US" smtClean="0"/>
-              <a:t>2018/2/27</a:t>
+              <a:t>2018/3/1</a:t>
             </a:fld>
             <a:endParaRPr lang="zh-CN" altLang="en-US"/>
           </a:p>
@@ -5277,7 +5276,7 @@
           <a:p>
             <a:fld id="{02E60DA2-A0BC-48C9-AA88-75C78721B420}" type="datetimeFigureOut">
               <a:rPr lang="zh-CN" altLang="en-US" smtClean="0"/>
-              <a:t>2018/2/27</a:t>
+              <a:t>2018/3/1</a:t>
             </a:fld>
             <a:endParaRPr lang="zh-CN" altLang="en-US"/>
           </a:p>
@@ -5612,7 +5611,7 @@
           <a:p>
             <a:fld id="{02E60DA2-A0BC-48C9-AA88-75C78721B420}" type="datetimeFigureOut">
               <a:rPr lang="zh-CN" altLang="en-US" smtClean="0"/>
-              <a:t>2018/2/27</a:t>
+              <a:t>2018/3/1</a:t>
             </a:fld>
             <a:endParaRPr lang="zh-CN" altLang="en-US"/>
           </a:p>
@@ -5924,7 +5923,7 @@
           <a:p>
             <a:fld id="{02E60DA2-A0BC-48C9-AA88-75C78721B420}" type="datetimeFigureOut">
               <a:rPr lang="zh-CN" altLang="en-US" smtClean="0"/>
-              <a:t>2018/2/27</a:t>
+              <a:t>2018/3/1</a:t>
             </a:fld>
             <a:endParaRPr lang="zh-CN" altLang="en-US"/>
           </a:p>
@@ -7111,137 +7110,6 @@
 </p:sld>
 </file>
 
-<file path=ppt/slides/slide10.xml><?xml version="1.0" encoding="utf-8"?>
-<p:sld xmlns:a="http://schemas.openxmlformats.org/drawingml/2006/main" xmlns:r="http://schemas.openxmlformats.org/officeDocument/2006/relationships" xmlns:p="http://schemas.openxmlformats.org/presentationml/2006/main">
-  <p:cSld>
-    <p:spTree>
-      <p:nvGrpSpPr>
-        <p:cNvPr id="1" name=""/>
-        <p:cNvGrpSpPr/>
-        <p:nvPr/>
-      </p:nvGrpSpPr>
-      <p:grpSpPr>
-        <a:xfrm>
-          <a:off x="0" y="0"/>
-          <a:ext cx="0" cy="0"/>
-          <a:chOff x="0" y="0"/>
-          <a:chExt cx="0" cy="0"/>
-        </a:xfrm>
-      </p:grpSpPr>
-      <p:sp>
-        <p:nvSpPr>
-          <p:cNvPr id="2" name="标题 1">
-            <a:extLst>
-              <a:ext uri="{FF2B5EF4-FFF2-40B4-BE49-F238E27FC236}">
-                <a16:creationId xmlns:a16="http://schemas.microsoft.com/office/drawing/2014/main" id="{8B88BACC-24DE-4087-9AB3-A099CF573089}"/>
-              </a:ext>
-            </a:extLst>
-          </p:cNvPr>
-          <p:cNvSpPr>
-            <a:spLocks noGrp="1"/>
-          </p:cNvSpPr>
-          <p:nvPr>
-            <p:ph type="title"/>
-          </p:nvPr>
-        </p:nvSpPr>
-        <p:spPr/>
-        <p:txBody>
-          <a:bodyPr/>
-          <a:lstStyle/>
-          <a:p>
-            <a:r>
-              <a:rPr lang="zh-CN" altLang="en-US" dirty="0"/>
-              <a:t>在</a:t>
-            </a:r>
-            <a:r>
-              <a:rPr lang="en-US" altLang="zh-CN" dirty="0"/>
-              <a:t>vim</a:t>
-            </a:r>
-            <a:r>
-              <a:rPr lang="zh-CN" altLang="en-US" dirty="0"/>
-              <a:t>中运行本地命令</a:t>
-            </a:r>
-          </a:p>
-        </p:txBody>
-      </p:sp>
-      <p:sp>
-        <p:nvSpPr>
-          <p:cNvPr id="3" name="内容占位符 2">
-            <a:extLst>
-              <a:ext uri="{FF2B5EF4-FFF2-40B4-BE49-F238E27FC236}">
-                <a16:creationId xmlns:a16="http://schemas.microsoft.com/office/drawing/2014/main" id="{0A1C6B17-780B-4799-8193-E52FD817AC0E}"/>
-              </a:ext>
-            </a:extLst>
-          </p:cNvPr>
-          <p:cNvSpPr>
-            <a:spLocks noGrp="1"/>
-          </p:cNvSpPr>
-          <p:nvPr>
-            <p:ph idx="1"/>
-          </p:nvPr>
-        </p:nvSpPr>
-        <p:spPr/>
-        <p:txBody>
-          <a:bodyPr/>
-          <a:lstStyle/>
-          <a:p>
-            <a:r>
-              <a:rPr lang="zh-CN" altLang="en-US" sz="2000" dirty="0"/>
-              <a:t>输入：！</a:t>
-            </a:r>
-            <a:r>
-              <a:rPr lang="en-US" altLang="zh-CN" sz="2000" dirty="0"/>
-              <a:t>echo ‘hello vim’</a:t>
-            </a:r>
-            <a:r>
-              <a:rPr lang="zh-CN" altLang="en-US" sz="2000" dirty="0"/>
-              <a:t>查看效果。</a:t>
-            </a:r>
-            <a:endParaRPr lang="en-US" altLang="zh-CN" sz="2000" dirty="0"/>
-          </a:p>
-          <a:p>
-            <a:endParaRPr lang="en-US" altLang="zh-CN" sz="2000" dirty="0"/>
-          </a:p>
-          <a:p>
-            <a:r>
-              <a:rPr lang="zh-CN" altLang="en-US" sz="2000" dirty="0"/>
-              <a:t>：！后面跟命令名称。</a:t>
-            </a:r>
-            <a:endParaRPr lang="en-US" altLang="zh-CN" sz="2000" dirty="0"/>
-          </a:p>
-          <a:p>
-            <a:endParaRPr lang="en-US" altLang="zh-CN" sz="2000" dirty="0"/>
-          </a:p>
-          <a:p>
-            <a:r>
-              <a:rPr lang="zh-CN" altLang="en-US" sz="2000" dirty="0"/>
-              <a:t>完成后会退出到</a:t>
-            </a:r>
-            <a:r>
-              <a:rPr lang="en-US" altLang="zh-CN" sz="2000" dirty="0"/>
-              <a:t>Vim</a:t>
-            </a:r>
-            <a:r>
-              <a:rPr lang="zh-CN" altLang="en-US" sz="2000" dirty="0"/>
-              <a:t>环境。</a:t>
-            </a:r>
-            <a:endParaRPr lang="en-US" altLang="zh-CN" sz="2000" dirty="0"/>
-          </a:p>
-        </p:txBody>
-      </p:sp>
-    </p:spTree>
-    <p:extLst>
-      <p:ext uri="{BB962C8B-B14F-4D97-AF65-F5344CB8AC3E}">
-        <p14:creationId xmlns:p14="http://schemas.microsoft.com/office/powerpoint/2010/main" val="902376419"/>
-      </p:ext>
-    </p:extLst>
-  </p:cSld>
-  <p:clrMapOvr>
-    <a:masterClrMapping/>
-  </p:clrMapOvr>
-</p:sld>
-</file>
-
 <file path=ppt/slides/slide2.xml><?xml version="1.0" encoding="utf-8"?>
 <p:sld xmlns:a="http://schemas.openxmlformats.org/drawingml/2006/main" xmlns:r="http://schemas.openxmlformats.org/officeDocument/2006/relationships" xmlns:p="http://schemas.openxmlformats.org/presentationml/2006/main">
   <p:cSld>
@@ -7639,9 +7507,12 @@
             </a:pPr>
             <a:r>
               <a:rPr lang="zh-CN" altLang="en-US" sz="1600" dirty="0"/>
-              <a:t>插入模式：编辑文本</a:t>
-            </a:r>
-            <a:endParaRPr lang="en-US" altLang="zh-CN" sz="1600" dirty="0"/>
+              <a:t>输入模式：编辑文本，左下角显</a:t>
+            </a:r>
+            <a:r>
+              <a:rPr lang="en-US" altLang="zh-CN" sz="1600" dirty="0"/>
+              <a:t>--INSERT--</a:t>
+            </a:r>
           </a:p>
           <a:p>
             <a:pPr marL="457200" lvl="1" indent="0">
@@ -7711,29 +7582,9 @@
             <a:endParaRPr lang="en-US" altLang="zh-CN" sz="2000" dirty="0"/>
           </a:p>
           <a:p>
-            <a:endParaRPr lang="en-US" altLang="zh-CN" sz="2000" dirty="0"/>
-          </a:p>
-          <a:p>
-            <a:r>
-              <a:rPr lang="zh-CN" altLang="en-US" sz="2000" dirty="0"/>
-              <a:t>在</a:t>
-            </a:r>
-            <a:r>
-              <a:rPr lang="en-US" altLang="zh-CN" sz="2000" dirty="0"/>
-              <a:t>Linux</a:t>
-            </a:r>
-            <a:r>
-              <a:rPr lang="zh-CN" altLang="en-US" sz="2000" dirty="0"/>
-              <a:t>上，使用</a:t>
-            </a:r>
-            <a:r>
-              <a:rPr lang="en-US" altLang="zh-CN" sz="2000" dirty="0"/>
-              <a:t>vim</a:t>
-            </a:r>
-            <a:r>
-              <a:rPr lang="zh-CN" altLang="en-US" sz="2000" dirty="0"/>
-              <a:t>的最好方式就是终端命令模式。</a:t>
-            </a:r>
+            <a:pPr marL="0" indent="0">
+              <a:buNone/>
+            </a:pPr>
             <a:endParaRPr lang="en-US" altLang="zh-CN" sz="2000" dirty="0"/>
           </a:p>
           <a:p>
@@ -7919,17 +7770,7 @@
             </a:r>
             <a:r>
               <a:rPr lang="zh-CN" altLang="en-US" sz="2000" dirty="0"/>
-              <a:t>。</a:t>
-            </a:r>
-            <a:endParaRPr lang="en-US" altLang="zh-CN" sz="2000" dirty="0"/>
-          </a:p>
-          <a:p>
-            <a:endParaRPr lang="en-US" altLang="zh-CN" sz="2000" dirty="0"/>
-          </a:p>
-          <a:p>
-            <a:r>
-              <a:rPr lang="zh-CN" altLang="en-US" sz="2000" dirty="0"/>
-              <a:t>之后运行</a:t>
+              <a:t>。之后运行</a:t>
             </a:r>
             <a:r>
               <a:rPr lang="en-US" altLang="zh-CN" sz="2000" dirty="0"/>
@@ -7960,9 +7801,6 @@
             <a:endParaRPr lang="en-US" altLang="zh-CN" sz="2000" dirty="0"/>
           </a:p>
           <a:p>
-            <a:endParaRPr lang="en-US" altLang="zh-CN" sz="2000" dirty="0"/>
-          </a:p>
-          <a:p>
             <a:r>
               <a:rPr lang="zh-CN" altLang="en-US" sz="2000" dirty="0"/>
               <a:t>此时进入</a:t>
@@ -7974,6 +7812,52 @@
             <a:r>
               <a:rPr lang="zh-CN" altLang="en-US" sz="2000" dirty="0"/>
               <a:t>是命令模式。</a:t>
+            </a:r>
+            <a:endParaRPr lang="en-US" altLang="zh-CN" sz="2000" dirty="0"/>
+          </a:p>
+          <a:p>
+            <a:endParaRPr lang="en-US" altLang="zh-CN" sz="2000" dirty="0"/>
+          </a:p>
+          <a:p>
+            <a:r>
+              <a:rPr lang="en-US" altLang="zh-CN" sz="2000" dirty="0"/>
+              <a:t>ESC</a:t>
+            </a:r>
+            <a:r>
+              <a:rPr lang="zh-CN" altLang="en-US" sz="2000" dirty="0"/>
+              <a:t>用于模式切换，当在命令模式输入</a:t>
+            </a:r>
+            <a:r>
+              <a:rPr lang="en-US" altLang="zh-CN" sz="2000" dirty="0" err="1"/>
+              <a:t>i</a:t>
+            </a:r>
+            <a:r>
+              <a:rPr lang="zh-CN" altLang="en-US" sz="2000" dirty="0"/>
+              <a:t>，</a:t>
+            </a:r>
+            <a:r>
+              <a:rPr lang="en-US" altLang="zh-CN" sz="2000" dirty="0"/>
+              <a:t>a</a:t>
+            </a:r>
+            <a:r>
+              <a:rPr lang="zh-CN" altLang="en-US" sz="2000" dirty="0"/>
+              <a:t>，</a:t>
+            </a:r>
+            <a:r>
+              <a:rPr lang="en-US" altLang="zh-CN" sz="2000" dirty="0"/>
+              <a:t>o</a:t>
+            </a:r>
+            <a:r>
+              <a:rPr lang="zh-CN" altLang="en-US" sz="2000" dirty="0"/>
+              <a:t>进行插入操作时，会切换到输入模式，此时按</a:t>
+            </a:r>
+            <a:r>
+              <a:rPr lang="en-US" altLang="zh-CN" sz="2000" dirty="0"/>
+              <a:t>ESC</a:t>
+            </a:r>
+            <a:r>
+              <a:rPr lang="zh-CN" altLang="en-US" sz="2000" dirty="0"/>
+              <a:t>会回到命令模式。</a:t>
             </a:r>
           </a:p>
           <a:p>
@@ -8040,10 +7924,9 @@
               <a:t>Vim</a:t>
             </a:r>
             <a:r>
-              <a:rPr lang="zh-CN" altLang="en-US"/>
-              <a:t>模式</a:t>
-            </a:r>
-            <a:endParaRPr lang="zh-CN" altLang="en-US" dirty="0"/>
+              <a:rPr lang="zh-CN" altLang="en-US" dirty="0"/>
+              <a:t>常用命令</a:t>
+            </a:r>
           </a:p>
         </p:txBody>
       </p:sp>
@@ -8065,17 +7948,236 @@
         </p:nvSpPr>
         <p:spPr/>
         <p:txBody>
-          <a:bodyPr/>
-          <a:lstStyle/>
-          <a:p>
+          <a:bodyPr>
+            <a:normAutofit/>
+          </a:bodyPr>
+          <a:lstStyle/>
+          <a:p>
+            <a:r>
+              <a:rPr lang="en-US" altLang="zh-CN" sz="2000" dirty="0"/>
+              <a:t>Vim</a:t>
+            </a:r>
+            <a:r>
+              <a:rPr lang="zh-CN" altLang="en-US" sz="2000" dirty="0"/>
+              <a:t>使用的是命令的组合，记住这一点很重要。</a:t>
+            </a:r>
             <a:endParaRPr lang="en-US" altLang="zh-CN" sz="2000" dirty="0"/>
+          </a:p>
+          <a:p>
+            <a:endParaRPr lang="en-US" altLang="zh-CN" sz="2000" dirty="0"/>
+          </a:p>
+          <a:p>
+            <a:r>
+              <a:rPr lang="zh-CN" altLang="en-US" sz="2000" dirty="0"/>
+              <a:t>启动</a:t>
+            </a:r>
+            <a:r>
+              <a:rPr lang="en-US" altLang="zh-CN" sz="2000" dirty="0"/>
+              <a:t>Vim</a:t>
+            </a:r>
+            <a:r>
+              <a:rPr lang="zh-CN" altLang="en-US" sz="2000" dirty="0"/>
+              <a:t>后，进入命令模式</a:t>
+            </a:r>
+            <a:endParaRPr lang="en-US" altLang="zh-CN" sz="2000" dirty="0"/>
+          </a:p>
+          <a:p>
+            <a:pPr marL="457200" lvl="1" indent="0">
+              <a:buNone/>
+            </a:pPr>
+            <a:r>
+              <a:rPr lang="en-US" altLang="zh-CN" sz="1800" dirty="0"/>
+              <a:t>h</a:t>
+            </a:r>
+            <a:r>
+              <a:rPr lang="zh-CN" altLang="en-US" sz="1800" dirty="0"/>
+              <a:t>：光标左移，</a:t>
+            </a:r>
+            <a:r>
+              <a:rPr lang="en-US" altLang="zh-CN" sz="1800" dirty="0"/>
+              <a:t>j</a:t>
+            </a:r>
+            <a:r>
+              <a:rPr lang="zh-CN" altLang="en-US" sz="1800" dirty="0"/>
+              <a:t>：光标移动到下一行，</a:t>
+            </a:r>
+            <a:r>
+              <a:rPr lang="en-US" altLang="zh-CN" sz="1800" dirty="0"/>
+              <a:t>k</a:t>
+            </a:r>
+            <a:r>
+              <a:rPr lang="zh-CN" altLang="en-US" sz="1800" dirty="0"/>
+              <a:t>：光标移动到上一行，</a:t>
+            </a:r>
+            <a:r>
+              <a:rPr lang="en-US" altLang="zh-CN" sz="1800" dirty="0"/>
+              <a:t>l</a:t>
+            </a:r>
+            <a:r>
+              <a:rPr lang="zh-CN" altLang="en-US" sz="1800" dirty="0"/>
+              <a:t>：光标右移。</a:t>
+            </a:r>
+            <a:endParaRPr lang="en-US" altLang="zh-CN" sz="1800" dirty="0"/>
+          </a:p>
+          <a:p>
+            <a:pPr marL="457200" lvl="1" indent="0">
+              <a:buNone/>
+            </a:pPr>
+            <a:r>
+              <a:rPr lang="en-US" altLang="zh-CN" sz="1800" dirty="0"/>
+              <a:t>X</a:t>
+            </a:r>
+            <a:r>
+              <a:rPr lang="zh-CN" altLang="en-US" sz="1800" dirty="0"/>
+              <a:t>：删除前面的字符，</a:t>
+            </a:r>
+            <a:r>
+              <a:rPr lang="en-US" altLang="zh-CN" sz="1800" dirty="0"/>
+              <a:t>x</a:t>
+            </a:r>
+            <a:r>
+              <a:rPr lang="zh-CN" altLang="en-US" sz="1800" dirty="0"/>
+              <a:t>：删除后面的字符。</a:t>
+            </a:r>
+            <a:endParaRPr lang="en-US" altLang="zh-CN" sz="1800" dirty="0"/>
+          </a:p>
+          <a:p>
+            <a:pPr marL="457200" lvl="1" indent="0">
+              <a:buNone/>
+            </a:pPr>
+            <a:r>
+              <a:rPr lang="zh-CN" altLang="en-US" sz="1800" dirty="0"/>
+              <a:t>输入</a:t>
+            </a:r>
+            <a:r>
+              <a:rPr lang="en-US" altLang="zh-CN" sz="1800" dirty="0" err="1"/>
+              <a:t>i</a:t>
+            </a:r>
+            <a:r>
+              <a:rPr lang="zh-CN" altLang="en-US" sz="1800" dirty="0"/>
+              <a:t>，</a:t>
+            </a:r>
+            <a:r>
+              <a:rPr lang="en-US" altLang="zh-CN" sz="1800" dirty="0"/>
+              <a:t>a</a:t>
+            </a:r>
+            <a:r>
+              <a:rPr lang="zh-CN" altLang="en-US" sz="1800" dirty="0"/>
+              <a:t>，</a:t>
+            </a:r>
+            <a:r>
+              <a:rPr lang="en-US" altLang="zh-CN" sz="1800" dirty="0"/>
+              <a:t>o</a:t>
+            </a:r>
+            <a:r>
+              <a:rPr lang="zh-CN" altLang="en-US" sz="1800" dirty="0"/>
+              <a:t>都会进行插入操作，分别是在当前位置插入，在后一个位置插入，在下一行插入。</a:t>
+            </a:r>
+            <a:endParaRPr lang="en-US" altLang="zh-CN" sz="1800" dirty="0"/>
+          </a:p>
+          <a:p>
+            <a:pPr marL="457200" lvl="1" indent="0">
+              <a:buNone/>
+            </a:pPr>
+            <a:endParaRPr lang="en-US" altLang="zh-CN" sz="1800" dirty="0"/>
+          </a:p>
+          <a:p>
+            <a:r>
+              <a:rPr lang="zh-CN" altLang="en-US" sz="2000" dirty="0"/>
+              <a:t>按</a:t>
+            </a:r>
+            <a:r>
+              <a:rPr lang="en-US" altLang="zh-CN" sz="2000" dirty="0"/>
+              <a:t>ESC</a:t>
+            </a:r>
+            <a:r>
+              <a:rPr lang="zh-CN" altLang="en-US" sz="2000" dirty="0"/>
+              <a:t>键返回到指令模式，输入</a:t>
+            </a:r>
+            <a:endParaRPr lang="en-US" altLang="zh-CN" sz="2000" dirty="0"/>
+          </a:p>
+          <a:p>
+            <a:pPr marL="457200" lvl="1" indent="0">
+              <a:buNone/>
+            </a:pPr>
+            <a:r>
+              <a:rPr lang="zh-CN" altLang="en-US" sz="1800" dirty="0"/>
+              <a:t>：</a:t>
+            </a:r>
+            <a:r>
+              <a:rPr lang="en-US" altLang="zh-CN" sz="1800" dirty="0"/>
+              <a:t>w    </a:t>
+            </a:r>
+            <a:r>
+              <a:rPr lang="zh-CN" altLang="en-US" sz="1800" dirty="0"/>
+              <a:t>写入文件</a:t>
+            </a:r>
+            <a:endParaRPr lang="en-US" altLang="zh-CN" sz="1800" dirty="0"/>
+          </a:p>
+          <a:p>
+            <a:pPr marL="457200" lvl="1" indent="0">
+              <a:buNone/>
+            </a:pPr>
+            <a:r>
+              <a:rPr lang="zh-CN" altLang="en-US" sz="1800" dirty="0"/>
+              <a:t>：</a:t>
+            </a:r>
+            <a:r>
+              <a:rPr lang="en-US" altLang="zh-CN" sz="1800" dirty="0"/>
+              <a:t>q     </a:t>
+            </a:r>
+            <a:r>
+              <a:rPr lang="zh-CN" altLang="en-US" sz="1800" dirty="0"/>
+              <a:t>退出文件</a:t>
+            </a:r>
+            <a:endParaRPr lang="en-US" altLang="zh-CN" sz="1800" dirty="0"/>
+          </a:p>
+          <a:p>
+            <a:pPr marL="457200" lvl="1" indent="0">
+              <a:buNone/>
+            </a:pPr>
+            <a:r>
+              <a:rPr lang="zh-CN" altLang="en-US" sz="1800" dirty="0"/>
+              <a:t>：</a:t>
+            </a:r>
+            <a:r>
+              <a:rPr lang="en-US" altLang="zh-CN" sz="1800" dirty="0" err="1"/>
+              <a:t>wq</a:t>
+            </a:r>
+            <a:r>
+              <a:rPr lang="en-US" altLang="zh-CN" sz="1800" dirty="0"/>
+              <a:t>  </a:t>
+            </a:r>
+            <a:r>
+              <a:rPr lang="zh-CN" altLang="en-US" sz="1800" dirty="0"/>
+              <a:t>写入并退出</a:t>
+            </a:r>
+            <a:endParaRPr lang="en-US" altLang="zh-CN" sz="1800" dirty="0"/>
+          </a:p>
+          <a:p>
+            <a:pPr marL="457200" lvl="1" indent="0">
+              <a:buNone/>
+            </a:pPr>
+            <a:r>
+              <a:rPr lang="zh-CN" altLang="en-US" sz="1800" dirty="0"/>
+              <a:t>：</a:t>
+            </a:r>
+            <a:r>
+              <a:rPr lang="en-US" altLang="zh-CN" sz="1800" dirty="0"/>
+              <a:t>q</a:t>
+            </a:r>
+            <a:r>
+              <a:rPr lang="zh-CN" altLang="en-US" sz="1800" dirty="0"/>
+              <a:t>！ 不保存退出</a:t>
+            </a:r>
+            <a:endParaRPr lang="en-US" altLang="zh-CN" sz="1800" dirty="0"/>
           </a:p>
         </p:txBody>
       </p:sp>
     </p:spTree>
     <p:extLst>
       <p:ext uri="{BB962C8B-B14F-4D97-AF65-F5344CB8AC3E}">
-        <p14:creationId xmlns:p14="http://schemas.microsoft.com/office/powerpoint/2010/main" val="3466496868"/>
+        <p14:creationId xmlns:p14="http://schemas.microsoft.com/office/powerpoint/2010/main" val="3129173604"/>
       </p:ext>
     </p:extLst>
   </p:cSld>
@@ -8153,235 +8255,338 @@
         <p:spPr/>
         <p:txBody>
           <a:bodyPr>
-            <a:normAutofit/>
+            <a:normAutofit fontScale="77500" lnSpcReduction="20000"/>
           </a:bodyPr>
           <a:lstStyle/>
           <a:p>
             <a:r>
+              <a:rPr lang="zh-CN" altLang="en-US" sz="2600" dirty="0"/>
+              <a:t>在命令模式：</a:t>
+            </a:r>
+            <a:endParaRPr lang="en-US" altLang="zh-CN" sz="2600" dirty="0"/>
+          </a:p>
+          <a:p>
+            <a:pPr marL="457200" lvl="1" indent="0">
+              <a:buNone/>
+            </a:pPr>
+            <a:r>
+              <a:rPr lang="en-US" altLang="zh-CN" sz="2100" dirty="0"/>
+              <a:t>d</a:t>
+            </a:r>
+            <a:r>
+              <a:rPr lang="zh-CN" altLang="en-US" sz="2100" dirty="0"/>
+              <a:t>      删除</a:t>
+            </a:r>
+            <a:r>
+              <a:rPr lang="en-US" altLang="zh-CN" sz="2100" dirty="0"/>
+              <a:t>/</a:t>
+            </a:r>
+            <a:r>
+              <a:rPr lang="zh-CN" altLang="en-US" sz="2100" dirty="0"/>
+              <a:t>剪切</a:t>
+            </a:r>
+            <a:endParaRPr lang="en-US" altLang="zh-CN" sz="2100" dirty="0"/>
+          </a:p>
+          <a:p>
+            <a:pPr marL="457200" lvl="1" indent="0">
+              <a:buNone/>
+            </a:pPr>
+            <a:r>
+              <a:rPr lang="en-US" altLang="zh-CN" sz="2100" dirty="0" err="1"/>
+              <a:t>dd</a:t>
+            </a:r>
+            <a:r>
+              <a:rPr lang="en-US" altLang="zh-CN" sz="2100" dirty="0"/>
+              <a:t>    </a:t>
+            </a:r>
+            <a:r>
+              <a:rPr lang="zh-CN" altLang="en-US" sz="2100" dirty="0"/>
+              <a:t>删除当前行</a:t>
+            </a:r>
+            <a:endParaRPr lang="en-US" altLang="zh-CN" sz="2100" dirty="0"/>
+          </a:p>
+          <a:p>
+            <a:pPr marL="457200" lvl="1" indent="0">
+              <a:buNone/>
+            </a:pPr>
+            <a:r>
+              <a:rPr lang="en-US" altLang="zh-CN" sz="2100" dirty="0" err="1"/>
+              <a:t>dj</a:t>
+            </a:r>
+            <a:r>
+              <a:rPr lang="en-US" altLang="zh-CN" sz="2100" dirty="0"/>
+              <a:t>     </a:t>
+            </a:r>
+            <a:r>
+              <a:rPr lang="zh-CN" altLang="en-US" sz="2100" dirty="0"/>
+              <a:t>删除当前行和下一行</a:t>
+            </a:r>
+            <a:endParaRPr lang="en-US" altLang="zh-CN" sz="2100" dirty="0"/>
+          </a:p>
+          <a:p>
+            <a:pPr marL="457200" lvl="1" indent="0">
+              <a:buNone/>
+            </a:pPr>
+            <a:r>
+              <a:rPr lang="en-US" altLang="zh-CN" sz="2100" dirty="0"/>
+              <a:t>d$    </a:t>
+            </a:r>
+            <a:r>
+              <a:rPr lang="zh-CN" altLang="en-US" sz="2100" dirty="0"/>
+              <a:t>删除到行尾的内容</a:t>
+            </a:r>
+            <a:endParaRPr lang="en-US" altLang="zh-CN" sz="2100" dirty="0"/>
+          </a:p>
+          <a:p>
+            <a:pPr marL="457200" lvl="1" indent="0">
+              <a:buNone/>
+            </a:pPr>
+            <a:r>
+              <a:rPr lang="en-US" altLang="zh-CN" sz="2100" dirty="0"/>
+              <a:t>2dd  </a:t>
+            </a:r>
+            <a:r>
+              <a:rPr lang="zh-CN" altLang="en-US" sz="2100" dirty="0"/>
+              <a:t>会重复两次运行</a:t>
+            </a:r>
+            <a:r>
+              <a:rPr lang="en-US" altLang="zh-CN" sz="2100" dirty="0" err="1"/>
+              <a:t>dd</a:t>
+            </a:r>
+            <a:r>
+              <a:rPr lang="zh-CN" altLang="en-US" sz="2100" dirty="0"/>
+              <a:t>命令</a:t>
+            </a:r>
+            <a:endParaRPr lang="en-US" altLang="zh-CN" sz="2100" dirty="0"/>
+          </a:p>
+          <a:p>
+            <a:pPr marL="457200" lvl="1" indent="0">
+              <a:buNone/>
+            </a:pPr>
+            <a:r>
+              <a:rPr lang="en-US" altLang="zh-CN" sz="2100" dirty="0" err="1"/>
+              <a:t>yy</a:t>
+            </a:r>
+            <a:r>
+              <a:rPr lang="en-US" altLang="zh-CN" sz="2100" dirty="0"/>
+              <a:t>    </a:t>
+            </a:r>
+            <a:r>
+              <a:rPr lang="zh-CN" altLang="en-US" sz="2100" dirty="0"/>
+              <a:t>复制当前行</a:t>
+            </a:r>
+            <a:endParaRPr lang="en-US" altLang="zh-CN" sz="2100" dirty="0"/>
+          </a:p>
+          <a:p>
+            <a:pPr marL="457200" lvl="1" indent="0">
+              <a:buNone/>
+            </a:pPr>
+            <a:r>
+              <a:rPr lang="en-US" altLang="zh-CN" sz="2100" dirty="0"/>
+              <a:t>p     </a:t>
+            </a:r>
+            <a:r>
+              <a:rPr lang="zh-CN" altLang="en-US" sz="2100" dirty="0"/>
+              <a:t>粘贴</a:t>
+            </a:r>
+            <a:endParaRPr lang="en-US" altLang="zh-CN" sz="2100" dirty="0"/>
+          </a:p>
+          <a:p>
+            <a:pPr marL="457200" lvl="1" indent="0">
+              <a:buNone/>
+            </a:pPr>
+            <a:r>
+              <a:rPr lang="en-US" altLang="zh-CN" sz="2100" dirty="0"/>
+              <a:t>V     </a:t>
+            </a:r>
+            <a:r>
+              <a:rPr lang="zh-CN" altLang="en-US" sz="2100" dirty="0"/>
+              <a:t>选中整行，此时移动光标可以成块选中</a:t>
+            </a:r>
+            <a:endParaRPr lang="en-US" altLang="zh-CN" sz="2100" dirty="0"/>
+          </a:p>
+          <a:p>
+            <a:pPr marL="457200" lvl="1" indent="0">
+              <a:buNone/>
+            </a:pPr>
+            <a:r>
+              <a:rPr lang="en-US" altLang="zh-CN" sz="2100" dirty="0"/>
+              <a:t>v      </a:t>
+            </a:r>
+            <a:r>
+              <a:rPr lang="zh-CN" altLang="en-US" sz="2100" dirty="0"/>
+              <a:t>从光标标记位置开始选中</a:t>
+            </a:r>
+            <a:endParaRPr lang="en-US" altLang="zh-CN" sz="2100" dirty="0"/>
+          </a:p>
+          <a:p>
+            <a:pPr marL="457200" lvl="1" indent="0">
+              <a:buNone/>
+            </a:pPr>
+            <a:r>
+              <a:rPr lang="en-US" altLang="zh-CN" sz="2100" dirty="0"/>
+              <a:t>u     </a:t>
+            </a:r>
+            <a:r>
+              <a:rPr lang="zh-CN" altLang="en-US" sz="2100" dirty="0"/>
+              <a:t>撤销更改</a:t>
+            </a:r>
+            <a:endParaRPr lang="en-US" altLang="zh-CN" sz="2100" dirty="0"/>
+          </a:p>
+          <a:p>
+            <a:pPr marL="457200" lvl="1" indent="0">
+              <a:buNone/>
+            </a:pPr>
+            <a:r>
+              <a:rPr lang="en-US" altLang="zh-CN" sz="2100" dirty="0" err="1"/>
+              <a:t>Ctrl+R</a:t>
+            </a:r>
+            <a:r>
+              <a:rPr lang="en-US" altLang="zh-CN" sz="2100" dirty="0"/>
+              <a:t>  </a:t>
+            </a:r>
+            <a:r>
+              <a:rPr lang="zh-CN" altLang="en-US" sz="2100" dirty="0"/>
+              <a:t>恢复更改，</a:t>
+            </a:r>
+            <a:r>
+              <a:rPr lang="en-US" altLang="zh-CN" sz="2100" dirty="0"/>
+              <a:t>R</a:t>
+            </a:r>
+            <a:r>
+              <a:rPr lang="zh-CN" altLang="en-US" sz="2100" dirty="0"/>
+              <a:t>大写</a:t>
+            </a:r>
+            <a:endParaRPr lang="en-US" altLang="zh-CN" sz="2100" dirty="0"/>
+          </a:p>
+          <a:p>
+            <a:pPr marL="0" indent="0">
+              <a:buNone/>
+            </a:pPr>
+            <a:r>
+              <a:rPr lang="en-US" altLang="zh-CN" sz="2100" dirty="0"/>
+              <a:t>       0     </a:t>
+            </a:r>
+            <a:r>
+              <a:rPr lang="zh-CN" altLang="en-US" sz="2100" dirty="0"/>
+              <a:t>到行首</a:t>
+            </a:r>
+            <a:endParaRPr lang="en-US" altLang="zh-CN" sz="2100" dirty="0"/>
+          </a:p>
+          <a:p>
+            <a:pPr marL="0" indent="0">
+              <a:buNone/>
+            </a:pPr>
+            <a:r>
+              <a:rPr lang="en-US" altLang="zh-CN" sz="2100" dirty="0"/>
+              <a:t>       $</a:t>
+            </a:r>
+            <a:r>
+              <a:rPr lang="zh-CN" altLang="en-US" sz="2100" dirty="0"/>
+              <a:t>      到行尾</a:t>
+            </a:r>
+            <a:endParaRPr lang="en-US" altLang="zh-CN" sz="2100" dirty="0"/>
+          </a:p>
+          <a:p>
+            <a:pPr marL="0" indent="0">
+              <a:buNone/>
+            </a:pPr>
+            <a:r>
               <a:rPr lang="en-US" altLang="zh-CN" sz="2000" dirty="0"/>
-              <a:t>Vim</a:t>
-            </a:r>
+              <a:t>       </a:t>
+            </a:r>
+          </a:p>
+          <a:p>
             <a:r>
               <a:rPr lang="zh-CN" altLang="en-US" sz="2000" dirty="0"/>
-              <a:t>使用的是命令的组合，记住这一点很重要。</a:t>
+              <a:t>输入：</a:t>
+            </a:r>
+            <a:r>
+              <a:rPr lang="en-US" altLang="zh-CN" sz="2000" dirty="0"/>
+              <a:t>0</a:t>
+            </a:r>
+            <a:r>
+              <a:rPr lang="zh-CN" altLang="en-US" sz="2000" dirty="0"/>
+              <a:t>会定位到第一行，：</a:t>
+            </a:r>
+            <a:r>
+              <a:rPr lang="en-US" altLang="zh-CN" sz="2000" dirty="0"/>
+              <a:t>$</a:t>
+            </a:r>
+            <a:r>
+              <a:rPr lang="zh-CN" altLang="en-US" sz="2000" dirty="0"/>
+              <a:t>定位到最后一行。</a:t>
             </a:r>
             <a:endParaRPr lang="en-US" altLang="zh-CN" sz="2000" dirty="0"/>
           </a:p>
           <a:p>
+            <a:r>
+              <a:rPr lang="zh-CN" altLang="en-US" sz="2000" dirty="0"/>
+              <a:t>输入：</a:t>
+            </a:r>
+            <a:r>
+              <a:rPr lang="en-US" altLang="zh-CN" sz="2000" dirty="0"/>
+              <a:t>/</a:t>
+            </a:r>
+            <a:r>
+              <a:rPr lang="zh-CN" altLang="en-US" sz="2000" dirty="0"/>
+              <a:t>执行搜索，：</a:t>
+            </a:r>
+            <a:r>
+              <a:rPr lang="en-US" altLang="zh-CN" sz="2000" dirty="0"/>
+              <a:t>/t</a:t>
+            </a:r>
+            <a:r>
+              <a:rPr lang="zh-CN" altLang="en-US" sz="2000" dirty="0"/>
+              <a:t>会搜索含有</a:t>
+            </a:r>
+            <a:r>
+              <a:rPr lang="en-US" altLang="zh-CN" sz="2000" dirty="0"/>
+              <a:t>t</a:t>
+            </a:r>
+            <a:r>
+              <a:rPr lang="zh-CN" altLang="en-US" sz="2000" dirty="0"/>
+              <a:t>的行。</a:t>
+            </a:r>
             <a:endParaRPr lang="en-US" altLang="zh-CN" sz="2000" dirty="0"/>
           </a:p>
           <a:p>
             <a:r>
               <a:rPr lang="zh-CN" altLang="en-US" sz="2000" dirty="0"/>
-              <a:t>启动</a:t>
+              <a:t>输入：</a:t>
             </a:r>
             <a:r>
               <a:rPr lang="en-US" altLang="zh-CN" sz="2000" dirty="0"/>
-              <a:t>Vim</a:t>
+              <a:t>help</a:t>
             </a:r>
             <a:r>
               <a:rPr lang="zh-CN" altLang="en-US" sz="2000" dirty="0"/>
-              <a:t>后，进入命令模式</a:t>
+              <a:t>获取帮助文档，输入：</a:t>
+            </a:r>
+            <a:r>
+              <a:rPr lang="en-US" altLang="zh-CN" sz="2000" dirty="0"/>
+              <a:t>help [</a:t>
+            </a:r>
+            <a:r>
+              <a:rPr lang="zh-CN" altLang="en-US" sz="2000" dirty="0"/>
+              <a:t>帮助文档名</a:t>
+            </a:r>
+            <a:r>
+              <a:rPr lang="en-US" altLang="zh-CN" sz="2000" dirty="0"/>
+              <a:t>]</a:t>
+            </a:r>
+            <a:r>
+              <a:rPr lang="zh-CN" altLang="en-US" sz="2000" dirty="0"/>
+              <a:t>获取具体信息。</a:t>
             </a:r>
             <a:endParaRPr lang="en-US" altLang="zh-CN" sz="2000" dirty="0"/>
-          </a:p>
-          <a:p>
-            <a:pPr marL="457200" lvl="1" indent="0">
-              <a:buNone/>
-            </a:pPr>
-            <a:r>
-              <a:rPr lang="en-US" altLang="zh-CN" sz="1800" dirty="0"/>
-              <a:t>h</a:t>
-            </a:r>
-            <a:r>
-              <a:rPr lang="zh-CN" altLang="en-US" sz="1800" dirty="0"/>
-              <a:t>：光标左移，</a:t>
-            </a:r>
-            <a:r>
-              <a:rPr lang="en-US" altLang="zh-CN" sz="1800" dirty="0"/>
-              <a:t>j</a:t>
-            </a:r>
-            <a:r>
-              <a:rPr lang="zh-CN" altLang="en-US" sz="1800" dirty="0"/>
-              <a:t>：光标移动到下一行，</a:t>
-            </a:r>
-            <a:r>
-              <a:rPr lang="en-US" altLang="zh-CN" sz="1800" dirty="0"/>
-              <a:t>k</a:t>
-            </a:r>
-            <a:r>
-              <a:rPr lang="zh-CN" altLang="en-US" sz="1800" dirty="0"/>
-              <a:t>：光标移动到上一行，</a:t>
-            </a:r>
-            <a:r>
-              <a:rPr lang="en-US" altLang="zh-CN" sz="1800" dirty="0"/>
-              <a:t>l</a:t>
-            </a:r>
-            <a:r>
-              <a:rPr lang="zh-CN" altLang="en-US" sz="1800" dirty="0"/>
-              <a:t>：光标右移。</a:t>
-            </a:r>
-            <a:endParaRPr lang="en-US" altLang="zh-CN" sz="1800" dirty="0"/>
-          </a:p>
-          <a:p>
-            <a:pPr marL="457200" lvl="1" indent="0">
-              <a:buNone/>
-            </a:pPr>
-            <a:r>
-              <a:rPr lang="en-US" altLang="zh-CN" sz="1800" dirty="0"/>
-              <a:t>X</a:t>
-            </a:r>
-            <a:r>
-              <a:rPr lang="zh-CN" altLang="en-US" sz="1800" dirty="0"/>
-              <a:t>：删除前面的字符，</a:t>
-            </a:r>
-            <a:r>
-              <a:rPr lang="en-US" altLang="zh-CN" sz="1800" dirty="0"/>
-              <a:t>x</a:t>
-            </a:r>
-            <a:r>
-              <a:rPr lang="zh-CN" altLang="en-US" sz="1800" dirty="0"/>
-              <a:t>：删除后面的字符。</a:t>
-            </a:r>
-            <a:endParaRPr lang="en-US" altLang="zh-CN" sz="1800" dirty="0"/>
-          </a:p>
-          <a:p>
-            <a:pPr marL="457200" lvl="1" indent="0">
-              <a:buNone/>
-            </a:pPr>
-            <a:r>
-              <a:rPr lang="zh-CN" altLang="en-US" sz="1800" dirty="0"/>
-              <a:t>输入</a:t>
-            </a:r>
-            <a:r>
-              <a:rPr lang="en-US" altLang="zh-CN" sz="1800" dirty="0" err="1"/>
-              <a:t>i</a:t>
-            </a:r>
-            <a:r>
-              <a:rPr lang="zh-CN" altLang="en-US" sz="1800" dirty="0"/>
-              <a:t>，</a:t>
-            </a:r>
-            <a:r>
-              <a:rPr lang="en-US" altLang="zh-CN" sz="1800" dirty="0"/>
-              <a:t>a</a:t>
-            </a:r>
-            <a:r>
-              <a:rPr lang="zh-CN" altLang="en-US" sz="1800" dirty="0"/>
-              <a:t>，</a:t>
-            </a:r>
-            <a:r>
-              <a:rPr lang="en-US" altLang="zh-CN" sz="1800" dirty="0"/>
-              <a:t>o</a:t>
-            </a:r>
-            <a:r>
-              <a:rPr lang="zh-CN" altLang="en-US" sz="1800" dirty="0"/>
-              <a:t>都会进行插入操作，分别是在当前位置插入，在后一个位置插入，在下一行插入。</a:t>
-            </a:r>
-            <a:endParaRPr lang="en-US" altLang="zh-CN" sz="1800" dirty="0"/>
-          </a:p>
-          <a:p>
-            <a:pPr marL="457200" lvl="1" indent="0">
-              <a:buNone/>
-            </a:pPr>
-            <a:endParaRPr lang="en-US" altLang="zh-CN" sz="1800" dirty="0"/>
-          </a:p>
-          <a:p>
-            <a:r>
-              <a:rPr lang="zh-CN" altLang="en-US" sz="2000" dirty="0"/>
-              <a:t>按</a:t>
-            </a:r>
-            <a:r>
-              <a:rPr lang="en-US" altLang="zh-CN" sz="2000" dirty="0"/>
-              <a:t>ESC</a:t>
-            </a:r>
-            <a:r>
-              <a:rPr lang="zh-CN" altLang="en-US" sz="2000" dirty="0"/>
-              <a:t>键返回到指令模式，输入</a:t>
-            </a:r>
-            <a:endParaRPr lang="en-US" altLang="zh-CN" sz="2000" dirty="0"/>
-          </a:p>
-          <a:p>
-            <a:pPr marL="457200" lvl="1" indent="0">
-              <a:buNone/>
-            </a:pPr>
-            <a:r>
-              <a:rPr lang="zh-CN" altLang="en-US" sz="1800" dirty="0"/>
-              <a:t>：</a:t>
-            </a:r>
-            <a:r>
-              <a:rPr lang="en-US" altLang="zh-CN" sz="1800" dirty="0"/>
-              <a:t>w    </a:t>
-            </a:r>
-            <a:r>
-              <a:rPr lang="zh-CN" altLang="en-US" sz="1800" dirty="0"/>
-              <a:t>写入文件</a:t>
-            </a:r>
-            <a:endParaRPr lang="en-US" altLang="zh-CN" sz="1800" dirty="0"/>
-          </a:p>
-          <a:p>
-            <a:pPr marL="457200" lvl="1" indent="0">
-              <a:buNone/>
-            </a:pPr>
-            <a:r>
-              <a:rPr lang="zh-CN" altLang="en-US" sz="1800" dirty="0"/>
-              <a:t>：</a:t>
-            </a:r>
-            <a:r>
-              <a:rPr lang="en-US" altLang="zh-CN" sz="1800" dirty="0"/>
-              <a:t>q     </a:t>
-            </a:r>
-            <a:r>
-              <a:rPr lang="zh-CN" altLang="en-US" sz="1800" dirty="0"/>
-              <a:t>退出文件</a:t>
-            </a:r>
-            <a:endParaRPr lang="en-US" altLang="zh-CN" sz="1800" dirty="0"/>
-          </a:p>
-          <a:p>
-            <a:pPr marL="457200" lvl="1" indent="0">
-              <a:buNone/>
-            </a:pPr>
-            <a:r>
-              <a:rPr lang="zh-CN" altLang="en-US" sz="1800" dirty="0"/>
-              <a:t>：</a:t>
-            </a:r>
-            <a:r>
-              <a:rPr lang="en-US" altLang="zh-CN" sz="1800" dirty="0" err="1"/>
-              <a:t>wq</a:t>
-            </a:r>
-            <a:r>
-              <a:rPr lang="en-US" altLang="zh-CN" sz="1800" dirty="0"/>
-              <a:t>  </a:t>
-            </a:r>
-            <a:r>
-              <a:rPr lang="zh-CN" altLang="en-US" sz="1800" dirty="0"/>
-              <a:t>写入并退出</a:t>
-            </a:r>
-            <a:endParaRPr lang="en-US" altLang="zh-CN" sz="1800" dirty="0"/>
-          </a:p>
-          <a:p>
-            <a:pPr marL="457200" lvl="1" indent="0">
-              <a:buNone/>
-            </a:pPr>
-            <a:r>
-              <a:rPr lang="zh-CN" altLang="en-US" sz="1800" dirty="0"/>
-              <a:t>：</a:t>
-            </a:r>
-            <a:r>
-              <a:rPr lang="en-US" altLang="zh-CN" sz="1800" dirty="0"/>
-              <a:t>q</a:t>
-            </a:r>
-            <a:r>
-              <a:rPr lang="zh-CN" altLang="en-US" sz="1800" dirty="0"/>
-              <a:t>！ 不保存退出</a:t>
-            </a:r>
-            <a:endParaRPr lang="en-US" altLang="zh-CN" sz="1800" dirty="0"/>
           </a:p>
         </p:txBody>
       </p:sp>
     </p:spTree>
     <p:extLst>
       <p:ext uri="{BB962C8B-B14F-4D97-AF65-F5344CB8AC3E}">
-        <p14:creationId xmlns:p14="http://schemas.microsoft.com/office/powerpoint/2010/main" val="3129173604"/>
+        <p14:creationId xmlns:p14="http://schemas.microsoft.com/office/powerpoint/2010/main" val="3274389365"/>
       </p:ext>
     </p:extLst>
   </p:cSld>
@@ -8435,7 +8640,7 @@
             </a:r>
             <a:r>
               <a:rPr lang="zh-CN" altLang="en-US" dirty="0"/>
-              <a:t>常用命令</a:t>
+              <a:t>配置文件</a:t>
             </a:r>
           </a:p>
         </p:txBody>
@@ -8458,330 +8663,152 @@
         </p:nvSpPr>
         <p:spPr/>
         <p:txBody>
-          <a:bodyPr>
-            <a:normAutofit fontScale="77500" lnSpcReduction="20000"/>
-          </a:bodyPr>
-          <a:lstStyle/>
-          <a:p>
-            <a:r>
-              <a:rPr lang="zh-CN" altLang="en-US" sz="2600" dirty="0"/>
-              <a:t>在命令模式：</a:t>
-            </a:r>
-            <a:endParaRPr lang="en-US" altLang="zh-CN" sz="2600" dirty="0"/>
-          </a:p>
-          <a:p>
-            <a:pPr marL="457200" lvl="1" indent="0">
-              <a:buNone/>
-            </a:pPr>
-            <a:r>
-              <a:rPr lang="en-US" altLang="zh-CN" sz="2100" dirty="0"/>
-              <a:t>d</a:t>
-            </a:r>
-            <a:r>
-              <a:rPr lang="zh-CN" altLang="en-US" sz="2100" dirty="0"/>
-              <a:t>      删除</a:t>
-            </a:r>
-            <a:r>
-              <a:rPr lang="en-US" altLang="zh-CN" sz="2100" dirty="0"/>
-              <a:t>/</a:t>
-            </a:r>
-            <a:r>
-              <a:rPr lang="zh-CN" altLang="en-US" sz="2100" dirty="0"/>
-              <a:t>剪切</a:t>
-            </a:r>
-            <a:endParaRPr lang="en-US" altLang="zh-CN" sz="2100" dirty="0"/>
-          </a:p>
-          <a:p>
-            <a:pPr marL="457200" lvl="1" indent="0">
-              <a:buNone/>
-            </a:pPr>
-            <a:r>
-              <a:rPr lang="en-US" altLang="zh-CN" sz="2100" dirty="0" err="1"/>
-              <a:t>dd</a:t>
-            </a:r>
-            <a:r>
-              <a:rPr lang="en-US" altLang="zh-CN" sz="2100" dirty="0"/>
-              <a:t>    </a:t>
-            </a:r>
-            <a:r>
-              <a:rPr lang="zh-CN" altLang="en-US" sz="2100" dirty="0"/>
-              <a:t>删除当前行</a:t>
-            </a:r>
-            <a:endParaRPr lang="en-US" altLang="zh-CN" sz="2100" dirty="0"/>
-          </a:p>
-          <a:p>
-            <a:pPr marL="457200" lvl="1" indent="0">
-              <a:buNone/>
-            </a:pPr>
-            <a:r>
-              <a:rPr lang="en-US" altLang="zh-CN" sz="2100" dirty="0" err="1"/>
-              <a:t>dj</a:t>
-            </a:r>
-            <a:r>
-              <a:rPr lang="en-US" altLang="zh-CN" sz="2100" dirty="0"/>
-              <a:t>     </a:t>
-            </a:r>
-            <a:r>
-              <a:rPr lang="zh-CN" altLang="en-US" sz="2100" dirty="0"/>
-              <a:t>删除当前行和下一行</a:t>
-            </a:r>
-            <a:endParaRPr lang="en-US" altLang="zh-CN" sz="2100" dirty="0"/>
-          </a:p>
-          <a:p>
-            <a:pPr marL="457200" lvl="1" indent="0">
-              <a:buNone/>
-            </a:pPr>
-            <a:r>
-              <a:rPr lang="en-US" altLang="zh-CN" sz="2100" dirty="0"/>
-              <a:t>d$    </a:t>
-            </a:r>
-            <a:r>
-              <a:rPr lang="zh-CN" altLang="en-US" sz="2100" dirty="0"/>
-              <a:t>删除到行尾的内容</a:t>
-            </a:r>
-            <a:endParaRPr lang="en-US" altLang="zh-CN" sz="2100" dirty="0"/>
-          </a:p>
-          <a:p>
-            <a:pPr marL="457200" lvl="1" indent="0">
-              <a:buNone/>
-            </a:pPr>
-            <a:r>
-              <a:rPr lang="en-US" altLang="zh-CN" sz="2100" dirty="0"/>
-              <a:t>2dd  </a:t>
-            </a:r>
-            <a:r>
-              <a:rPr lang="zh-CN" altLang="en-US" sz="2100" dirty="0"/>
-              <a:t>会重复两次运行</a:t>
-            </a:r>
-            <a:r>
-              <a:rPr lang="en-US" altLang="zh-CN" sz="2100" dirty="0" err="1"/>
-              <a:t>dd</a:t>
-            </a:r>
-            <a:r>
-              <a:rPr lang="zh-CN" altLang="en-US" sz="2100" dirty="0"/>
-              <a:t>命令</a:t>
-            </a:r>
-            <a:endParaRPr lang="en-US" altLang="zh-CN" sz="2100" dirty="0"/>
-          </a:p>
-          <a:p>
-            <a:pPr marL="457200" lvl="1" indent="0">
-              <a:buNone/>
-            </a:pPr>
-            <a:r>
-              <a:rPr lang="en-US" altLang="zh-CN" sz="2100" dirty="0" err="1"/>
-              <a:t>yy</a:t>
-            </a:r>
-            <a:r>
-              <a:rPr lang="en-US" altLang="zh-CN" sz="2100" dirty="0"/>
-              <a:t>    </a:t>
-            </a:r>
-            <a:r>
-              <a:rPr lang="zh-CN" altLang="en-US" sz="2100" dirty="0"/>
-              <a:t>复制当前行</a:t>
-            </a:r>
-            <a:endParaRPr lang="en-US" altLang="zh-CN" sz="2100" dirty="0"/>
-          </a:p>
-          <a:p>
-            <a:pPr marL="457200" lvl="1" indent="0">
-              <a:buNone/>
-            </a:pPr>
-            <a:r>
-              <a:rPr lang="en-US" altLang="zh-CN" sz="2100" dirty="0"/>
-              <a:t>p     </a:t>
-            </a:r>
-            <a:r>
-              <a:rPr lang="zh-CN" altLang="en-US" sz="2100" dirty="0"/>
-              <a:t>粘贴</a:t>
-            </a:r>
-            <a:endParaRPr lang="en-US" altLang="zh-CN" sz="2100" dirty="0"/>
-          </a:p>
-          <a:p>
-            <a:pPr marL="457200" lvl="1" indent="0">
-              <a:buNone/>
-            </a:pPr>
-            <a:r>
-              <a:rPr lang="en-US" altLang="zh-CN" sz="2100" dirty="0"/>
-              <a:t>V     </a:t>
-            </a:r>
-            <a:r>
-              <a:rPr lang="zh-CN" altLang="en-US" sz="2100" dirty="0"/>
-              <a:t>选中整行，此时移动光标可以成块选中</a:t>
-            </a:r>
-            <a:endParaRPr lang="en-US" altLang="zh-CN" sz="2100" dirty="0"/>
-          </a:p>
-          <a:p>
-            <a:pPr marL="457200" lvl="1" indent="0">
-              <a:buNone/>
-            </a:pPr>
-            <a:r>
-              <a:rPr lang="en-US" altLang="zh-CN" sz="2100" dirty="0"/>
-              <a:t>v      </a:t>
-            </a:r>
-            <a:r>
-              <a:rPr lang="zh-CN" altLang="en-US" sz="2100" dirty="0"/>
-              <a:t>从光标标记位置开始选中</a:t>
-            </a:r>
-            <a:endParaRPr lang="en-US" altLang="zh-CN" sz="2100" dirty="0"/>
-          </a:p>
-          <a:p>
-            <a:pPr marL="457200" lvl="1" indent="0">
-              <a:buNone/>
-            </a:pPr>
-            <a:r>
-              <a:rPr lang="en-US" altLang="zh-CN" sz="2100" dirty="0"/>
-              <a:t>u     </a:t>
-            </a:r>
-            <a:r>
-              <a:rPr lang="zh-CN" altLang="en-US" sz="2100" dirty="0"/>
-              <a:t>撤销更改</a:t>
-            </a:r>
-            <a:endParaRPr lang="en-US" altLang="zh-CN" sz="2100" dirty="0"/>
-          </a:p>
-          <a:p>
-            <a:pPr marL="457200" lvl="1" indent="0">
-              <a:buNone/>
-            </a:pPr>
-            <a:r>
-              <a:rPr lang="en-US" altLang="zh-CN" sz="2100" dirty="0" err="1"/>
-              <a:t>Ctrl+R</a:t>
-            </a:r>
-            <a:r>
-              <a:rPr lang="en-US" altLang="zh-CN" sz="2100" dirty="0"/>
-              <a:t>  </a:t>
-            </a:r>
-            <a:r>
-              <a:rPr lang="zh-CN" altLang="en-US" sz="2100" dirty="0"/>
-              <a:t>恢复更改，</a:t>
-            </a:r>
-            <a:r>
-              <a:rPr lang="en-US" altLang="zh-CN" sz="2100" dirty="0"/>
-              <a:t>R</a:t>
-            </a:r>
-            <a:r>
-              <a:rPr lang="zh-CN" altLang="en-US" sz="2100" dirty="0"/>
-              <a:t>大写</a:t>
-            </a:r>
-            <a:endParaRPr lang="en-US" altLang="zh-CN" sz="2100" dirty="0"/>
-          </a:p>
-          <a:p>
-            <a:pPr marL="0" indent="0">
-              <a:buNone/>
-            </a:pPr>
-            <a:r>
-              <a:rPr lang="en-US" altLang="zh-CN" sz="2100" dirty="0"/>
-              <a:t>       0     </a:t>
-            </a:r>
-            <a:r>
-              <a:rPr lang="zh-CN" altLang="en-US" sz="2100" dirty="0"/>
-              <a:t>到行首</a:t>
-            </a:r>
-            <a:endParaRPr lang="en-US" altLang="zh-CN" sz="2100" dirty="0"/>
-          </a:p>
-          <a:p>
-            <a:pPr marL="0" indent="0">
-              <a:buNone/>
-            </a:pPr>
-            <a:r>
-              <a:rPr lang="en-US" altLang="zh-CN" sz="2100" dirty="0"/>
-              <a:t>       $</a:t>
-            </a:r>
-            <a:r>
-              <a:rPr lang="zh-CN" altLang="en-US" sz="2100" dirty="0"/>
-              <a:t>      到行尾</a:t>
-            </a:r>
-            <a:endParaRPr lang="en-US" altLang="zh-CN" sz="2100" dirty="0"/>
-          </a:p>
-          <a:p>
-            <a:pPr marL="0" indent="0">
-              <a:buNone/>
-            </a:pPr>
+          <a:bodyPr/>
+          <a:lstStyle/>
+          <a:p>
+            <a:r>
+              <a:rPr lang="zh-CN" altLang="en-US" sz="2000" dirty="0"/>
+              <a:t>默认安装的</a:t>
+            </a:r>
             <a:r>
               <a:rPr lang="en-US" altLang="zh-CN" sz="2000" dirty="0"/>
-              <a:t>       </a:t>
-            </a:r>
-          </a:p>
-          <a:p>
+              <a:t>vim</a:t>
+            </a:r>
             <a:r>
               <a:rPr lang="zh-CN" altLang="en-US" sz="2000" dirty="0"/>
-              <a:t>输入：</a:t>
-            </a:r>
-            <a:r>
-              <a:rPr lang="en-US" altLang="zh-CN" sz="2000" dirty="0"/>
-              <a:t>0</a:t>
-            </a:r>
-            <a:r>
-              <a:rPr lang="zh-CN" altLang="en-US" sz="2000" dirty="0"/>
-              <a:t>会定位到第一行，：</a:t>
-            </a:r>
-            <a:r>
-              <a:rPr lang="en-US" altLang="zh-CN" sz="2000" dirty="0"/>
-              <a:t>$</a:t>
-            </a:r>
-            <a:r>
-              <a:rPr lang="zh-CN" altLang="en-US" sz="2000" dirty="0"/>
-              <a:t>定位到最后一行。</a:t>
-            </a:r>
-            <a:endParaRPr lang="en-US" altLang="zh-CN" sz="2000" dirty="0"/>
-          </a:p>
-          <a:p>
-            <a:r>
-              <a:rPr lang="zh-CN" altLang="en-US" sz="2000" dirty="0"/>
-              <a:t>输入：</a:t>
+              <a:t>配置文件在</a:t>
             </a:r>
             <a:r>
               <a:rPr lang="en-US" altLang="zh-CN" sz="2000" dirty="0"/>
               <a:t>/</a:t>
             </a:r>
             <a:r>
+              <a:rPr lang="en-US" altLang="zh-CN" sz="2000" dirty="0" err="1"/>
+              <a:t>etc</a:t>
+            </a:r>
+            <a:r>
+              <a:rPr lang="en-US" altLang="zh-CN" sz="2000" dirty="0"/>
+              <a:t>/</a:t>
+            </a:r>
+            <a:r>
+              <a:rPr lang="en-US" altLang="zh-CN" sz="2000" dirty="0" err="1"/>
+              <a:t>vimrc</a:t>
+            </a:r>
+            <a:r>
               <a:rPr lang="zh-CN" altLang="en-US" sz="2000" dirty="0"/>
-              <a:t>执行搜索，：</a:t>
+              <a:t>。</a:t>
+            </a:r>
+            <a:endParaRPr lang="en-US" altLang="zh-CN" sz="2000" dirty="0"/>
+          </a:p>
+          <a:p>
+            <a:endParaRPr lang="en-US" altLang="zh-CN" sz="2000" dirty="0"/>
+          </a:p>
+          <a:p>
+            <a:r>
+              <a:rPr lang="zh-CN" altLang="en-US" sz="2000" dirty="0"/>
+              <a:t>在用户主目录下，创建</a:t>
             </a:r>
             <a:r>
               <a:rPr lang="en-US" altLang="zh-CN" sz="2000" dirty="0"/>
-              <a:t>/t</a:t>
+              <a:t>.</a:t>
+            </a:r>
+            <a:r>
+              <a:rPr lang="en-US" altLang="zh-CN" sz="2000" dirty="0" err="1"/>
+              <a:t>vimrc</a:t>
             </a:r>
             <a:r>
               <a:rPr lang="zh-CN" altLang="en-US" sz="2000" dirty="0"/>
-              <a:t>会搜索含有</a:t>
+              <a:t>文件也是</a:t>
             </a:r>
             <a:r>
               <a:rPr lang="en-US" altLang="zh-CN" sz="2000" dirty="0"/>
-              <a:t>t</a:t>
+              <a:t>vim</a:t>
             </a:r>
             <a:r>
               <a:rPr lang="zh-CN" altLang="en-US" sz="2000" dirty="0"/>
-              <a:t>的行。</a:t>
+              <a:t>默认读取的配置文件。</a:t>
             </a:r>
             <a:endParaRPr lang="en-US" altLang="zh-CN" sz="2000" dirty="0"/>
           </a:p>
           <a:p>
+            <a:endParaRPr lang="en-US" altLang="zh-CN" sz="2000" dirty="0"/>
+          </a:p>
+          <a:p>
+            <a:r>
+              <a:rPr lang="en-US" altLang="zh-CN" sz="2000" dirty="0"/>
+              <a:t>vim</a:t>
+            </a:r>
             <a:r>
               <a:rPr lang="zh-CN" altLang="en-US" sz="2000" dirty="0"/>
-              <a:t>输入：</a:t>
+              <a:t>在启动时会先读取</a:t>
             </a:r>
             <a:r>
               <a:rPr lang="en-US" altLang="zh-CN" sz="2000" dirty="0"/>
-              <a:t>help</a:t>
+              <a:t>/</a:t>
+            </a:r>
+            <a:r>
+              <a:rPr lang="en-US" altLang="zh-CN" sz="2000" dirty="0" err="1"/>
+              <a:t>etc</a:t>
+            </a:r>
+            <a:r>
+              <a:rPr lang="en-US" altLang="zh-CN" sz="2000" dirty="0"/>
+              <a:t>/</a:t>
+            </a:r>
+            <a:r>
+              <a:rPr lang="en-US" altLang="zh-CN" sz="2000" dirty="0" err="1"/>
+              <a:t>vimrc</a:t>
             </a:r>
             <a:r>
               <a:rPr lang="zh-CN" altLang="en-US" sz="2000" dirty="0"/>
-              <a:t>获取帮助文档，输入：</a:t>
+              <a:t>，然后是</a:t>
             </a:r>
             <a:r>
               <a:rPr lang="en-US" altLang="zh-CN" sz="2000" dirty="0"/>
-              <a:t>help [</a:t>
+              <a:t>.</a:t>
+            </a:r>
+            <a:r>
+              <a:rPr lang="en-US" altLang="zh-CN" sz="2000" dirty="0" err="1"/>
+              <a:t>vimrc</a:t>
+            </a:r>
+            <a:r>
+              <a:rPr lang="en-US" altLang="zh-CN" sz="2000" dirty="0"/>
+              <a:t> </a:t>
             </a:r>
             <a:r>
               <a:rPr lang="zh-CN" altLang="en-US" sz="2000" dirty="0"/>
-              <a:t>帮助文档名</a:t>
+              <a:t>，重复的配置，</a:t>
             </a:r>
             <a:r>
               <a:rPr lang="en-US" altLang="zh-CN" sz="2000" dirty="0"/>
-              <a:t>]</a:t>
+              <a:t>.</a:t>
+            </a:r>
+            <a:r>
+              <a:rPr lang="en-US" altLang="zh-CN" sz="2000" dirty="0" err="1"/>
+              <a:t>vimrc</a:t>
             </a:r>
             <a:r>
               <a:rPr lang="zh-CN" altLang="en-US" sz="2000" dirty="0"/>
-              <a:t>获取具体信息。</a:t>
+              <a:t>会覆盖</a:t>
+            </a:r>
+            <a:r>
+              <a:rPr lang="en-US" altLang="zh-CN" sz="2000" dirty="0"/>
+              <a:t>/</a:t>
+            </a:r>
+            <a:r>
+              <a:rPr lang="en-US" altLang="zh-CN" sz="2000" dirty="0" err="1"/>
+              <a:t>etc</a:t>
+            </a:r>
+            <a:r>
+              <a:rPr lang="en-US" altLang="zh-CN" sz="2000" dirty="0"/>
+              <a:t>/</a:t>
+            </a:r>
+            <a:r>
+              <a:rPr lang="en-US" altLang="zh-CN" sz="2000" dirty="0" err="1"/>
+              <a:t>vimrc</a:t>
+            </a:r>
+            <a:r>
+              <a:rPr lang="zh-CN" altLang="en-US" sz="2000" dirty="0"/>
+              <a:t>的配置。</a:t>
             </a:r>
             <a:endParaRPr lang="en-US" altLang="zh-CN" sz="2000" dirty="0"/>
           </a:p>
@@ -8790,7 +8817,7 @@
     </p:spTree>
     <p:extLst>
       <p:ext uri="{BB962C8B-B14F-4D97-AF65-F5344CB8AC3E}">
-        <p14:creationId xmlns:p14="http://schemas.microsoft.com/office/powerpoint/2010/main" val="3274389365"/>
+        <p14:creationId xmlns:p14="http://schemas.microsoft.com/office/powerpoint/2010/main" val="3045266092"/>
       </p:ext>
     </p:extLst>
   </p:cSld>
@@ -8839,180 +8866,80 @@
           <a:lstStyle/>
           <a:p>
             <a:r>
+              <a:rPr lang="zh-CN" altLang="en-US" dirty="0"/>
+              <a:t>在</a:t>
+            </a:r>
+            <a:r>
               <a:rPr lang="en-US" altLang="zh-CN" dirty="0"/>
+              <a:t>vim</a:t>
+            </a:r>
+            <a:r>
+              <a:rPr lang="zh-CN" altLang="en-US" dirty="0"/>
+              <a:t>中运行本地命令</a:t>
+            </a:r>
+          </a:p>
+        </p:txBody>
+      </p:sp>
+      <p:sp>
+        <p:nvSpPr>
+          <p:cNvPr id="3" name="内容占位符 2">
+            <a:extLst>
+              <a:ext uri="{FF2B5EF4-FFF2-40B4-BE49-F238E27FC236}">
+                <a16:creationId xmlns:a16="http://schemas.microsoft.com/office/drawing/2014/main" id="{0A1C6B17-780B-4799-8193-E52FD817AC0E}"/>
+              </a:ext>
+            </a:extLst>
+          </p:cNvPr>
+          <p:cNvSpPr>
+            <a:spLocks noGrp="1"/>
+          </p:cNvSpPr>
+          <p:nvPr>
+            <p:ph idx="1"/>
+          </p:nvPr>
+        </p:nvSpPr>
+        <p:spPr/>
+        <p:txBody>
+          <a:bodyPr/>
+          <a:lstStyle/>
+          <a:p>
+            <a:r>
+              <a:rPr lang="zh-CN" altLang="en-US" sz="2000" dirty="0"/>
+              <a:t>输入：！</a:t>
+            </a:r>
+            <a:r>
+              <a:rPr lang="en-US" altLang="zh-CN" sz="2000" dirty="0"/>
+              <a:t>echo ‘hello vim’</a:t>
+            </a:r>
+            <a:r>
+              <a:rPr lang="zh-CN" altLang="en-US" sz="2000" dirty="0"/>
+              <a:t>查看效果。</a:t>
+            </a:r>
+            <a:endParaRPr lang="en-US" altLang="zh-CN" sz="2000" dirty="0"/>
+          </a:p>
+          <a:p>
+            <a:endParaRPr lang="en-US" altLang="zh-CN" sz="2000" dirty="0"/>
+          </a:p>
+          <a:p>
+            <a:r>
+              <a:rPr lang="zh-CN" altLang="en-US" sz="2000" dirty="0"/>
+              <a:t>：！后面跟命令名称。</a:t>
+            </a:r>
+            <a:endParaRPr lang="en-US" altLang="zh-CN" sz="2000" dirty="0"/>
+          </a:p>
+          <a:p>
+            <a:endParaRPr lang="en-US" altLang="zh-CN" sz="2000" dirty="0"/>
+          </a:p>
+          <a:p>
+            <a:r>
+              <a:rPr lang="zh-CN" altLang="en-US" sz="2000" dirty="0"/>
+              <a:t>完成后会退出到</a:t>
+            </a:r>
+            <a:r>
+              <a:rPr lang="en-US" altLang="zh-CN" sz="2000" dirty="0"/>
               <a:t>Vim</a:t>
             </a:r>
             <a:r>
-              <a:rPr lang="zh-CN" altLang="en-US" dirty="0"/>
-              <a:t>配置文件</a:t>
-            </a:r>
-          </a:p>
-        </p:txBody>
-      </p:sp>
-      <p:sp>
-        <p:nvSpPr>
-          <p:cNvPr id="3" name="内容占位符 2">
-            <a:extLst>
-              <a:ext uri="{FF2B5EF4-FFF2-40B4-BE49-F238E27FC236}">
-                <a16:creationId xmlns:a16="http://schemas.microsoft.com/office/drawing/2014/main" id="{0A1C6B17-780B-4799-8193-E52FD817AC0E}"/>
-              </a:ext>
-            </a:extLst>
-          </p:cNvPr>
-          <p:cNvSpPr>
-            <a:spLocks noGrp="1"/>
-          </p:cNvSpPr>
-          <p:nvPr>
-            <p:ph idx="1"/>
-          </p:nvPr>
-        </p:nvSpPr>
-        <p:spPr/>
-        <p:txBody>
-          <a:bodyPr/>
-          <a:lstStyle/>
-          <a:p>
-            <a:r>
               <a:rPr lang="zh-CN" altLang="en-US" sz="2000" dirty="0"/>
-              <a:t>默认安装的</a:t>
-            </a:r>
-            <a:r>
-              <a:rPr lang="en-US" altLang="zh-CN" sz="2000" dirty="0"/>
-              <a:t>vim</a:t>
-            </a:r>
-            <a:r>
-              <a:rPr lang="zh-CN" altLang="en-US" sz="2000" dirty="0"/>
-              <a:t>配置文件在</a:t>
-            </a:r>
-            <a:r>
-              <a:rPr lang="en-US" altLang="zh-CN" sz="2000" dirty="0"/>
-              <a:t>/</a:t>
-            </a:r>
-            <a:r>
-              <a:rPr lang="en-US" altLang="zh-CN" sz="2000" dirty="0" err="1"/>
-              <a:t>etc</a:t>
-            </a:r>
-            <a:r>
-              <a:rPr lang="en-US" altLang="zh-CN" sz="2000" dirty="0"/>
-              <a:t>/</a:t>
-            </a:r>
-            <a:r>
-              <a:rPr lang="en-US" altLang="zh-CN" sz="2000" dirty="0" err="1"/>
-              <a:t>vimrc</a:t>
-            </a:r>
-            <a:r>
-              <a:rPr lang="zh-CN" altLang="en-US" sz="2000" dirty="0"/>
-              <a:t>。</a:t>
-            </a:r>
-            <a:endParaRPr lang="en-US" altLang="zh-CN" sz="2000" dirty="0"/>
-          </a:p>
-          <a:p>
-            <a:endParaRPr lang="en-US" altLang="zh-CN" sz="2000" dirty="0"/>
-          </a:p>
-          <a:p>
-            <a:r>
-              <a:rPr lang="zh-CN" altLang="en-US" sz="2000" dirty="0"/>
-              <a:t>在用户主目录下，创建</a:t>
-            </a:r>
-            <a:r>
-              <a:rPr lang="en-US" altLang="zh-CN" sz="2000" dirty="0"/>
-              <a:t>.</a:t>
-            </a:r>
-            <a:r>
-              <a:rPr lang="en-US" altLang="zh-CN" sz="2000" dirty="0" err="1"/>
-              <a:t>vimrc</a:t>
-            </a:r>
-            <a:r>
-              <a:rPr lang="zh-CN" altLang="en-US" sz="2000" dirty="0"/>
-              <a:t>文件也是</a:t>
-            </a:r>
-            <a:r>
-              <a:rPr lang="en-US" altLang="zh-CN" sz="2000" dirty="0"/>
-              <a:t>vim</a:t>
-            </a:r>
-            <a:r>
-              <a:rPr lang="zh-CN" altLang="en-US" sz="2000" dirty="0"/>
-              <a:t>默认读取的配置文件。</a:t>
-            </a:r>
-            <a:endParaRPr lang="en-US" altLang="zh-CN" sz="2000" dirty="0"/>
-          </a:p>
-          <a:p>
-            <a:endParaRPr lang="en-US" altLang="zh-CN" sz="2000" dirty="0"/>
-          </a:p>
-          <a:p>
-            <a:r>
-              <a:rPr lang="en-US" altLang="zh-CN" sz="2000" dirty="0"/>
-              <a:t>vim</a:t>
-            </a:r>
-            <a:r>
-              <a:rPr lang="zh-CN" altLang="en-US" sz="2000" dirty="0"/>
-              <a:t>在启动时会先读取</a:t>
-            </a:r>
-            <a:r>
-              <a:rPr lang="en-US" altLang="zh-CN" sz="2000" dirty="0"/>
-              <a:t>/</a:t>
-            </a:r>
-            <a:r>
-              <a:rPr lang="en-US" altLang="zh-CN" sz="2000" dirty="0" err="1"/>
-              <a:t>etc</a:t>
-            </a:r>
-            <a:r>
-              <a:rPr lang="en-US" altLang="zh-CN" sz="2000" dirty="0"/>
-              <a:t>/</a:t>
-            </a:r>
-            <a:r>
-              <a:rPr lang="en-US" altLang="zh-CN" sz="2000" dirty="0" err="1"/>
-              <a:t>vimrc</a:t>
-            </a:r>
-            <a:r>
-              <a:rPr lang="zh-CN" altLang="en-US" sz="2000" dirty="0"/>
-              <a:t>，然后是</a:t>
-            </a:r>
-            <a:r>
-              <a:rPr lang="en-US" altLang="zh-CN" sz="2000" dirty="0"/>
-              <a:t>.</a:t>
-            </a:r>
-            <a:r>
-              <a:rPr lang="en-US" altLang="zh-CN" sz="2000" dirty="0" err="1"/>
-              <a:t>vimrc</a:t>
-            </a:r>
-            <a:r>
-              <a:rPr lang="en-US" altLang="zh-CN" sz="2000" dirty="0"/>
-              <a:t> </a:t>
-            </a:r>
-            <a:r>
-              <a:rPr lang="zh-CN" altLang="en-US" sz="2000" dirty="0"/>
-              <a:t>，重复的配置，</a:t>
-            </a:r>
-            <a:r>
-              <a:rPr lang="en-US" altLang="zh-CN" sz="2000" dirty="0"/>
-              <a:t>.</a:t>
-            </a:r>
-            <a:r>
-              <a:rPr lang="en-US" altLang="zh-CN" sz="2000" dirty="0" err="1"/>
-              <a:t>vimrc</a:t>
-            </a:r>
-            <a:r>
-              <a:rPr lang="zh-CN" altLang="en-US" sz="2000" dirty="0"/>
-              <a:t>会覆盖</a:t>
-            </a:r>
-            <a:r>
-              <a:rPr lang="en-US" altLang="zh-CN" sz="2000" dirty="0"/>
-              <a:t>/</a:t>
-            </a:r>
-            <a:r>
-              <a:rPr lang="en-US" altLang="zh-CN" sz="2000" dirty="0" err="1"/>
-              <a:t>etc</a:t>
-            </a:r>
-            <a:r>
-              <a:rPr lang="en-US" altLang="zh-CN" sz="2000" dirty="0"/>
-              <a:t>/</a:t>
-            </a:r>
-            <a:r>
-              <a:rPr lang="en-US" altLang="zh-CN" sz="2000" dirty="0" err="1"/>
-              <a:t>vimrc</a:t>
-            </a:r>
-            <a:r>
-              <a:rPr lang="zh-CN" altLang="en-US" sz="2000" dirty="0"/>
-              <a:t>的配置。</a:t>
+              <a:t>环境。</a:t>
             </a:r>
             <a:endParaRPr lang="en-US" altLang="zh-CN" sz="2000" dirty="0"/>
           </a:p>
@@ -9021,7 +8948,7 @@
     </p:spTree>
     <p:extLst>
       <p:ext uri="{BB962C8B-B14F-4D97-AF65-F5344CB8AC3E}">
-        <p14:creationId xmlns:p14="http://schemas.microsoft.com/office/powerpoint/2010/main" val="3045266092"/>
+        <p14:creationId xmlns:p14="http://schemas.microsoft.com/office/powerpoint/2010/main" val="902376419"/>
       </p:ext>
     </p:extLst>
   </p:cSld>

--- a/materials/slides/ch07-edit-file.pptx
+++ b/materials/slides/ch07-edit-file.pptx
@@ -276,7 +276,7 @@
           <a:p>
             <a:fld id="{02E60DA2-A0BC-48C9-AA88-75C78721B420}" type="datetimeFigureOut">
               <a:rPr lang="zh-CN" altLang="en-US" smtClean="0"/>
-              <a:t>2018/3/1</a:t>
+              <a:t>2018/3/3</a:t>
             </a:fld>
             <a:endParaRPr lang="zh-CN" altLang="en-US"/>
           </a:p>
@@ -498,7 +498,7 @@
           <a:p>
             <a:fld id="{02E60DA2-A0BC-48C9-AA88-75C78721B420}" type="datetimeFigureOut">
               <a:rPr lang="zh-CN" altLang="en-US" smtClean="0"/>
-              <a:t>2018/3/1</a:t>
+              <a:t>2018/3/3</a:t>
             </a:fld>
             <a:endParaRPr lang="zh-CN" altLang="en-US"/>
           </a:p>
@@ -730,7 +730,7 @@
           <a:p>
             <a:fld id="{02E60DA2-A0BC-48C9-AA88-75C78721B420}" type="datetimeFigureOut">
               <a:rPr lang="zh-CN" altLang="en-US" smtClean="0"/>
-              <a:t>2018/3/1</a:t>
+              <a:t>2018/3/3</a:t>
             </a:fld>
             <a:endParaRPr lang="zh-CN" altLang="en-US"/>
           </a:p>
@@ -980,7 +980,7 @@
           <a:p>
             <a:fld id="{02E60DA2-A0BC-48C9-AA88-75C78721B420}" type="datetimeFigureOut">
               <a:rPr lang="zh-CN" altLang="en-US" smtClean="0"/>
-              <a:t>2018/3/1</a:t>
+              <a:t>2018/3/3</a:t>
             </a:fld>
             <a:endParaRPr lang="zh-CN" altLang="en-US"/>
           </a:p>
@@ -1218,7 +1218,7 @@
           <a:p>
             <a:fld id="{02E60DA2-A0BC-48C9-AA88-75C78721B420}" type="datetimeFigureOut">
               <a:rPr lang="zh-CN" altLang="en-US" smtClean="0"/>
-              <a:t>2018/3/1</a:t>
+              <a:t>2018/3/3</a:t>
             </a:fld>
             <a:endParaRPr lang="zh-CN" altLang="en-US"/>
           </a:p>
@@ -1523,7 +1523,7 @@
           <a:p>
             <a:fld id="{02E60DA2-A0BC-48C9-AA88-75C78721B420}" type="datetimeFigureOut">
               <a:rPr lang="zh-CN" altLang="en-US" smtClean="0"/>
-              <a:t>2018/3/1</a:t>
+              <a:t>2018/3/3</a:t>
             </a:fld>
             <a:endParaRPr lang="zh-CN" altLang="en-US"/>
           </a:p>
@@ -1826,7 +1826,7 @@
           <a:p>
             <a:fld id="{02E60DA2-A0BC-48C9-AA88-75C78721B420}" type="datetimeFigureOut">
               <a:rPr lang="zh-CN" altLang="en-US" smtClean="0"/>
-              <a:t>2018/3/1</a:t>
+              <a:t>2018/3/3</a:t>
             </a:fld>
             <a:endParaRPr lang="zh-CN" altLang="en-US"/>
           </a:p>
@@ -2277,7 +2277,7 @@
           <a:p>
             <a:fld id="{02E60DA2-A0BC-48C9-AA88-75C78721B420}" type="datetimeFigureOut">
               <a:rPr lang="zh-CN" altLang="en-US" smtClean="0"/>
-              <a:t>2018/3/1</a:t>
+              <a:t>2018/3/3</a:t>
             </a:fld>
             <a:endParaRPr lang="zh-CN" altLang="en-US"/>
           </a:p>
@@ -2450,7 +2450,7 @@
           <a:p>
             <a:fld id="{02E60DA2-A0BC-48C9-AA88-75C78721B420}" type="datetimeFigureOut">
               <a:rPr lang="zh-CN" altLang="en-US" smtClean="0"/>
-              <a:t>2018/3/1</a:t>
+              <a:t>2018/3/3</a:t>
             </a:fld>
             <a:endParaRPr lang="zh-CN" altLang="en-US"/>
           </a:p>
@@ -2587,7 +2587,7 @@
           <a:p>
             <a:fld id="{02E60DA2-A0BC-48C9-AA88-75C78721B420}" type="datetimeFigureOut">
               <a:rPr lang="zh-CN" altLang="en-US" smtClean="0"/>
-              <a:t>2018/3/1</a:t>
+              <a:t>2018/3/3</a:t>
             </a:fld>
             <a:endParaRPr lang="zh-CN" altLang="en-US"/>
           </a:p>
@@ -2931,7 +2931,7 @@
           <a:p>
             <a:fld id="{02E60DA2-A0BC-48C9-AA88-75C78721B420}" type="datetimeFigureOut">
               <a:rPr lang="zh-CN" altLang="en-US" smtClean="0"/>
-              <a:t>2018/3/1</a:t>
+              <a:t>2018/3/3</a:t>
             </a:fld>
             <a:endParaRPr lang="zh-CN" altLang="en-US"/>
           </a:p>
@@ -3153,7 +3153,7 @@
           <a:p>
             <a:fld id="{02E60DA2-A0BC-48C9-AA88-75C78721B420}" type="datetimeFigureOut">
               <a:rPr lang="zh-CN" altLang="en-US" smtClean="0"/>
-              <a:t>2018/3/1</a:t>
+              <a:t>2018/3/3</a:t>
             </a:fld>
             <a:endParaRPr lang="zh-CN" altLang="en-US"/>
           </a:p>
@@ -3474,7 +3474,7 @@
           <a:p>
             <a:fld id="{02E60DA2-A0BC-48C9-AA88-75C78721B420}" type="datetimeFigureOut">
               <a:rPr lang="zh-CN" altLang="en-US" smtClean="0"/>
-              <a:t>2018/3/1</a:t>
+              <a:t>2018/3/3</a:t>
             </a:fld>
             <a:endParaRPr lang="zh-CN" altLang="en-US"/>
           </a:p>
@@ -3712,7 +3712,7 @@
           <a:p>
             <a:fld id="{02E60DA2-A0BC-48C9-AA88-75C78721B420}" type="datetimeFigureOut">
               <a:rPr lang="zh-CN" altLang="en-US" smtClean="0"/>
-              <a:t>2018/3/1</a:t>
+              <a:t>2018/3/3</a:t>
             </a:fld>
             <a:endParaRPr lang="zh-CN" altLang="en-US"/>
           </a:p>
@@ -3950,7 +3950,7 @@
           <a:p>
             <a:fld id="{02E60DA2-A0BC-48C9-AA88-75C78721B420}" type="datetimeFigureOut">
               <a:rPr lang="zh-CN" altLang="en-US" smtClean="0"/>
-              <a:t>2018/3/1</a:t>
+              <a:t>2018/3/3</a:t>
             </a:fld>
             <a:endParaRPr lang="zh-CN" altLang="en-US"/>
           </a:p>
@@ -4249,7 +4249,7 @@
           <a:p>
             <a:fld id="{02E60DA2-A0BC-48C9-AA88-75C78721B420}" type="datetimeFigureOut">
               <a:rPr lang="zh-CN" altLang="en-US" smtClean="0"/>
-              <a:t>2018/3/1</a:t>
+              <a:t>2018/3/3</a:t>
             </a:fld>
             <a:endParaRPr lang="zh-CN" altLang="en-US"/>
           </a:p>
@@ -4538,7 +4538,7 @@
           <a:p>
             <a:fld id="{02E60DA2-A0BC-48C9-AA88-75C78721B420}" type="datetimeFigureOut">
               <a:rPr lang="zh-CN" altLang="en-US" smtClean="0"/>
-              <a:t>2018/3/1</a:t>
+              <a:t>2018/3/3</a:t>
             </a:fld>
             <a:endParaRPr lang="zh-CN" altLang="en-US"/>
           </a:p>
@@ -4974,7 +4974,7 @@
           <a:p>
             <a:fld id="{02E60DA2-A0BC-48C9-AA88-75C78721B420}" type="datetimeFigureOut">
               <a:rPr lang="zh-CN" altLang="en-US" smtClean="0"/>
-              <a:t>2018/3/1</a:t>
+              <a:t>2018/3/3</a:t>
             </a:fld>
             <a:endParaRPr lang="zh-CN" altLang="en-US"/>
           </a:p>
@@ -5139,7 +5139,7 @@
           <a:p>
             <a:fld id="{02E60DA2-A0BC-48C9-AA88-75C78721B420}" type="datetimeFigureOut">
               <a:rPr lang="zh-CN" altLang="en-US" smtClean="0"/>
-              <a:t>2018/3/1</a:t>
+              <a:t>2018/3/3</a:t>
             </a:fld>
             <a:endParaRPr lang="zh-CN" altLang="en-US"/>
           </a:p>
@@ -5276,7 +5276,7 @@
           <a:p>
             <a:fld id="{02E60DA2-A0BC-48C9-AA88-75C78721B420}" type="datetimeFigureOut">
               <a:rPr lang="zh-CN" altLang="en-US" smtClean="0"/>
-              <a:t>2018/3/1</a:t>
+              <a:t>2018/3/3</a:t>
             </a:fld>
             <a:endParaRPr lang="zh-CN" altLang="en-US"/>
           </a:p>
@@ -5611,7 +5611,7 @@
           <a:p>
             <a:fld id="{02E60DA2-A0BC-48C9-AA88-75C78721B420}" type="datetimeFigureOut">
               <a:rPr lang="zh-CN" altLang="en-US" smtClean="0"/>
-              <a:t>2018/3/1</a:t>
+              <a:t>2018/3/3</a:t>
             </a:fld>
             <a:endParaRPr lang="zh-CN" altLang="en-US"/>
           </a:p>
@@ -5923,7 +5923,7 @@
           <a:p>
             <a:fld id="{02E60DA2-A0BC-48C9-AA88-75C78721B420}" type="datetimeFigureOut">
               <a:rPr lang="zh-CN" altLang="en-US" smtClean="0"/>
-              <a:t>2018/3/1</a:t>
+              <a:t>2018/3/3</a:t>
             </a:fld>
             <a:endParaRPr lang="zh-CN" altLang="en-US"/>
           </a:p>
@@ -7070,30 +7070,16 @@
           <a:lstStyle/>
           <a:p>
             <a:r>
-              <a:rPr lang="zh-CN" altLang="en-US" sz="3600">
+              <a:rPr lang="zh-CN" altLang="en-US" sz="3600" dirty="0">
                 <a:solidFill>
-                  <a:schemeClr val="tx2">
-                    <a:lumMod val="50000"/>
+                  <a:schemeClr val="tx1">
+                    <a:lumMod val="95000"/>
+                    <a:lumOff val="5000"/>
                   </a:schemeClr>
                 </a:solidFill>
               </a:rPr>
-              <a:t>第七讲 </a:t>
-            </a:r>
-            <a:r>
-              <a:rPr lang="zh-CN" altLang="en-US" sz="3600" dirty="0">
-                <a:solidFill>
-                  <a:srgbClr val="C00000"/>
-                </a:solidFill>
-              </a:rPr>
-              <a:t>文件编辑</a:t>
-            </a:r>
-            <a:endParaRPr lang="zh-CN" altLang="en-US" sz="3600" dirty="0">
-              <a:solidFill>
-                <a:schemeClr val="tx2">
-                  <a:lumMod val="50000"/>
-                </a:schemeClr>
-              </a:solidFill>
-            </a:endParaRPr>
+              <a:t>第七讲 文件编辑</a:t>
+            </a:r>
           </a:p>
         </p:txBody>
       </p:sp>
@@ -7925,7 +7911,7 @@
             </a:r>
             <a:r>
               <a:rPr lang="zh-CN" altLang="en-US" dirty="0"/>
-              <a:t>常用命令</a:t>
+              <a:t>基本操作</a:t>
             </a:r>
           </a:p>
         </p:txBody>
@@ -8231,7 +8217,7 @@
             </a:r>
             <a:r>
               <a:rPr lang="zh-CN" altLang="en-US" dirty="0"/>
-              <a:t>常用命令</a:t>
+              <a:t>基本操作</a:t>
             </a:r>
           </a:p>
         </p:txBody>
@@ -8261,7 +8247,7 @@
           <a:p>
             <a:r>
               <a:rPr lang="zh-CN" altLang="en-US" sz="2600" dirty="0"/>
-              <a:t>在命令模式：</a:t>
+              <a:t>命令模式操作：</a:t>
             </a:r>
             <a:endParaRPr lang="en-US" altLang="zh-CN" sz="2600" dirty="0"/>
           </a:p>

--- a/materials/slides/ch07-edit-file.pptx
+++ b/materials/slides/ch07-edit-file.pptx
@@ -12,9 +12,12 @@
     <p:sldId id="271" r:id="rId6"/>
     <p:sldId id="263" r:id="rId7"/>
     <p:sldId id="266" r:id="rId8"/>
-    <p:sldId id="273" r:id="rId9"/>
-    <p:sldId id="268" r:id="rId10"/>
-    <p:sldId id="270" r:id="rId11"/>
+    <p:sldId id="274" r:id="rId9"/>
+    <p:sldId id="273" r:id="rId10"/>
+    <p:sldId id="276" r:id="rId11"/>
+    <p:sldId id="268" r:id="rId12"/>
+    <p:sldId id="270" r:id="rId13"/>
+    <p:sldId id="275" r:id="rId14"/>
   </p:sldIdLst>
   <p:sldSz cx="12192000" cy="6858000"/>
   <p:notesSz cx="6858000" cy="9144000"/>
@@ -276,7 +279,7 @@
           <a:p>
             <a:fld id="{02E60DA2-A0BC-48C9-AA88-75C78721B420}" type="datetimeFigureOut">
               <a:rPr lang="zh-CN" altLang="en-US" smtClean="0"/>
-              <a:t>2018/3/3</a:t>
+              <a:t>2018/4/15</a:t>
             </a:fld>
             <a:endParaRPr lang="zh-CN" altLang="en-US"/>
           </a:p>
@@ -498,7 +501,7 @@
           <a:p>
             <a:fld id="{02E60DA2-A0BC-48C9-AA88-75C78721B420}" type="datetimeFigureOut">
               <a:rPr lang="zh-CN" altLang="en-US" smtClean="0"/>
-              <a:t>2018/3/3</a:t>
+              <a:t>2018/4/15</a:t>
             </a:fld>
             <a:endParaRPr lang="zh-CN" altLang="en-US"/>
           </a:p>
@@ -730,7 +733,7 @@
           <a:p>
             <a:fld id="{02E60DA2-A0BC-48C9-AA88-75C78721B420}" type="datetimeFigureOut">
               <a:rPr lang="zh-CN" altLang="en-US" smtClean="0"/>
-              <a:t>2018/3/3</a:t>
+              <a:t>2018/4/15</a:t>
             </a:fld>
             <a:endParaRPr lang="zh-CN" altLang="en-US"/>
           </a:p>
@@ -980,7 +983,7 @@
           <a:p>
             <a:fld id="{02E60DA2-A0BC-48C9-AA88-75C78721B420}" type="datetimeFigureOut">
               <a:rPr lang="zh-CN" altLang="en-US" smtClean="0"/>
-              <a:t>2018/3/3</a:t>
+              <a:t>2018/4/15</a:t>
             </a:fld>
             <a:endParaRPr lang="zh-CN" altLang="en-US"/>
           </a:p>
@@ -1218,7 +1221,7 @@
           <a:p>
             <a:fld id="{02E60DA2-A0BC-48C9-AA88-75C78721B420}" type="datetimeFigureOut">
               <a:rPr lang="zh-CN" altLang="en-US" smtClean="0"/>
-              <a:t>2018/3/3</a:t>
+              <a:t>2018/4/15</a:t>
             </a:fld>
             <a:endParaRPr lang="zh-CN" altLang="en-US"/>
           </a:p>
@@ -1523,7 +1526,7 @@
           <a:p>
             <a:fld id="{02E60DA2-A0BC-48C9-AA88-75C78721B420}" type="datetimeFigureOut">
               <a:rPr lang="zh-CN" altLang="en-US" smtClean="0"/>
-              <a:t>2018/3/3</a:t>
+              <a:t>2018/4/15</a:t>
             </a:fld>
             <a:endParaRPr lang="zh-CN" altLang="en-US"/>
           </a:p>
@@ -1826,7 +1829,7 @@
           <a:p>
             <a:fld id="{02E60DA2-A0BC-48C9-AA88-75C78721B420}" type="datetimeFigureOut">
               <a:rPr lang="zh-CN" altLang="en-US" smtClean="0"/>
-              <a:t>2018/3/3</a:t>
+              <a:t>2018/4/15</a:t>
             </a:fld>
             <a:endParaRPr lang="zh-CN" altLang="en-US"/>
           </a:p>
@@ -2277,7 +2280,7 @@
           <a:p>
             <a:fld id="{02E60DA2-A0BC-48C9-AA88-75C78721B420}" type="datetimeFigureOut">
               <a:rPr lang="zh-CN" altLang="en-US" smtClean="0"/>
-              <a:t>2018/3/3</a:t>
+              <a:t>2018/4/15</a:t>
             </a:fld>
             <a:endParaRPr lang="zh-CN" altLang="en-US"/>
           </a:p>
@@ -2450,7 +2453,7 @@
           <a:p>
             <a:fld id="{02E60DA2-A0BC-48C9-AA88-75C78721B420}" type="datetimeFigureOut">
               <a:rPr lang="zh-CN" altLang="en-US" smtClean="0"/>
-              <a:t>2018/3/3</a:t>
+              <a:t>2018/4/15</a:t>
             </a:fld>
             <a:endParaRPr lang="zh-CN" altLang="en-US"/>
           </a:p>
@@ -2587,7 +2590,7 @@
           <a:p>
             <a:fld id="{02E60DA2-A0BC-48C9-AA88-75C78721B420}" type="datetimeFigureOut">
               <a:rPr lang="zh-CN" altLang="en-US" smtClean="0"/>
-              <a:t>2018/3/3</a:t>
+              <a:t>2018/4/15</a:t>
             </a:fld>
             <a:endParaRPr lang="zh-CN" altLang="en-US"/>
           </a:p>
@@ -2931,7 +2934,7 @@
           <a:p>
             <a:fld id="{02E60DA2-A0BC-48C9-AA88-75C78721B420}" type="datetimeFigureOut">
               <a:rPr lang="zh-CN" altLang="en-US" smtClean="0"/>
-              <a:t>2018/3/3</a:t>
+              <a:t>2018/4/15</a:t>
             </a:fld>
             <a:endParaRPr lang="zh-CN" altLang="en-US"/>
           </a:p>
@@ -3153,7 +3156,7 @@
           <a:p>
             <a:fld id="{02E60DA2-A0BC-48C9-AA88-75C78721B420}" type="datetimeFigureOut">
               <a:rPr lang="zh-CN" altLang="en-US" smtClean="0"/>
-              <a:t>2018/3/3</a:t>
+              <a:t>2018/4/15</a:t>
             </a:fld>
             <a:endParaRPr lang="zh-CN" altLang="en-US"/>
           </a:p>
@@ -3474,7 +3477,7 @@
           <a:p>
             <a:fld id="{02E60DA2-A0BC-48C9-AA88-75C78721B420}" type="datetimeFigureOut">
               <a:rPr lang="zh-CN" altLang="en-US" smtClean="0"/>
-              <a:t>2018/3/3</a:t>
+              <a:t>2018/4/15</a:t>
             </a:fld>
             <a:endParaRPr lang="zh-CN" altLang="en-US"/>
           </a:p>
@@ -3712,7 +3715,7 @@
           <a:p>
             <a:fld id="{02E60DA2-A0BC-48C9-AA88-75C78721B420}" type="datetimeFigureOut">
               <a:rPr lang="zh-CN" altLang="en-US" smtClean="0"/>
-              <a:t>2018/3/3</a:t>
+              <a:t>2018/4/15</a:t>
             </a:fld>
             <a:endParaRPr lang="zh-CN" altLang="en-US"/>
           </a:p>
@@ -3950,7 +3953,7 @@
           <a:p>
             <a:fld id="{02E60DA2-A0BC-48C9-AA88-75C78721B420}" type="datetimeFigureOut">
               <a:rPr lang="zh-CN" altLang="en-US" smtClean="0"/>
-              <a:t>2018/3/3</a:t>
+              <a:t>2018/4/15</a:t>
             </a:fld>
             <a:endParaRPr lang="zh-CN" altLang="en-US"/>
           </a:p>
@@ -4249,7 +4252,7 @@
           <a:p>
             <a:fld id="{02E60DA2-A0BC-48C9-AA88-75C78721B420}" type="datetimeFigureOut">
               <a:rPr lang="zh-CN" altLang="en-US" smtClean="0"/>
-              <a:t>2018/3/3</a:t>
+              <a:t>2018/4/15</a:t>
             </a:fld>
             <a:endParaRPr lang="zh-CN" altLang="en-US"/>
           </a:p>
@@ -4538,7 +4541,7 @@
           <a:p>
             <a:fld id="{02E60DA2-A0BC-48C9-AA88-75C78721B420}" type="datetimeFigureOut">
               <a:rPr lang="zh-CN" altLang="en-US" smtClean="0"/>
-              <a:t>2018/3/3</a:t>
+              <a:t>2018/4/15</a:t>
             </a:fld>
             <a:endParaRPr lang="zh-CN" altLang="en-US"/>
           </a:p>
@@ -4974,7 +4977,7 @@
           <a:p>
             <a:fld id="{02E60DA2-A0BC-48C9-AA88-75C78721B420}" type="datetimeFigureOut">
               <a:rPr lang="zh-CN" altLang="en-US" smtClean="0"/>
-              <a:t>2018/3/3</a:t>
+              <a:t>2018/4/15</a:t>
             </a:fld>
             <a:endParaRPr lang="zh-CN" altLang="en-US"/>
           </a:p>
@@ -5139,7 +5142,7 @@
           <a:p>
             <a:fld id="{02E60DA2-A0BC-48C9-AA88-75C78721B420}" type="datetimeFigureOut">
               <a:rPr lang="zh-CN" altLang="en-US" smtClean="0"/>
-              <a:t>2018/3/3</a:t>
+              <a:t>2018/4/15</a:t>
             </a:fld>
             <a:endParaRPr lang="zh-CN" altLang="en-US"/>
           </a:p>
@@ -5276,7 +5279,7 @@
           <a:p>
             <a:fld id="{02E60DA2-A0BC-48C9-AA88-75C78721B420}" type="datetimeFigureOut">
               <a:rPr lang="zh-CN" altLang="en-US" smtClean="0"/>
-              <a:t>2018/3/3</a:t>
+              <a:t>2018/4/15</a:t>
             </a:fld>
             <a:endParaRPr lang="zh-CN" altLang="en-US"/>
           </a:p>
@@ -5611,7 +5614,7 @@
           <a:p>
             <a:fld id="{02E60DA2-A0BC-48C9-AA88-75C78721B420}" type="datetimeFigureOut">
               <a:rPr lang="zh-CN" altLang="en-US" smtClean="0"/>
-              <a:t>2018/3/3</a:t>
+              <a:t>2018/4/15</a:t>
             </a:fld>
             <a:endParaRPr lang="zh-CN" altLang="en-US"/>
           </a:p>
@@ -5923,7 +5926,7 @@
           <a:p>
             <a:fld id="{02E60DA2-A0BC-48C9-AA88-75C78721B420}" type="datetimeFigureOut">
               <a:rPr lang="zh-CN" altLang="en-US" smtClean="0"/>
-              <a:t>2018/3/3</a:t>
+              <a:t>2018/4/15</a:t>
             </a:fld>
             <a:endParaRPr lang="zh-CN" altLang="en-US"/>
           </a:p>
@@ -7096,6 +7099,599 @@
 </p:sld>
 </file>
 
+<file path=ppt/slides/slide10.xml><?xml version="1.0" encoding="utf-8"?>
+<p:sld xmlns:a="http://schemas.openxmlformats.org/drawingml/2006/main" xmlns:r="http://schemas.openxmlformats.org/officeDocument/2006/relationships" xmlns:p="http://schemas.openxmlformats.org/presentationml/2006/main">
+  <p:cSld>
+    <p:spTree>
+      <p:nvGrpSpPr>
+        <p:cNvPr id="1" name=""/>
+        <p:cNvGrpSpPr/>
+        <p:nvPr/>
+      </p:nvGrpSpPr>
+      <p:grpSpPr>
+        <a:xfrm>
+          <a:off x="0" y="0"/>
+          <a:ext cx="0" cy="0"/>
+          <a:chOff x="0" y="0"/>
+          <a:chExt cx="0" cy="0"/>
+        </a:xfrm>
+      </p:grpSpPr>
+      <p:sp>
+        <p:nvSpPr>
+          <p:cNvPr id="2" name="标题 1">
+            <a:extLst>
+              <a:ext uri="{FF2B5EF4-FFF2-40B4-BE49-F238E27FC236}">
+                <a16:creationId xmlns:a16="http://schemas.microsoft.com/office/drawing/2014/main" id="{8B88BACC-24DE-4087-9AB3-A099CF573089}"/>
+              </a:ext>
+            </a:extLst>
+          </p:cNvPr>
+          <p:cNvSpPr>
+            <a:spLocks noGrp="1"/>
+          </p:cNvSpPr>
+          <p:nvPr>
+            <p:ph type="title"/>
+          </p:nvPr>
+        </p:nvSpPr>
+        <p:spPr/>
+        <p:txBody>
+          <a:bodyPr/>
+          <a:lstStyle/>
+          <a:p>
+            <a:r>
+              <a:rPr lang="en-US" altLang="zh-CN" dirty="0"/>
+              <a:t>Vim</a:t>
+            </a:r>
+            <a:r>
+              <a:rPr lang="zh-CN" altLang="en-US" dirty="0"/>
+              <a:t>配置文件</a:t>
+            </a:r>
+          </a:p>
+        </p:txBody>
+      </p:sp>
+      <p:sp>
+        <p:nvSpPr>
+          <p:cNvPr id="3" name="内容占位符 2">
+            <a:extLst>
+              <a:ext uri="{FF2B5EF4-FFF2-40B4-BE49-F238E27FC236}">
+                <a16:creationId xmlns:a16="http://schemas.microsoft.com/office/drawing/2014/main" id="{0A1C6B17-780B-4799-8193-E52FD817AC0E}"/>
+              </a:ext>
+            </a:extLst>
+          </p:cNvPr>
+          <p:cNvSpPr>
+            <a:spLocks noGrp="1"/>
+          </p:cNvSpPr>
+          <p:nvPr>
+            <p:ph idx="1"/>
+          </p:nvPr>
+        </p:nvSpPr>
+        <p:spPr/>
+        <p:txBody>
+          <a:bodyPr>
+            <a:normAutofit/>
+          </a:bodyPr>
+          <a:lstStyle/>
+          <a:p>
+            <a:r>
+              <a:rPr lang="zh-CN" altLang="en-US" sz="2400" dirty="0"/>
+              <a:t>默认安装的</a:t>
+            </a:r>
+            <a:r>
+              <a:rPr lang="en-US" altLang="zh-CN" sz="2400" dirty="0"/>
+              <a:t>vim</a:t>
+            </a:r>
+            <a:r>
+              <a:rPr lang="zh-CN" altLang="en-US" sz="2400" dirty="0"/>
+              <a:t>配置文件在</a:t>
+            </a:r>
+            <a:r>
+              <a:rPr lang="en-US" altLang="zh-CN" sz="2400" dirty="0"/>
+              <a:t>/</a:t>
+            </a:r>
+            <a:r>
+              <a:rPr lang="en-US" altLang="zh-CN" sz="2400" dirty="0" err="1"/>
+              <a:t>etc</a:t>
+            </a:r>
+            <a:r>
+              <a:rPr lang="en-US" altLang="zh-CN" sz="2400" dirty="0"/>
+              <a:t>/</a:t>
+            </a:r>
+            <a:r>
+              <a:rPr lang="en-US" altLang="zh-CN" sz="2400" dirty="0" err="1"/>
+              <a:t>vimrc</a:t>
+            </a:r>
+            <a:r>
+              <a:rPr lang="zh-CN" altLang="en-US" sz="2400" dirty="0"/>
+              <a:t>。</a:t>
+            </a:r>
+            <a:endParaRPr lang="en-US" altLang="zh-CN" sz="2400" dirty="0"/>
+          </a:p>
+          <a:p>
+            <a:endParaRPr lang="en-US" altLang="zh-CN" sz="2400" dirty="0"/>
+          </a:p>
+          <a:p>
+            <a:r>
+              <a:rPr lang="zh-CN" altLang="en-US" sz="2400" dirty="0"/>
+              <a:t>在用户主目录下，创建</a:t>
+            </a:r>
+            <a:r>
+              <a:rPr lang="en-US" altLang="zh-CN" sz="2400" dirty="0"/>
+              <a:t>.</a:t>
+            </a:r>
+            <a:r>
+              <a:rPr lang="en-US" altLang="zh-CN" sz="2400" dirty="0" err="1"/>
+              <a:t>vimrc</a:t>
+            </a:r>
+            <a:r>
+              <a:rPr lang="zh-CN" altLang="en-US" sz="2400" dirty="0"/>
+              <a:t>文件也是</a:t>
+            </a:r>
+            <a:r>
+              <a:rPr lang="en-US" altLang="zh-CN" sz="2400" dirty="0"/>
+              <a:t>vim</a:t>
+            </a:r>
+            <a:r>
+              <a:rPr lang="zh-CN" altLang="en-US" sz="2400" dirty="0"/>
+              <a:t>默认读取的配置文件。</a:t>
+            </a:r>
+            <a:endParaRPr lang="en-US" altLang="zh-CN" sz="2400" dirty="0"/>
+          </a:p>
+          <a:p>
+            <a:endParaRPr lang="en-US" altLang="zh-CN" sz="2400" dirty="0"/>
+          </a:p>
+          <a:p>
+            <a:r>
+              <a:rPr lang="en-US" altLang="zh-CN" sz="2400" dirty="0"/>
+              <a:t>vim</a:t>
+            </a:r>
+            <a:r>
+              <a:rPr lang="zh-CN" altLang="en-US" sz="2400" dirty="0"/>
+              <a:t>在启动时会先读取</a:t>
+            </a:r>
+            <a:r>
+              <a:rPr lang="en-US" altLang="zh-CN" sz="2400" dirty="0"/>
+              <a:t>/</a:t>
+            </a:r>
+            <a:r>
+              <a:rPr lang="en-US" altLang="zh-CN" sz="2400" dirty="0" err="1"/>
+              <a:t>etc</a:t>
+            </a:r>
+            <a:r>
+              <a:rPr lang="en-US" altLang="zh-CN" sz="2400" dirty="0"/>
+              <a:t>/</a:t>
+            </a:r>
+            <a:r>
+              <a:rPr lang="en-US" altLang="zh-CN" sz="2400" dirty="0" err="1"/>
+              <a:t>vimrc</a:t>
+            </a:r>
+            <a:r>
+              <a:rPr lang="zh-CN" altLang="en-US" sz="2400" dirty="0"/>
+              <a:t>，然后是</a:t>
+            </a:r>
+            <a:r>
+              <a:rPr lang="en-US" altLang="zh-CN" sz="2400" dirty="0"/>
+              <a:t>.</a:t>
+            </a:r>
+            <a:r>
+              <a:rPr lang="en-US" altLang="zh-CN" sz="2400" dirty="0" err="1"/>
+              <a:t>vimrc</a:t>
+            </a:r>
+            <a:r>
+              <a:rPr lang="en-US" altLang="zh-CN" sz="2400" dirty="0"/>
+              <a:t> </a:t>
+            </a:r>
+            <a:r>
+              <a:rPr lang="zh-CN" altLang="en-US" sz="2400" dirty="0"/>
+              <a:t>，重复的配置，</a:t>
+            </a:r>
+            <a:r>
+              <a:rPr lang="en-US" altLang="zh-CN" sz="2400" dirty="0"/>
+              <a:t>.</a:t>
+            </a:r>
+            <a:r>
+              <a:rPr lang="en-US" altLang="zh-CN" sz="2400" dirty="0" err="1"/>
+              <a:t>vimrc</a:t>
+            </a:r>
+            <a:r>
+              <a:rPr lang="zh-CN" altLang="en-US" sz="2400" dirty="0"/>
+              <a:t>会覆盖</a:t>
+            </a:r>
+            <a:r>
+              <a:rPr lang="en-US" altLang="zh-CN" sz="2400" dirty="0"/>
+              <a:t>/</a:t>
+            </a:r>
+            <a:r>
+              <a:rPr lang="en-US" altLang="zh-CN" sz="2400" dirty="0" err="1"/>
+              <a:t>etc</a:t>
+            </a:r>
+            <a:r>
+              <a:rPr lang="en-US" altLang="zh-CN" sz="2400" dirty="0"/>
+              <a:t>/</a:t>
+            </a:r>
+            <a:r>
+              <a:rPr lang="en-US" altLang="zh-CN" sz="2400" dirty="0" err="1"/>
+              <a:t>vimrc</a:t>
+            </a:r>
+            <a:r>
+              <a:rPr lang="zh-CN" altLang="en-US" sz="2400" dirty="0"/>
+              <a:t>的配置。</a:t>
+            </a:r>
+            <a:endParaRPr lang="en-US" altLang="zh-CN" sz="2400" dirty="0"/>
+          </a:p>
+        </p:txBody>
+      </p:sp>
+    </p:spTree>
+    <p:extLst>
+      <p:ext uri="{BB962C8B-B14F-4D97-AF65-F5344CB8AC3E}">
+        <p14:creationId xmlns:p14="http://schemas.microsoft.com/office/powerpoint/2010/main" val="3045266092"/>
+      </p:ext>
+    </p:extLst>
+  </p:cSld>
+  <p:clrMapOvr>
+    <a:masterClrMapping/>
+  </p:clrMapOvr>
+</p:sld>
+</file>
+
+<file path=ppt/slides/slide11.xml><?xml version="1.0" encoding="utf-8"?>
+<p:sld xmlns:a="http://schemas.openxmlformats.org/drawingml/2006/main" xmlns:r="http://schemas.openxmlformats.org/officeDocument/2006/relationships" xmlns:p="http://schemas.openxmlformats.org/presentationml/2006/main">
+  <p:cSld>
+    <p:spTree>
+      <p:nvGrpSpPr>
+        <p:cNvPr id="1" name=""/>
+        <p:cNvGrpSpPr/>
+        <p:nvPr/>
+      </p:nvGrpSpPr>
+      <p:grpSpPr>
+        <a:xfrm>
+          <a:off x="0" y="0"/>
+          <a:ext cx="0" cy="0"/>
+          <a:chOff x="0" y="0"/>
+          <a:chExt cx="0" cy="0"/>
+        </a:xfrm>
+      </p:grpSpPr>
+      <p:sp>
+        <p:nvSpPr>
+          <p:cNvPr id="2" name="标题 1">
+            <a:extLst>
+              <a:ext uri="{FF2B5EF4-FFF2-40B4-BE49-F238E27FC236}">
+                <a16:creationId xmlns:a16="http://schemas.microsoft.com/office/drawing/2014/main" id="{8B88BACC-24DE-4087-9AB3-A099CF573089}"/>
+              </a:ext>
+            </a:extLst>
+          </p:cNvPr>
+          <p:cNvSpPr>
+            <a:spLocks noGrp="1"/>
+          </p:cNvSpPr>
+          <p:nvPr>
+            <p:ph type="title"/>
+          </p:nvPr>
+        </p:nvSpPr>
+        <p:spPr/>
+        <p:txBody>
+          <a:bodyPr/>
+          <a:lstStyle/>
+          <a:p>
+            <a:r>
+              <a:rPr lang="zh-CN" altLang="en-US" dirty="0"/>
+              <a:t>在</a:t>
+            </a:r>
+            <a:r>
+              <a:rPr lang="en-US" altLang="zh-CN" dirty="0"/>
+              <a:t>vim</a:t>
+            </a:r>
+            <a:r>
+              <a:rPr lang="zh-CN" altLang="en-US" dirty="0"/>
+              <a:t>中运行本地命令</a:t>
+            </a:r>
+          </a:p>
+        </p:txBody>
+      </p:sp>
+      <p:sp>
+        <p:nvSpPr>
+          <p:cNvPr id="3" name="内容占位符 2">
+            <a:extLst>
+              <a:ext uri="{FF2B5EF4-FFF2-40B4-BE49-F238E27FC236}">
+                <a16:creationId xmlns:a16="http://schemas.microsoft.com/office/drawing/2014/main" id="{0A1C6B17-780B-4799-8193-E52FD817AC0E}"/>
+              </a:ext>
+            </a:extLst>
+          </p:cNvPr>
+          <p:cNvSpPr>
+            <a:spLocks noGrp="1"/>
+          </p:cNvSpPr>
+          <p:nvPr>
+            <p:ph idx="1"/>
+          </p:nvPr>
+        </p:nvSpPr>
+        <p:spPr/>
+        <p:txBody>
+          <a:bodyPr>
+            <a:normAutofit/>
+          </a:bodyPr>
+          <a:lstStyle/>
+          <a:p>
+            <a:r>
+              <a:rPr lang="zh-CN" altLang="en-US" sz="2400"/>
+              <a:t>输入</a:t>
+            </a:r>
+            <a:r>
+              <a:rPr lang="en-US" altLang="zh-CN" sz="2400"/>
+              <a:t>:!</a:t>
+            </a:r>
+            <a:r>
+              <a:rPr lang="en-US" altLang="zh-CN" sz="2400">
+                <a:latin typeface="Consolas" panose="020B0609020204030204" pitchFamily="49" charset="0"/>
+                <a:cs typeface="Courier New" panose="02070309020205020404" pitchFamily="49" charset="0"/>
+              </a:rPr>
+              <a:t>ls</a:t>
+            </a:r>
+            <a:r>
+              <a:rPr lang="zh-CN" altLang="en-US" sz="2400"/>
+              <a:t>查看</a:t>
+            </a:r>
+            <a:r>
+              <a:rPr lang="zh-CN" altLang="en-US" sz="2400" dirty="0"/>
+              <a:t>效果。</a:t>
+            </a:r>
+            <a:endParaRPr lang="en-US" altLang="zh-CN" sz="2400" dirty="0"/>
+          </a:p>
+          <a:p>
+            <a:endParaRPr lang="en-US" altLang="zh-CN" sz="2400" dirty="0"/>
+          </a:p>
+          <a:p>
+            <a:r>
+              <a:rPr lang="en-US" altLang="zh-CN" sz="2400"/>
+              <a:t>:!</a:t>
+            </a:r>
+            <a:r>
+              <a:rPr lang="zh-CN" altLang="en-US" sz="2400"/>
+              <a:t>后面</a:t>
+            </a:r>
+            <a:r>
+              <a:rPr lang="zh-CN" altLang="en-US" sz="2400" dirty="0"/>
+              <a:t>跟命令名称。</a:t>
+            </a:r>
+            <a:endParaRPr lang="en-US" altLang="zh-CN" sz="2400" dirty="0"/>
+          </a:p>
+          <a:p>
+            <a:endParaRPr lang="en-US" altLang="zh-CN" sz="2400" dirty="0"/>
+          </a:p>
+          <a:p>
+            <a:r>
+              <a:rPr lang="zh-CN" altLang="en-US" sz="2400" dirty="0"/>
+              <a:t>完成后会退出到</a:t>
+            </a:r>
+            <a:r>
+              <a:rPr lang="en-US" altLang="zh-CN" sz="2400" dirty="0"/>
+              <a:t>Vim</a:t>
+            </a:r>
+            <a:r>
+              <a:rPr lang="zh-CN" altLang="en-US" sz="2400"/>
+              <a:t>环境。</a:t>
+            </a:r>
+            <a:endParaRPr lang="en-US" altLang="zh-CN" sz="2400"/>
+          </a:p>
+          <a:p>
+            <a:endParaRPr lang="en-US" altLang="zh-CN" sz="2400"/>
+          </a:p>
+          <a:p>
+            <a:r>
+              <a:rPr lang="zh-CN" altLang="en-US" sz="2400"/>
+              <a:t>这种方式可以在不退出</a:t>
+            </a:r>
+            <a:r>
+              <a:rPr lang="en-US" altLang="zh-CN" sz="2400"/>
+              <a:t>vim</a:t>
+            </a:r>
+            <a:r>
+              <a:rPr lang="zh-CN" altLang="en-US" sz="2400"/>
+              <a:t>的情况下执行其他操作。</a:t>
+            </a:r>
+            <a:endParaRPr lang="en-US" altLang="zh-CN" sz="2400" dirty="0"/>
+          </a:p>
+        </p:txBody>
+      </p:sp>
+    </p:spTree>
+    <p:extLst>
+      <p:ext uri="{BB962C8B-B14F-4D97-AF65-F5344CB8AC3E}">
+        <p14:creationId xmlns:p14="http://schemas.microsoft.com/office/powerpoint/2010/main" val="902376419"/>
+      </p:ext>
+    </p:extLst>
+  </p:cSld>
+  <p:clrMapOvr>
+    <a:masterClrMapping/>
+  </p:clrMapOvr>
+</p:sld>
+</file>
+
+<file path=ppt/slides/slide12.xml><?xml version="1.0" encoding="utf-8"?>
+<p:sld xmlns:a="http://schemas.openxmlformats.org/drawingml/2006/main" xmlns:r="http://schemas.openxmlformats.org/officeDocument/2006/relationships" xmlns:p="http://schemas.openxmlformats.org/presentationml/2006/main">
+  <p:cSld>
+    <p:spTree>
+      <p:nvGrpSpPr>
+        <p:cNvPr id="1" name=""/>
+        <p:cNvGrpSpPr/>
+        <p:nvPr/>
+      </p:nvGrpSpPr>
+      <p:grpSpPr>
+        <a:xfrm>
+          <a:off x="0" y="0"/>
+          <a:ext cx="0" cy="0"/>
+          <a:chOff x="0" y="0"/>
+          <a:chExt cx="0" cy="0"/>
+        </a:xfrm>
+      </p:grpSpPr>
+      <p:sp>
+        <p:nvSpPr>
+          <p:cNvPr id="2" name="标题 1">
+            <a:extLst>
+              <a:ext uri="{FF2B5EF4-FFF2-40B4-BE49-F238E27FC236}">
+                <a16:creationId xmlns:a16="http://schemas.microsoft.com/office/drawing/2014/main" id="{8B88BACC-24DE-4087-9AB3-A099CF573089}"/>
+              </a:ext>
+            </a:extLst>
+          </p:cNvPr>
+          <p:cNvSpPr>
+            <a:spLocks noGrp="1"/>
+          </p:cNvSpPr>
+          <p:nvPr>
+            <p:ph type="title"/>
+          </p:nvPr>
+        </p:nvSpPr>
+        <p:spPr/>
+        <p:txBody>
+          <a:bodyPr/>
+          <a:lstStyle/>
+          <a:p>
+            <a:r>
+              <a:rPr lang="zh-CN" altLang="en-US"/>
+              <a:t>本节课任务</a:t>
+            </a:r>
+            <a:endParaRPr lang="zh-CN" altLang="en-US" dirty="0"/>
+          </a:p>
+        </p:txBody>
+      </p:sp>
+      <p:sp>
+        <p:nvSpPr>
+          <p:cNvPr id="3" name="内容占位符 2">
+            <a:extLst>
+              <a:ext uri="{FF2B5EF4-FFF2-40B4-BE49-F238E27FC236}">
+                <a16:creationId xmlns:a16="http://schemas.microsoft.com/office/drawing/2014/main" id="{0A1C6B17-780B-4799-8193-E52FD817AC0E}"/>
+              </a:ext>
+            </a:extLst>
+          </p:cNvPr>
+          <p:cNvSpPr>
+            <a:spLocks noGrp="1"/>
+          </p:cNvSpPr>
+          <p:nvPr>
+            <p:ph idx="1"/>
+          </p:nvPr>
+        </p:nvSpPr>
+        <p:spPr/>
+        <p:txBody>
+          <a:bodyPr>
+            <a:normAutofit/>
+          </a:bodyPr>
+          <a:lstStyle/>
+          <a:p>
+            <a:r>
+              <a:rPr lang="zh-CN" altLang="en-US" sz="2400"/>
+              <a:t>获取</a:t>
+            </a:r>
+            <a:r>
+              <a:rPr lang="en-US" altLang="zh-CN" sz="2400"/>
+              <a:t>/var/dpkg/available </a:t>
+            </a:r>
+            <a:r>
+              <a:rPr lang="zh-CN" altLang="en-US" sz="2400"/>
+              <a:t>的内容保存到</a:t>
+            </a:r>
+            <a:r>
+              <a:rPr lang="en-US" altLang="zh-CN" sz="2400"/>
+              <a:t>tmp/pkg</a:t>
+            </a:r>
+          </a:p>
+          <a:p>
+            <a:endParaRPr lang="en-US" altLang="zh-CN" sz="2400"/>
+          </a:p>
+          <a:p>
+            <a:r>
+              <a:rPr lang="zh-CN" altLang="en-US" sz="2400"/>
+              <a:t>使用</a:t>
+            </a:r>
+            <a:r>
+              <a:rPr lang="en-US" altLang="zh-CN" sz="2400"/>
+              <a:t>vim</a:t>
+            </a:r>
+            <a:r>
+              <a:rPr lang="zh-CN" altLang="en-US" sz="2400"/>
+              <a:t>打开文件，替换所有的</a:t>
+            </a:r>
+            <a:r>
+              <a:rPr lang="en-US" altLang="zh-CN" sz="2400"/>
+              <a:t>Package</a:t>
+            </a:r>
+            <a:r>
+              <a:rPr lang="zh-CN" altLang="en-US" sz="2400"/>
+              <a:t>为</a:t>
+            </a:r>
+            <a:r>
+              <a:rPr lang="en-US" altLang="zh-CN" sz="2400"/>
+              <a:t>Program</a:t>
+            </a:r>
+          </a:p>
+          <a:p>
+            <a:endParaRPr lang="en-US" altLang="zh-CN" sz="2400"/>
+          </a:p>
+          <a:p>
+            <a:r>
+              <a:rPr lang="zh-CN" altLang="en-US" sz="2400"/>
+              <a:t>保存并退出</a:t>
+            </a:r>
+            <a:endParaRPr lang="en-US" altLang="zh-CN" sz="2400"/>
+          </a:p>
+          <a:p>
+            <a:endParaRPr lang="en-US" altLang="zh-CN" sz="2400"/>
+          </a:p>
+          <a:p>
+            <a:r>
+              <a:rPr lang="zh-CN" altLang="en-US" sz="2400"/>
+              <a:t>思考：使用</a:t>
+            </a:r>
+            <a:r>
+              <a:rPr lang="en-US" altLang="zh-CN" sz="2400"/>
+              <a:t>vim</a:t>
+            </a:r>
+            <a:r>
+              <a:rPr lang="zh-CN" altLang="en-US" sz="2400"/>
+              <a:t>编写</a:t>
+            </a:r>
+            <a:r>
+              <a:rPr lang="en-US" altLang="zh-CN" sz="2400"/>
+              <a:t>Python</a:t>
+            </a:r>
+            <a:r>
+              <a:rPr lang="zh-CN" altLang="en-US" sz="2400"/>
+              <a:t>程序，路径为：</a:t>
+            </a:r>
+            <a:r>
+              <a:rPr lang="en-US" altLang="zh-CN" sz="2400"/>
+              <a:t>py/a.py</a:t>
+            </a:r>
+            <a:r>
+              <a:rPr lang="zh-CN" altLang="en-US" sz="2400"/>
+              <a:t>，但是程序写完之后，发现</a:t>
+            </a:r>
+            <a:r>
+              <a:rPr lang="en-US" altLang="zh-CN" sz="2400"/>
+              <a:t>py</a:t>
+            </a:r>
+            <a:r>
+              <a:rPr lang="zh-CN" altLang="en-US" sz="2400"/>
+              <a:t>目录不存在，无法保存，此时如何在不退出</a:t>
+            </a:r>
+            <a:r>
+              <a:rPr lang="en-US" altLang="zh-CN" sz="2400"/>
+              <a:t>vim</a:t>
+            </a:r>
+            <a:r>
+              <a:rPr lang="zh-CN" altLang="en-US" sz="2400"/>
+              <a:t>的情况下保存文件？</a:t>
+            </a:r>
+            <a:endParaRPr lang="en-US" altLang="zh-CN" sz="2400"/>
+          </a:p>
+        </p:txBody>
+      </p:sp>
+    </p:spTree>
+    <p:extLst>
+      <p:ext uri="{BB962C8B-B14F-4D97-AF65-F5344CB8AC3E}">
+        <p14:creationId xmlns:p14="http://schemas.microsoft.com/office/powerpoint/2010/main" val="390504518"/>
+      </p:ext>
+    </p:extLst>
+  </p:cSld>
+  <p:clrMapOvr>
+    <a:masterClrMapping/>
+  </p:clrMapOvr>
+</p:sld>
+</file>
+
 <file path=ppt/slides/slide2.xml><?xml version="1.0" encoding="utf-8"?>
 <p:sld xmlns:a="http://schemas.openxmlformats.org/drawingml/2006/main" xmlns:r="http://schemas.openxmlformats.org/officeDocument/2006/relationships" xmlns:p="http://schemas.openxmlformats.org/presentationml/2006/main">
   <p:cSld>
@@ -7163,48 +7759,48 @@
           <a:lstStyle/>
           <a:p>
             <a:r>
-              <a:rPr lang="zh-CN" altLang="en-US" sz="2000" dirty="0"/>
+              <a:rPr lang="zh-CN" altLang="en-US" sz="2400" dirty="0"/>
               <a:t>本次课程主要讲解两个工具的使用：</a:t>
             </a:r>
             <a:r>
-              <a:rPr lang="en-US" altLang="zh-CN" sz="2000" dirty="0" err="1"/>
+              <a:rPr lang="en-US" altLang="zh-CN" sz="2400" dirty="0" err="1"/>
               <a:t>nano</a:t>
             </a:r>
             <a:r>
-              <a:rPr lang="zh-CN" altLang="en-US" sz="2000" dirty="0"/>
+              <a:rPr lang="zh-CN" altLang="en-US" sz="2400" dirty="0"/>
               <a:t>和</a:t>
             </a:r>
             <a:r>
-              <a:rPr lang="en-US" altLang="zh-CN" sz="2000" dirty="0"/>
+              <a:rPr lang="en-US" altLang="zh-CN" sz="2400" dirty="0"/>
               <a:t>vim</a:t>
             </a:r>
             <a:r>
-              <a:rPr lang="zh-CN" altLang="en-US" sz="2000" dirty="0"/>
+              <a:rPr lang="zh-CN" altLang="en-US" sz="2400" dirty="0"/>
               <a:t>。这两个都是终端模式的编辑器。</a:t>
             </a:r>
-            <a:endParaRPr lang="en-US" altLang="zh-CN" sz="2000" dirty="0"/>
-          </a:p>
-          <a:p>
-            <a:endParaRPr lang="en-US" altLang="zh-CN" sz="2000" dirty="0"/>
-          </a:p>
-          <a:p>
-            <a:r>
-              <a:rPr lang="en-US" altLang="zh-CN" sz="2000" dirty="0" err="1"/>
+            <a:endParaRPr lang="en-US" altLang="zh-CN" sz="2400" dirty="0"/>
+          </a:p>
+          <a:p>
+            <a:endParaRPr lang="en-US" altLang="zh-CN" sz="2400" dirty="0"/>
+          </a:p>
+          <a:p>
+            <a:r>
+              <a:rPr lang="en-US" altLang="zh-CN" sz="2400" dirty="0" err="1"/>
               <a:t>nano</a:t>
             </a:r>
             <a:r>
-              <a:rPr lang="zh-CN" altLang="en-US" sz="2000" dirty="0"/>
+              <a:rPr lang="zh-CN" altLang="en-US" sz="2400" dirty="0"/>
               <a:t>是</a:t>
             </a:r>
             <a:r>
-              <a:rPr lang="en-US" altLang="zh-CN" sz="2000" dirty="0"/>
+              <a:rPr lang="en-US" altLang="zh-CN" sz="2400" dirty="0"/>
               <a:t>Ubuntu</a:t>
             </a:r>
             <a:r>
-              <a:rPr lang="zh-CN" altLang="en-US" sz="2000" dirty="0"/>
+              <a:rPr lang="zh-CN" altLang="en-US" sz="2400" dirty="0"/>
               <a:t>自带的一个文本编辑工具。使用上相对简单，但是功能也很强大。</a:t>
             </a:r>
-            <a:endParaRPr lang="en-US" altLang="zh-CN" sz="2000" dirty="0"/>
+            <a:endParaRPr lang="en-US" altLang="zh-CN" sz="2400" dirty="0"/>
           </a:p>
           <a:p>
             <a:endParaRPr lang="en-US" altLang="zh-CN" sz="2000" dirty="0"/>
@@ -7291,62 +7887,64 @@
         </p:nvSpPr>
         <p:spPr/>
         <p:txBody>
-          <a:bodyPr/>
-          <a:lstStyle/>
-          <a:p>
-            <a:r>
-              <a:rPr lang="en-US" altLang="zh-CN" sz="2000" dirty="0" err="1"/>
+          <a:bodyPr>
+            <a:normAutofit/>
+          </a:bodyPr>
+          <a:lstStyle/>
+          <a:p>
+            <a:r>
+              <a:rPr lang="en-US" altLang="zh-CN" sz="2400" dirty="0" err="1"/>
               <a:t>nano</a:t>
             </a:r>
             <a:r>
-              <a:rPr lang="en-US" altLang="zh-CN" sz="2000" dirty="0"/>
+              <a:rPr lang="en-US" altLang="zh-CN" sz="2400" dirty="0"/>
               <a:t>  [FILE NAME]</a:t>
             </a:r>
             <a:r>
-              <a:rPr lang="zh-CN" altLang="en-US" sz="2000" dirty="0"/>
+              <a:rPr lang="zh-CN" altLang="en-US" sz="2400" dirty="0"/>
               <a:t>就可以打开一个文件，如果不存在则会创建。</a:t>
             </a:r>
-            <a:endParaRPr lang="en-US" altLang="zh-CN" sz="2000" dirty="0"/>
-          </a:p>
-          <a:p>
-            <a:endParaRPr lang="en-US" altLang="zh-CN" sz="2000" dirty="0"/>
-          </a:p>
-          <a:p>
-            <a:r>
-              <a:rPr lang="en-US" altLang="zh-CN" sz="2000" dirty="0" err="1"/>
+            <a:endParaRPr lang="en-US" altLang="zh-CN" sz="2400" dirty="0"/>
+          </a:p>
+          <a:p>
+            <a:endParaRPr lang="en-US" altLang="zh-CN" sz="2400" dirty="0"/>
+          </a:p>
+          <a:p>
+            <a:r>
+              <a:rPr lang="en-US" altLang="zh-CN" sz="2400" dirty="0" err="1"/>
               <a:t>nano</a:t>
             </a:r>
             <a:r>
-              <a:rPr lang="zh-CN" altLang="en-US" sz="2000" dirty="0"/>
+              <a:rPr lang="zh-CN" altLang="en-US" sz="2400" dirty="0"/>
               <a:t>是打开文件就可以直接编辑的，并且默认启动后窗口底部会显示常用快捷键选项。</a:t>
             </a:r>
-            <a:endParaRPr lang="en-US" altLang="zh-CN" sz="2000" dirty="0"/>
-          </a:p>
-          <a:p>
-            <a:endParaRPr lang="en-US" altLang="zh-CN" sz="2000" dirty="0"/>
-          </a:p>
-          <a:p>
-            <a:r>
-              <a:rPr lang="zh-CN" altLang="en-US" sz="2000" dirty="0"/>
+            <a:endParaRPr lang="en-US" altLang="zh-CN" sz="2400" dirty="0"/>
+          </a:p>
+          <a:p>
+            <a:endParaRPr lang="en-US" altLang="zh-CN" sz="2400" dirty="0"/>
+          </a:p>
+          <a:p>
+            <a:r>
+              <a:rPr lang="zh-CN" altLang="en-US" sz="2400" dirty="0"/>
               <a:t>编辑快捷键：</a:t>
             </a:r>
             <a:r>
-              <a:rPr lang="en-US" altLang="zh-CN" sz="2000" dirty="0" err="1"/>
+              <a:rPr lang="en-US" altLang="zh-CN" sz="2400" dirty="0" err="1"/>
               <a:t>Ctrl+O</a:t>
             </a:r>
             <a:r>
-              <a:rPr lang="zh-CN" altLang="en-US" sz="2000" dirty="0"/>
+              <a:rPr lang="zh-CN" altLang="en-US" sz="2400" dirty="0"/>
               <a:t>写入，</a:t>
             </a:r>
             <a:r>
-              <a:rPr lang="en-US" altLang="zh-CN" sz="2000" dirty="0" err="1"/>
+              <a:rPr lang="en-US" altLang="zh-CN" sz="2400" dirty="0" err="1"/>
               <a:t>Ctrl+X</a:t>
             </a:r>
             <a:r>
-              <a:rPr lang="zh-CN" altLang="en-US" sz="2000" dirty="0"/>
+              <a:rPr lang="zh-CN" altLang="en-US" sz="2400" dirty="0"/>
               <a:t>退出。</a:t>
             </a:r>
-            <a:endParaRPr lang="en-US" altLang="zh-CN" sz="2000" dirty="0"/>
+            <a:endParaRPr lang="en-US" altLang="zh-CN" sz="2400" dirty="0"/>
           </a:p>
         </p:txBody>
       </p:sp>
@@ -7439,133 +8037,133 @@
           <a:lstStyle/>
           <a:p>
             <a:r>
+              <a:rPr lang="zh-CN" altLang="en-US" sz="2400" dirty="0"/>
+              <a:t>终端字符模式运行的文本编辑器。</a:t>
+            </a:r>
+            <a:endParaRPr lang="en-US" altLang="zh-CN" sz="2400" dirty="0"/>
+          </a:p>
+          <a:p>
+            <a:r>
+              <a:rPr lang="en-US" altLang="zh-CN" sz="2400" dirty="0"/>
+              <a:t>Vi</a:t>
+            </a:r>
+            <a:r>
+              <a:rPr lang="zh-CN" altLang="en-US" sz="2400" dirty="0"/>
+              <a:t>最初由加州大学伯克利分校</a:t>
+            </a:r>
+            <a:r>
+              <a:rPr lang="en-US" altLang="zh-CN" sz="2400" dirty="0" err="1"/>
+              <a:t>Bill·Joy</a:t>
+            </a:r>
+            <a:r>
+              <a:rPr lang="zh-CN" altLang="en-US" sz="2400" dirty="0"/>
+              <a:t>创建。</a:t>
+            </a:r>
+            <a:endParaRPr lang="en-US" altLang="zh-CN" sz="2400" dirty="0"/>
+          </a:p>
+          <a:p>
+            <a:endParaRPr lang="en-US" altLang="zh-CN" sz="2400" dirty="0"/>
+          </a:p>
+          <a:p>
+            <a:r>
+              <a:rPr lang="en-US" altLang="zh-CN" sz="2400" dirty="0"/>
+              <a:t>Vi</a:t>
+            </a:r>
+            <a:r>
+              <a:rPr lang="zh-CN" altLang="en-US" sz="2400" dirty="0"/>
+              <a:t>提供三种模式：</a:t>
+            </a:r>
+            <a:endParaRPr lang="en-US" altLang="zh-CN" sz="2400" dirty="0"/>
+          </a:p>
+          <a:p>
+            <a:pPr marL="457200" lvl="1" indent="0">
+              <a:buNone/>
+            </a:pPr>
+            <a:r>
               <a:rPr lang="zh-CN" altLang="en-US" sz="2000" dirty="0"/>
-              <a:t>终端字符模式运行的文本编辑器。</a:t>
+              <a:t>命令模式：输入命令对文档等进行操作</a:t>
             </a:r>
             <a:endParaRPr lang="en-US" altLang="zh-CN" sz="2000" dirty="0"/>
           </a:p>
           <a:p>
+            <a:pPr marL="457200" lvl="1" indent="0">
+              <a:buNone/>
+            </a:pPr>
+            <a:r>
+              <a:rPr lang="zh-CN" altLang="en-US" sz="2000" dirty="0"/>
+              <a:t>输入模式：编辑文本，左下角显</a:t>
+            </a:r>
             <a:r>
               <a:rPr lang="en-US" altLang="zh-CN" sz="2000" dirty="0"/>
+              <a:t>--INSERT--</a:t>
+            </a:r>
+          </a:p>
+          <a:p>
+            <a:pPr marL="457200" lvl="1" indent="0">
+              <a:buNone/>
+            </a:pPr>
+            <a:r>
+              <a:rPr lang="zh-CN" altLang="en-US" sz="2000" dirty="0"/>
+              <a:t>底行模式：输入</a:t>
+            </a:r>
+            <a:r>
+              <a:rPr lang="en-US" altLang="zh-CN" sz="2000" dirty="0"/>
+              <a:t>:</a:t>
+            </a:r>
+            <a:r>
+              <a:rPr lang="zh-CN" altLang="en-US" sz="2000" dirty="0"/>
+              <a:t>会在文档最后一行显示：并等待输入命令，执行完成后会自动返回命令模式。</a:t>
+            </a:r>
+            <a:endParaRPr lang="en-US" altLang="zh-CN" sz="2000" dirty="0"/>
+          </a:p>
+          <a:p>
+            <a:pPr marL="457200" lvl="1" indent="0">
+              <a:buNone/>
+            </a:pPr>
+            <a:endParaRPr lang="en-US" altLang="zh-CN" sz="2000" dirty="0"/>
+          </a:p>
+          <a:p>
+            <a:r>
+              <a:rPr lang="en-US" altLang="zh-CN" sz="2400" dirty="0"/>
+              <a:t>Vim</a:t>
+            </a:r>
+            <a:r>
+              <a:rPr lang="zh-CN" altLang="en-US" sz="2400" dirty="0"/>
+              <a:t>是</a:t>
+            </a:r>
+            <a:r>
+              <a:rPr lang="en-US" altLang="zh-CN" sz="2400" dirty="0"/>
               <a:t>Vi</a:t>
             </a:r>
             <a:r>
-              <a:rPr lang="zh-CN" altLang="en-US" sz="2000" dirty="0"/>
-              <a:t>最初由加州大学伯克利分校</a:t>
-            </a:r>
-            <a:r>
-              <a:rPr lang="en-US" altLang="zh-CN" sz="2000" dirty="0" err="1"/>
-              <a:t>Bill·Joy</a:t>
-            </a:r>
-            <a:r>
-              <a:rPr lang="zh-CN" altLang="en-US" sz="2000" dirty="0"/>
-              <a:t>创建。</a:t>
-            </a:r>
-            <a:endParaRPr lang="en-US" altLang="zh-CN" sz="2000" dirty="0"/>
-          </a:p>
-          <a:p>
-            <a:endParaRPr lang="en-US" altLang="zh-CN" sz="2000" dirty="0"/>
-          </a:p>
-          <a:p>
-            <a:r>
-              <a:rPr lang="en-US" altLang="zh-CN" sz="2000" dirty="0"/>
-              <a:t>Vi</a:t>
-            </a:r>
-            <a:r>
-              <a:rPr lang="zh-CN" altLang="en-US" sz="2000" dirty="0"/>
-              <a:t>提供三种模式：</a:t>
-            </a:r>
-            <a:endParaRPr lang="en-US" altLang="zh-CN" sz="2000" dirty="0"/>
-          </a:p>
-          <a:p>
-            <a:pPr marL="457200" lvl="1" indent="0">
-              <a:buNone/>
-            </a:pPr>
-            <a:r>
-              <a:rPr lang="zh-CN" altLang="en-US" sz="1600" dirty="0"/>
-              <a:t>命令模式：输入命令对文档等进行操作</a:t>
-            </a:r>
-            <a:endParaRPr lang="en-US" altLang="zh-CN" sz="1600" dirty="0"/>
-          </a:p>
-          <a:p>
-            <a:pPr marL="457200" lvl="1" indent="0">
-              <a:buNone/>
-            </a:pPr>
-            <a:r>
-              <a:rPr lang="zh-CN" altLang="en-US" sz="1600" dirty="0"/>
-              <a:t>输入模式：编辑文本，左下角显</a:t>
-            </a:r>
-            <a:r>
-              <a:rPr lang="en-US" altLang="zh-CN" sz="1600" dirty="0"/>
-              <a:t>--INSERT--</a:t>
-            </a:r>
-          </a:p>
-          <a:p>
-            <a:pPr marL="457200" lvl="1" indent="0">
-              <a:buNone/>
-            </a:pPr>
-            <a:r>
-              <a:rPr lang="zh-CN" altLang="en-US" sz="1600" dirty="0"/>
-              <a:t>底行模式：输入</a:t>
-            </a:r>
-            <a:r>
-              <a:rPr lang="en-US" altLang="zh-CN" sz="1600" dirty="0"/>
-              <a:t>:</a:t>
-            </a:r>
-            <a:r>
-              <a:rPr lang="zh-CN" altLang="en-US" sz="1600" dirty="0"/>
-              <a:t>会在文档最后一行显示：并等待输入命令，执行完成后会自动返回命令模式。</a:t>
-            </a:r>
-            <a:endParaRPr lang="en-US" altLang="zh-CN" sz="1600" dirty="0"/>
-          </a:p>
-          <a:p>
-            <a:pPr marL="457200" lvl="1" indent="0">
-              <a:buNone/>
-            </a:pPr>
-            <a:endParaRPr lang="en-US" altLang="zh-CN" sz="1600" dirty="0"/>
-          </a:p>
-          <a:p>
-            <a:r>
-              <a:rPr lang="en-US" altLang="zh-CN" sz="2000" dirty="0"/>
-              <a:t>Vim</a:t>
-            </a:r>
-            <a:r>
-              <a:rPr lang="zh-CN" altLang="en-US" sz="2000" dirty="0"/>
-              <a:t>是</a:t>
-            </a:r>
-            <a:r>
-              <a:rPr lang="en-US" altLang="zh-CN" sz="2000" dirty="0"/>
-              <a:t>Vi</a:t>
-            </a:r>
-            <a:r>
-              <a:rPr lang="zh-CN" altLang="en-US" sz="2000" dirty="0"/>
+              <a:rPr lang="zh-CN" altLang="en-US" sz="2400" dirty="0"/>
               <a:t>的增强版，并且提供了</a:t>
             </a:r>
             <a:r>
-              <a:rPr lang="en-US" altLang="zh-CN" sz="2000" dirty="0"/>
+              <a:rPr lang="en-US" altLang="zh-CN" sz="2400" dirty="0"/>
               <a:t>Windows</a:t>
             </a:r>
             <a:r>
-              <a:rPr lang="zh-CN" altLang="en-US" sz="2000" dirty="0"/>
+              <a:rPr lang="zh-CN" altLang="en-US" sz="2400" dirty="0"/>
               <a:t>版本的支持，同时</a:t>
             </a:r>
             <a:r>
-              <a:rPr lang="en-US" altLang="zh-CN" sz="2000" dirty="0"/>
+              <a:rPr lang="en-US" altLang="zh-CN" sz="2400" dirty="0"/>
               <a:t>vim</a:t>
             </a:r>
             <a:r>
-              <a:rPr lang="zh-CN" altLang="en-US" sz="2000" dirty="0"/>
+              <a:rPr lang="zh-CN" altLang="en-US" sz="2400" dirty="0"/>
               <a:t>支持</a:t>
             </a:r>
             <a:r>
-              <a:rPr lang="en-US" altLang="zh-CN" sz="2000" dirty="0"/>
+              <a:rPr lang="en-US" altLang="zh-CN" sz="2400" dirty="0"/>
               <a:t>GUI</a:t>
             </a:r>
             <a:r>
-              <a:rPr lang="zh-CN" altLang="en-US" sz="2000" dirty="0"/>
+              <a:rPr lang="zh-CN" altLang="en-US" sz="2400" dirty="0"/>
               <a:t>模式。</a:t>
             </a:r>
-            <a:endParaRPr lang="en-US" altLang="zh-CN" sz="2000" dirty="0"/>
+            <a:endParaRPr lang="en-US" altLang="zh-CN" sz="2400" dirty="0"/>
           </a:p>
           <a:p>
             <a:pPr marL="0" indent="0">
@@ -7658,191 +8256,219 @@
         </p:nvSpPr>
         <p:spPr/>
         <p:txBody>
-          <a:bodyPr/>
-          <a:lstStyle/>
-          <a:p>
-            <a:r>
-              <a:rPr lang="en-US" altLang="zh-CN" sz="2000" dirty="0"/>
+          <a:bodyPr>
+            <a:normAutofit/>
+          </a:bodyPr>
+          <a:lstStyle/>
+          <a:p>
+            <a:r>
+              <a:rPr lang="en-US" altLang="zh-CN" sz="2400" dirty="0"/>
               <a:t>Ubuntu</a:t>
             </a:r>
             <a:r>
-              <a:rPr lang="zh-CN" altLang="en-US" sz="2000" dirty="0"/>
+              <a:rPr lang="zh-CN" altLang="en-US" sz="2400" dirty="0"/>
               <a:t>默认会提供</a:t>
             </a:r>
             <a:r>
-              <a:rPr lang="en-US" altLang="zh-CN" sz="2000" dirty="0" err="1"/>
+              <a:rPr lang="en-US" altLang="zh-CN" sz="2400" dirty="0" err="1"/>
               <a:t>vim.tiny</a:t>
             </a:r>
             <a:r>
-              <a:rPr lang="zh-CN" altLang="en-US" sz="2000" dirty="0"/>
-              <a:t>版本，而多数</a:t>
-            </a:r>
-            <a:r>
-              <a:rPr lang="en-US" altLang="zh-CN" sz="2000" dirty="0"/>
+              <a:rPr lang="zh-CN" altLang="en-US" sz="2400" dirty="0"/>
+              <a:t>版本</a:t>
+            </a:r>
+            <a:r>
+              <a:rPr lang="zh-CN" altLang="en-US" sz="2400"/>
+              <a:t>，而几乎所有</a:t>
+            </a:r>
+            <a:r>
+              <a:rPr lang="en-US" altLang="zh-CN" sz="2400"/>
               <a:t>Linux</a:t>
             </a:r>
             <a:r>
-              <a:rPr lang="zh-CN" altLang="en-US" sz="2000" dirty="0"/>
+              <a:rPr lang="zh-CN" altLang="en-US" sz="2400" dirty="0"/>
               <a:t>发行版会提供</a:t>
             </a:r>
             <a:r>
-              <a:rPr lang="en-US" altLang="zh-CN" sz="2000" dirty="0"/>
+              <a:rPr lang="en-US" altLang="zh-CN" sz="2400"/>
               <a:t>vi</a:t>
             </a:r>
             <a:r>
-              <a:rPr lang="zh-CN" altLang="en-US" sz="2000" dirty="0"/>
+              <a:rPr lang="zh-CN" altLang="en-US" sz="2400"/>
               <a:t>。</a:t>
             </a:r>
-            <a:endParaRPr lang="en-US" altLang="zh-CN" sz="2000" dirty="0"/>
-          </a:p>
-          <a:p>
-            <a:r>
-              <a:rPr lang="zh-CN" altLang="en-US" sz="2000" dirty="0"/>
+            <a:r>
+              <a:rPr lang="en-US" altLang="zh-CN" sz="2400"/>
+              <a:t>Ubuntu</a:t>
+            </a:r>
+            <a:r>
+              <a:rPr lang="zh-CN" altLang="en-US" sz="2400"/>
+              <a:t>桌面环境会安装</a:t>
+            </a:r>
+            <a:r>
+              <a:rPr lang="en-US" altLang="zh-CN" sz="2400"/>
+              <a:t>vim</a:t>
+            </a:r>
+            <a:r>
+              <a:rPr lang="zh-CN" altLang="en-US" sz="2400"/>
+              <a:t>。</a:t>
+            </a:r>
+            <a:endParaRPr lang="en-US" altLang="zh-CN" sz="2400" dirty="0"/>
+          </a:p>
+          <a:p>
+            <a:r>
+              <a:rPr lang="zh-CN" altLang="en-US" sz="2400" dirty="0"/>
               <a:t>终端输入</a:t>
             </a:r>
             <a:r>
-              <a:rPr lang="en-US" altLang="zh-CN" sz="2000" dirty="0"/>
+              <a:rPr lang="en-US" altLang="zh-CN" sz="2400" dirty="0"/>
               <a:t>vi</a:t>
             </a:r>
             <a:r>
-              <a:rPr lang="zh-CN" altLang="en-US" sz="2000" dirty="0"/>
+              <a:rPr lang="zh-CN" altLang="en-US" sz="2400" dirty="0"/>
               <a:t>或是</a:t>
             </a:r>
             <a:r>
-              <a:rPr lang="en-US" altLang="zh-CN" sz="2000" dirty="0" err="1"/>
+              <a:rPr lang="en-US" altLang="zh-CN" sz="2400" dirty="0" err="1"/>
               <a:t>vim.tiny</a:t>
             </a:r>
             <a:r>
-              <a:rPr lang="zh-CN" altLang="en-US" sz="2000" dirty="0"/>
+              <a:rPr lang="zh-CN" altLang="en-US" sz="2400" dirty="0"/>
               <a:t>就可以启动编辑器。</a:t>
             </a:r>
-            <a:endParaRPr lang="en-US" altLang="zh-CN" sz="2000" dirty="0"/>
-          </a:p>
-          <a:p>
-            <a:r>
-              <a:rPr lang="zh-CN" altLang="en-US" sz="2000" dirty="0"/>
-              <a:t>但是功能有限，不如</a:t>
-            </a:r>
-            <a:r>
-              <a:rPr lang="en-US" altLang="zh-CN" sz="2000" dirty="0"/>
+            <a:endParaRPr lang="en-US" altLang="zh-CN" sz="2400" dirty="0"/>
+          </a:p>
+          <a:p>
+            <a:r>
+              <a:rPr lang="en-US" altLang="zh-CN" sz="2400"/>
               <a:t>vim</a:t>
             </a:r>
             <a:r>
-              <a:rPr lang="zh-CN" altLang="en-US" sz="2000" dirty="0"/>
-              <a:t>强大。</a:t>
-            </a:r>
-            <a:endParaRPr lang="en-US" altLang="zh-CN" sz="2000" dirty="0"/>
-          </a:p>
-          <a:p>
-            <a:r>
-              <a:rPr lang="zh-CN" altLang="en-US" sz="2000" dirty="0"/>
-              <a:t>如果没有安装</a:t>
-            </a:r>
-            <a:r>
-              <a:rPr lang="en-US" altLang="zh-CN" sz="2000" dirty="0"/>
+              <a:rPr lang="zh-CN" altLang="en-US" sz="2400"/>
+              <a:t>是</a:t>
+            </a:r>
+            <a:r>
+              <a:rPr lang="en-US" altLang="zh-CN" sz="2400"/>
+              <a:t>vi</a:t>
+            </a:r>
+            <a:r>
+              <a:rPr lang="zh-CN" altLang="en-US" sz="2400"/>
+              <a:t>的升级版，功能更强。如果</a:t>
+            </a:r>
+            <a:r>
+              <a:rPr lang="zh-CN" altLang="en-US" sz="2400" dirty="0"/>
+              <a:t>没有安装</a:t>
+            </a:r>
+            <a:r>
+              <a:rPr lang="en-US" altLang="zh-CN" sz="2400" dirty="0"/>
               <a:t>vim</a:t>
             </a:r>
             <a:r>
-              <a:rPr lang="zh-CN" altLang="en-US" sz="2000" dirty="0"/>
+              <a:rPr lang="zh-CN" altLang="en-US" sz="2400" dirty="0"/>
               <a:t>则运行</a:t>
             </a:r>
             <a:r>
-              <a:rPr lang="en-US" altLang="zh-CN" sz="2000" dirty="0" err="1"/>
+              <a:rPr lang="en-US" altLang="zh-CN" sz="2400" dirty="0" err="1"/>
               <a:t>sudo</a:t>
             </a:r>
             <a:r>
-              <a:rPr lang="en-US" altLang="zh-CN" sz="2000" dirty="0"/>
+              <a:rPr lang="en-US" altLang="zh-CN" sz="2400" dirty="0"/>
               <a:t> apt install vim</a:t>
             </a:r>
             <a:r>
-              <a:rPr lang="zh-CN" altLang="en-US" sz="2000" dirty="0"/>
+              <a:rPr lang="zh-CN" altLang="en-US" sz="2400" dirty="0"/>
               <a:t>。之后运行</a:t>
             </a:r>
             <a:r>
-              <a:rPr lang="en-US" altLang="zh-CN" sz="2000" dirty="0"/>
+              <a:rPr lang="en-US" altLang="zh-CN" sz="2400" dirty="0"/>
               <a:t>vim</a:t>
             </a:r>
             <a:r>
-              <a:rPr lang="zh-CN" altLang="en-US" sz="2000" dirty="0"/>
-              <a:t>即可启动。</a:t>
-            </a:r>
-            <a:endParaRPr lang="en-US" altLang="zh-CN" sz="2000" dirty="0"/>
-          </a:p>
-          <a:p>
-            <a:endParaRPr lang="en-US" altLang="zh-CN" sz="2000" dirty="0"/>
-          </a:p>
-          <a:p>
-            <a:r>
-              <a:rPr lang="zh-CN" altLang="en-US" sz="2000" dirty="0"/>
+              <a:rPr lang="zh-CN" altLang="en-US" sz="2400" dirty="0"/>
+              <a:t>即可</a:t>
+            </a:r>
+            <a:r>
+              <a:rPr lang="zh-CN" altLang="en-US" sz="2400"/>
+              <a:t>启动。</a:t>
+            </a:r>
+            <a:endParaRPr lang="en-US" altLang="zh-CN" sz="2400"/>
+          </a:p>
+          <a:p>
+            <a:endParaRPr lang="en-US" altLang="zh-CN" sz="2400" dirty="0"/>
+          </a:p>
+          <a:p>
+            <a:r>
+              <a:rPr lang="zh-CN" altLang="en-US" sz="2400" dirty="0"/>
               <a:t>使用</a:t>
             </a:r>
             <a:r>
-              <a:rPr lang="en-US" altLang="zh-CN" sz="2000" dirty="0"/>
+              <a:rPr lang="en-US" altLang="zh-CN" sz="2400" dirty="0"/>
               <a:t>vim [filename]</a:t>
             </a:r>
             <a:r>
-              <a:rPr lang="zh-CN" altLang="en-US" sz="2000" dirty="0"/>
+              <a:rPr lang="zh-CN" altLang="en-US" sz="2400" dirty="0"/>
               <a:t>可以创建文件。</a:t>
             </a:r>
-            <a:endParaRPr lang="en-US" altLang="zh-CN" sz="2000" dirty="0"/>
-          </a:p>
-          <a:p>
-            <a:r>
-              <a:rPr lang="zh-CN" altLang="en-US" sz="2000" dirty="0"/>
+            <a:endParaRPr lang="en-US" altLang="zh-CN" sz="2400" dirty="0"/>
+          </a:p>
+          <a:p>
+            <a:r>
+              <a:rPr lang="zh-CN" altLang="en-US" sz="2400" dirty="0"/>
               <a:t>此时进入</a:t>
             </a:r>
             <a:r>
-              <a:rPr lang="en-US" altLang="zh-CN" sz="2000" dirty="0"/>
+              <a:rPr lang="en-US" altLang="zh-CN" sz="2400" dirty="0"/>
               <a:t>vim</a:t>
             </a:r>
             <a:r>
-              <a:rPr lang="zh-CN" altLang="en-US" sz="2000" dirty="0"/>
-              <a:t>是命令模式。</a:t>
-            </a:r>
-            <a:endParaRPr lang="en-US" altLang="zh-CN" sz="2000" dirty="0"/>
-          </a:p>
-          <a:p>
-            <a:endParaRPr lang="en-US" altLang="zh-CN" sz="2000" dirty="0"/>
-          </a:p>
-          <a:p>
-            <a:r>
-              <a:rPr lang="en-US" altLang="zh-CN" sz="2000" dirty="0"/>
+              <a:rPr lang="zh-CN" altLang="en-US" sz="2400" dirty="0"/>
+              <a:t>是命令</a:t>
+            </a:r>
+            <a:r>
+              <a:rPr lang="zh-CN" altLang="en-US" sz="2400"/>
+              <a:t>模式。</a:t>
+            </a:r>
+            <a:endParaRPr lang="en-US" altLang="zh-CN" sz="2400" dirty="0"/>
+          </a:p>
+          <a:p>
+            <a:r>
+              <a:rPr lang="en-US" altLang="zh-CN" sz="2400" dirty="0"/>
               <a:t>ESC</a:t>
             </a:r>
             <a:r>
-              <a:rPr lang="zh-CN" altLang="en-US" sz="2000" dirty="0"/>
+              <a:rPr lang="zh-CN" altLang="en-US" sz="2400" dirty="0"/>
               <a:t>用于模式切换，当在命令模式输入</a:t>
             </a:r>
             <a:r>
-              <a:rPr lang="en-US" altLang="zh-CN" sz="2000" dirty="0" err="1"/>
+              <a:rPr lang="en-US" altLang="zh-CN" sz="2400" dirty="0" err="1"/>
               <a:t>i</a:t>
             </a:r>
             <a:r>
-              <a:rPr lang="zh-CN" altLang="en-US" sz="2000" dirty="0"/>
+              <a:rPr lang="zh-CN" altLang="en-US" sz="2400" dirty="0"/>
               <a:t>，</a:t>
             </a:r>
             <a:r>
-              <a:rPr lang="en-US" altLang="zh-CN" sz="2000" dirty="0"/>
+              <a:rPr lang="en-US" altLang="zh-CN" sz="2400" dirty="0"/>
               <a:t>a</a:t>
             </a:r>
             <a:r>
-              <a:rPr lang="zh-CN" altLang="en-US" sz="2000" dirty="0"/>
+              <a:rPr lang="zh-CN" altLang="en-US" sz="2400" dirty="0"/>
               <a:t>，</a:t>
             </a:r>
             <a:r>
-              <a:rPr lang="en-US" altLang="zh-CN" sz="2000" dirty="0"/>
+              <a:rPr lang="en-US" altLang="zh-CN" sz="2400" dirty="0"/>
               <a:t>o</a:t>
             </a:r>
             <a:r>
-              <a:rPr lang="zh-CN" altLang="en-US" sz="2000" dirty="0"/>
+              <a:rPr lang="zh-CN" altLang="en-US" sz="2400" dirty="0"/>
               <a:t>进行插入操作时，会切换到输入模式，此时按</a:t>
             </a:r>
             <a:r>
-              <a:rPr lang="en-US" altLang="zh-CN" sz="2000" dirty="0"/>
+              <a:rPr lang="en-US" altLang="zh-CN" sz="2400" dirty="0"/>
               <a:t>ESC</a:t>
             </a:r>
             <a:r>
-              <a:rPr lang="zh-CN" altLang="en-US" sz="2000" dirty="0"/>
+              <a:rPr lang="zh-CN" altLang="en-US" sz="2400" dirty="0"/>
               <a:t>会回到命令模式。</a:t>
             </a:r>
           </a:p>
@@ -7935,228 +8561,169 @@
         <p:spPr/>
         <p:txBody>
           <a:bodyPr>
-            <a:normAutofit/>
+            <a:noAutofit/>
           </a:bodyPr>
           <a:lstStyle/>
           <a:p>
             <a:r>
-              <a:rPr lang="en-US" altLang="zh-CN" sz="2000" dirty="0"/>
+              <a:rPr lang="zh-CN" altLang="en-US" sz="2400"/>
+              <a:t>启动</a:t>
+            </a:r>
+            <a:r>
+              <a:rPr lang="en-US" altLang="zh-CN" sz="2400" dirty="0"/>
               <a:t>Vim</a:t>
             </a:r>
             <a:r>
-              <a:rPr lang="zh-CN" altLang="en-US" sz="2000" dirty="0"/>
-              <a:t>使用的是命令的组合，记住这一点很重要。</a:t>
-            </a:r>
-            <a:endParaRPr lang="en-US" altLang="zh-CN" sz="2000" dirty="0"/>
-          </a:p>
-          <a:p>
-            <a:endParaRPr lang="en-US" altLang="zh-CN" sz="2000" dirty="0"/>
-          </a:p>
-          <a:p>
-            <a:r>
-              <a:rPr lang="zh-CN" altLang="en-US" sz="2000" dirty="0"/>
-              <a:t>启动</a:t>
-            </a:r>
-            <a:r>
-              <a:rPr lang="en-US" altLang="zh-CN" sz="2000" dirty="0"/>
-              <a:t>Vim</a:t>
-            </a:r>
-            <a:r>
-              <a:rPr lang="zh-CN" altLang="en-US" sz="2000" dirty="0"/>
+              <a:rPr lang="zh-CN" altLang="en-US" sz="2400" dirty="0"/>
               <a:t>后，进入命令模式</a:t>
             </a:r>
-            <a:endParaRPr lang="en-US" altLang="zh-CN" sz="2000" dirty="0"/>
+            <a:endParaRPr lang="en-US" altLang="zh-CN" sz="2400" dirty="0"/>
           </a:p>
           <a:p>
             <a:pPr marL="457200" lvl="1" indent="0">
               <a:buNone/>
             </a:pPr>
             <a:r>
-              <a:rPr lang="en-US" altLang="zh-CN" sz="1800" dirty="0"/>
+              <a:rPr lang="en-US" altLang="zh-CN" dirty="0"/>
               <a:t>h</a:t>
             </a:r>
             <a:r>
-              <a:rPr lang="zh-CN" altLang="en-US" sz="1800" dirty="0"/>
-              <a:t>：光标左移，</a:t>
-            </a:r>
-            <a:r>
-              <a:rPr lang="en-US" altLang="zh-CN" sz="1800" dirty="0"/>
+              <a:rPr lang="zh-CN" altLang="en-US" dirty="0"/>
+              <a:t>：光标</a:t>
+            </a:r>
+            <a:r>
+              <a:rPr lang="zh-CN" altLang="en-US"/>
+              <a:t>左移，</a:t>
+            </a:r>
+            <a:endParaRPr lang="en-US" altLang="zh-CN"/>
+          </a:p>
+          <a:p>
+            <a:pPr marL="457200" lvl="1" indent="0">
+              <a:buNone/>
+            </a:pPr>
+            <a:r>
+              <a:rPr lang="en-US" altLang="zh-CN"/>
               <a:t>j</a:t>
             </a:r>
             <a:r>
-              <a:rPr lang="zh-CN" altLang="en-US" sz="1800" dirty="0"/>
-              <a:t>：光标移动到下一行，</a:t>
-            </a:r>
-            <a:r>
-              <a:rPr lang="en-US" altLang="zh-CN" sz="1800" dirty="0"/>
+              <a:rPr lang="zh-CN" altLang="en-US" dirty="0"/>
+              <a:t>：</a:t>
+            </a:r>
+            <a:r>
+              <a:rPr lang="zh-CN" altLang="en-US"/>
+              <a:t>光标移到下一行</a:t>
+            </a:r>
+            <a:endParaRPr lang="en-US" altLang="zh-CN"/>
+          </a:p>
+          <a:p>
+            <a:pPr marL="457200" lvl="1" indent="0">
+              <a:buNone/>
+            </a:pPr>
+            <a:r>
+              <a:rPr lang="en-US" altLang="zh-CN"/>
               <a:t>k</a:t>
             </a:r>
             <a:r>
-              <a:rPr lang="zh-CN" altLang="en-US" sz="1800" dirty="0"/>
-              <a:t>：光标移动到上一行，</a:t>
-            </a:r>
-            <a:r>
-              <a:rPr lang="en-US" altLang="zh-CN" sz="1800" dirty="0"/>
+              <a:rPr lang="zh-CN" altLang="en-US" dirty="0"/>
+              <a:t>：</a:t>
+            </a:r>
+            <a:r>
+              <a:rPr lang="zh-CN" altLang="en-US"/>
+              <a:t>光标移到</a:t>
+            </a:r>
+            <a:r>
+              <a:rPr lang="zh-CN" altLang="en-US" dirty="0"/>
+              <a:t>上</a:t>
+            </a:r>
+            <a:r>
+              <a:rPr lang="zh-CN" altLang="en-US"/>
+              <a:t>一行，</a:t>
+            </a:r>
+            <a:endParaRPr lang="en-US" altLang="zh-CN"/>
+          </a:p>
+          <a:p>
+            <a:pPr marL="457200" lvl="1" indent="0">
+              <a:buNone/>
+            </a:pPr>
+            <a:r>
+              <a:rPr lang="en-US" altLang="zh-CN"/>
               <a:t>l</a:t>
             </a:r>
             <a:r>
-              <a:rPr lang="zh-CN" altLang="en-US" sz="1800" dirty="0"/>
+              <a:rPr lang="zh-CN" altLang="en-US" dirty="0"/>
               <a:t>：光标右移。</a:t>
             </a:r>
-            <a:endParaRPr lang="en-US" altLang="zh-CN" sz="1800" dirty="0"/>
+            <a:endParaRPr lang="en-US" altLang="zh-CN" dirty="0"/>
           </a:p>
           <a:p>
             <a:pPr marL="457200" lvl="1" indent="0">
               <a:buNone/>
             </a:pPr>
             <a:r>
-              <a:rPr lang="en-US" altLang="zh-CN" sz="1800" dirty="0"/>
+              <a:rPr lang="en-US" altLang="zh-CN" dirty="0"/>
               <a:t>X</a:t>
             </a:r>
             <a:r>
-              <a:rPr lang="zh-CN" altLang="en-US" sz="1800" dirty="0"/>
-              <a:t>：删除前面的字符，</a:t>
-            </a:r>
-            <a:r>
-              <a:rPr lang="en-US" altLang="zh-CN" sz="1800" dirty="0"/>
+              <a:rPr lang="zh-CN" altLang="en-US" dirty="0"/>
+              <a:t>：删除前面的</a:t>
+            </a:r>
+            <a:r>
+              <a:rPr lang="zh-CN" altLang="en-US"/>
+              <a:t>字符，</a:t>
+            </a:r>
+            <a:endParaRPr lang="en-US" altLang="zh-CN"/>
+          </a:p>
+          <a:p>
+            <a:pPr marL="457200" lvl="1" indent="0">
+              <a:buNone/>
+            </a:pPr>
+            <a:r>
+              <a:rPr lang="en-US" altLang="zh-CN"/>
               <a:t>x</a:t>
             </a:r>
             <a:r>
-              <a:rPr lang="zh-CN" altLang="en-US" sz="1800" dirty="0"/>
+              <a:rPr lang="zh-CN" altLang="en-US" dirty="0"/>
               <a:t>：删除后面的字符。</a:t>
             </a:r>
-            <a:endParaRPr lang="en-US" altLang="zh-CN" sz="1800" dirty="0"/>
+            <a:endParaRPr lang="en-US" altLang="zh-CN" dirty="0"/>
           </a:p>
           <a:p>
             <a:pPr marL="457200" lvl="1" indent="0">
               <a:buNone/>
             </a:pPr>
             <a:r>
-              <a:rPr lang="zh-CN" altLang="en-US" sz="1800" dirty="0"/>
+              <a:rPr lang="zh-CN" altLang="en-US" dirty="0"/>
               <a:t>输入</a:t>
             </a:r>
             <a:r>
-              <a:rPr lang="en-US" altLang="zh-CN" sz="1800" dirty="0" err="1"/>
+              <a:rPr lang="en-US" altLang="zh-CN" dirty="0" err="1"/>
               <a:t>i</a:t>
             </a:r>
             <a:r>
-              <a:rPr lang="zh-CN" altLang="en-US" sz="1800" dirty="0"/>
+              <a:rPr lang="zh-CN" altLang="en-US" dirty="0"/>
               <a:t>，</a:t>
             </a:r>
             <a:r>
-              <a:rPr lang="en-US" altLang="zh-CN" sz="1800" dirty="0"/>
+              <a:rPr lang="en-US" altLang="zh-CN" dirty="0"/>
               <a:t>a</a:t>
             </a:r>
             <a:r>
-              <a:rPr lang="zh-CN" altLang="en-US" sz="1800" dirty="0"/>
+              <a:rPr lang="zh-CN" altLang="en-US" dirty="0"/>
               <a:t>，</a:t>
             </a:r>
             <a:r>
-              <a:rPr lang="en-US" altLang="zh-CN" sz="1800" dirty="0"/>
+              <a:rPr lang="en-US" altLang="zh-CN" dirty="0"/>
               <a:t>o</a:t>
             </a:r>
             <a:r>
-              <a:rPr lang="zh-CN" altLang="en-US" sz="1800" dirty="0"/>
-              <a:t>都会进行插入操作，分别是在当前位置插入，在后一个位置插入，在下一行插入。</a:t>
-            </a:r>
-            <a:endParaRPr lang="en-US" altLang="zh-CN" sz="1800" dirty="0"/>
-          </a:p>
-          <a:p>
-            <a:pPr marL="457200" lvl="1" indent="0">
-              <a:buNone/>
-            </a:pPr>
-            <a:endParaRPr lang="en-US" altLang="zh-CN" sz="1800" dirty="0"/>
-          </a:p>
-          <a:p>
-            <a:r>
-              <a:rPr lang="zh-CN" altLang="en-US" sz="2000" dirty="0"/>
-              <a:t>按</a:t>
-            </a:r>
-            <a:r>
-              <a:rPr lang="en-US" altLang="zh-CN" sz="2000" dirty="0"/>
-              <a:t>ESC</a:t>
-            </a:r>
-            <a:r>
-              <a:rPr lang="zh-CN" altLang="en-US" sz="2000" dirty="0"/>
-              <a:t>键返回到指令模式，输入</a:t>
-            </a:r>
-            <a:endParaRPr lang="en-US" altLang="zh-CN" sz="2000" dirty="0"/>
-          </a:p>
-          <a:p>
-            <a:pPr marL="457200" lvl="1" indent="0">
-              <a:buNone/>
-            </a:pPr>
-            <a:r>
-              <a:rPr lang="zh-CN" altLang="en-US" sz="1800" dirty="0"/>
-              <a:t>：</a:t>
-            </a:r>
-            <a:r>
-              <a:rPr lang="en-US" altLang="zh-CN" sz="1800" dirty="0"/>
-              <a:t>w    </a:t>
-            </a:r>
-            <a:r>
-              <a:rPr lang="zh-CN" altLang="en-US" sz="1800" dirty="0"/>
-              <a:t>写入文件</a:t>
-            </a:r>
-            <a:endParaRPr lang="en-US" altLang="zh-CN" sz="1800" dirty="0"/>
-          </a:p>
-          <a:p>
-            <a:pPr marL="457200" lvl="1" indent="0">
-              <a:buNone/>
-            </a:pPr>
-            <a:r>
-              <a:rPr lang="zh-CN" altLang="en-US" sz="1800" dirty="0"/>
-              <a:t>：</a:t>
-            </a:r>
-            <a:r>
-              <a:rPr lang="en-US" altLang="zh-CN" sz="1800" dirty="0"/>
-              <a:t>q     </a:t>
-            </a:r>
-            <a:r>
-              <a:rPr lang="zh-CN" altLang="en-US" sz="1800" dirty="0"/>
-              <a:t>退出文件</a:t>
-            </a:r>
-            <a:endParaRPr lang="en-US" altLang="zh-CN" sz="1800" dirty="0"/>
-          </a:p>
-          <a:p>
-            <a:pPr marL="457200" lvl="1" indent="0">
-              <a:buNone/>
-            </a:pPr>
-            <a:r>
-              <a:rPr lang="zh-CN" altLang="en-US" sz="1800" dirty="0"/>
-              <a:t>：</a:t>
-            </a:r>
-            <a:r>
-              <a:rPr lang="en-US" altLang="zh-CN" sz="1800" dirty="0" err="1"/>
-              <a:t>wq</a:t>
-            </a:r>
-            <a:r>
-              <a:rPr lang="en-US" altLang="zh-CN" sz="1800" dirty="0"/>
-              <a:t>  </a:t>
-            </a:r>
-            <a:r>
-              <a:rPr lang="zh-CN" altLang="en-US" sz="1800" dirty="0"/>
-              <a:t>写入并退出</a:t>
-            </a:r>
-            <a:endParaRPr lang="en-US" altLang="zh-CN" sz="1800" dirty="0"/>
-          </a:p>
-          <a:p>
-            <a:pPr marL="457200" lvl="1" indent="0">
-              <a:buNone/>
-            </a:pPr>
-            <a:r>
-              <a:rPr lang="zh-CN" altLang="en-US" sz="1800" dirty="0"/>
-              <a:t>：</a:t>
-            </a:r>
-            <a:r>
-              <a:rPr lang="en-US" altLang="zh-CN" sz="1800" dirty="0"/>
-              <a:t>q</a:t>
-            </a:r>
-            <a:r>
-              <a:rPr lang="zh-CN" altLang="en-US" sz="1800" dirty="0"/>
-              <a:t>！ 不保存退出</a:t>
-            </a:r>
-            <a:endParaRPr lang="en-US" altLang="zh-CN" sz="1800" dirty="0"/>
+              <a:rPr lang="zh-CN" altLang="en-US" dirty="0"/>
+              <a:t>都会进行插入操作，分别是在当前位置插入，在后一个位置插入，在下一行</a:t>
+            </a:r>
+            <a:r>
+              <a:rPr lang="zh-CN" altLang="en-US"/>
+              <a:t>插入。</a:t>
+            </a:r>
+            <a:endParaRPr lang="en-US" altLang="zh-CN" dirty="0"/>
           </a:p>
         </p:txBody>
       </p:sp>
@@ -8241,338 +8808,116 @@
         <p:spPr/>
         <p:txBody>
           <a:bodyPr>
-            <a:normAutofit fontScale="77500" lnSpcReduction="20000"/>
+            <a:noAutofit/>
           </a:bodyPr>
           <a:lstStyle/>
           <a:p>
             <a:r>
-              <a:rPr lang="zh-CN" altLang="en-US" sz="2600" dirty="0"/>
-              <a:t>命令模式操作：</a:t>
-            </a:r>
-            <a:endParaRPr lang="en-US" altLang="zh-CN" sz="2600" dirty="0"/>
+              <a:rPr lang="en-US" altLang="zh-CN" sz="2400"/>
+              <a:t>Vim</a:t>
+            </a:r>
+            <a:r>
+              <a:rPr lang="zh-CN" altLang="en-US" sz="2400"/>
+              <a:t>使用的是命令的组合，记住这一点很重要。</a:t>
+            </a:r>
+            <a:endParaRPr lang="en-US" altLang="zh-CN" sz="2400"/>
+          </a:p>
+          <a:p>
+            <a:endParaRPr lang="en-US" altLang="zh-CN" sz="2400"/>
+          </a:p>
+          <a:p>
+            <a:r>
+              <a:rPr lang="zh-CN" altLang="en-US" sz="2400"/>
+              <a:t>在输入模式按</a:t>
+            </a:r>
+            <a:r>
+              <a:rPr lang="en-US" altLang="zh-CN" sz="2400"/>
+              <a:t>ESC</a:t>
+            </a:r>
+            <a:r>
+              <a:rPr lang="zh-CN" altLang="en-US" sz="2400"/>
+              <a:t>键返回到指令模式，输入</a:t>
+            </a:r>
+            <a:endParaRPr lang="en-US" altLang="zh-CN" sz="2400"/>
           </a:p>
           <a:p>
             <a:pPr marL="457200" lvl="1" indent="0">
               <a:buNone/>
             </a:pPr>
             <a:r>
-              <a:rPr lang="en-US" altLang="zh-CN" sz="2100" dirty="0"/>
-              <a:t>d</a:t>
-            </a:r>
-            <a:r>
-              <a:rPr lang="zh-CN" altLang="en-US" sz="2100" dirty="0"/>
-              <a:t>      删除</a:t>
-            </a:r>
-            <a:r>
-              <a:rPr lang="en-US" altLang="zh-CN" sz="2100" dirty="0"/>
-              <a:t>/</a:t>
-            </a:r>
-            <a:r>
-              <a:rPr lang="zh-CN" altLang="en-US" sz="2100" dirty="0"/>
-              <a:t>剪切</a:t>
-            </a:r>
-            <a:endParaRPr lang="en-US" altLang="zh-CN" sz="2100" dirty="0"/>
+              <a:rPr lang="zh-CN" altLang="en-US"/>
+              <a:t>：</a:t>
+            </a:r>
+            <a:r>
+              <a:rPr lang="en-US" altLang="zh-CN"/>
+              <a:t>w    </a:t>
+            </a:r>
+            <a:r>
+              <a:rPr lang="zh-CN" altLang="en-US"/>
+              <a:t>写入文件</a:t>
+            </a:r>
+            <a:endParaRPr lang="en-US" altLang="zh-CN"/>
           </a:p>
           <a:p>
             <a:pPr marL="457200" lvl="1" indent="0">
               <a:buNone/>
             </a:pPr>
             <a:r>
-              <a:rPr lang="en-US" altLang="zh-CN" sz="2100" dirty="0" err="1"/>
-              <a:t>dd</a:t>
-            </a:r>
-            <a:r>
-              <a:rPr lang="en-US" altLang="zh-CN" sz="2100" dirty="0"/>
-              <a:t>    </a:t>
-            </a:r>
-            <a:r>
-              <a:rPr lang="zh-CN" altLang="en-US" sz="2100" dirty="0"/>
-              <a:t>删除当前行</a:t>
-            </a:r>
-            <a:endParaRPr lang="en-US" altLang="zh-CN" sz="2100" dirty="0"/>
+              <a:rPr lang="zh-CN" altLang="en-US"/>
+              <a:t>：</a:t>
+            </a:r>
+            <a:r>
+              <a:rPr lang="en-US" altLang="zh-CN"/>
+              <a:t>q     </a:t>
+            </a:r>
+            <a:r>
+              <a:rPr lang="zh-CN" altLang="en-US"/>
+              <a:t>退出文件</a:t>
+            </a:r>
+            <a:endParaRPr lang="en-US" altLang="zh-CN"/>
           </a:p>
           <a:p>
             <a:pPr marL="457200" lvl="1" indent="0">
               <a:buNone/>
             </a:pPr>
             <a:r>
-              <a:rPr lang="en-US" altLang="zh-CN" sz="2100" dirty="0" err="1"/>
-              <a:t>dj</a:t>
-            </a:r>
-            <a:r>
-              <a:rPr lang="en-US" altLang="zh-CN" sz="2100" dirty="0"/>
-              <a:t>     </a:t>
-            </a:r>
-            <a:r>
-              <a:rPr lang="zh-CN" altLang="en-US" sz="2100" dirty="0"/>
-              <a:t>删除当前行和下一行</a:t>
-            </a:r>
-            <a:endParaRPr lang="en-US" altLang="zh-CN" sz="2100" dirty="0"/>
+              <a:rPr lang="zh-CN" altLang="en-US"/>
+              <a:t>：</a:t>
+            </a:r>
+            <a:r>
+              <a:rPr lang="en-US" altLang="zh-CN"/>
+              <a:t>wq  </a:t>
+            </a:r>
+            <a:r>
+              <a:rPr lang="zh-CN" altLang="en-US"/>
+              <a:t>写入并退出</a:t>
+            </a:r>
+            <a:endParaRPr lang="en-US" altLang="zh-CN"/>
           </a:p>
           <a:p>
             <a:pPr marL="457200" lvl="1" indent="0">
               <a:buNone/>
             </a:pPr>
             <a:r>
-              <a:rPr lang="en-US" altLang="zh-CN" sz="2100" dirty="0"/>
-              <a:t>d$    </a:t>
-            </a:r>
-            <a:r>
-              <a:rPr lang="zh-CN" altLang="en-US" sz="2100" dirty="0"/>
-              <a:t>删除到行尾的内容</a:t>
-            </a:r>
-            <a:endParaRPr lang="en-US" altLang="zh-CN" sz="2100" dirty="0"/>
-          </a:p>
-          <a:p>
-            <a:pPr marL="457200" lvl="1" indent="0">
-              <a:buNone/>
-            </a:pPr>
-            <a:r>
-              <a:rPr lang="en-US" altLang="zh-CN" sz="2100" dirty="0"/>
-              <a:t>2dd  </a:t>
-            </a:r>
-            <a:r>
-              <a:rPr lang="zh-CN" altLang="en-US" sz="2100" dirty="0"/>
-              <a:t>会重复两次运行</a:t>
-            </a:r>
-            <a:r>
-              <a:rPr lang="en-US" altLang="zh-CN" sz="2100" dirty="0" err="1"/>
-              <a:t>dd</a:t>
-            </a:r>
-            <a:r>
-              <a:rPr lang="zh-CN" altLang="en-US" sz="2100" dirty="0"/>
-              <a:t>命令</a:t>
-            </a:r>
-            <a:endParaRPr lang="en-US" altLang="zh-CN" sz="2100" dirty="0"/>
-          </a:p>
-          <a:p>
-            <a:pPr marL="457200" lvl="1" indent="0">
-              <a:buNone/>
-            </a:pPr>
-            <a:r>
-              <a:rPr lang="en-US" altLang="zh-CN" sz="2100" dirty="0" err="1"/>
-              <a:t>yy</a:t>
-            </a:r>
-            <a:r>
-              <a:rPr lang="en-US" altLang="zh-CN" sz="2100" dirty="0"/>
-              <a:t>    </a:t>
-            </a:r>
-            <a:r>
-              <a:rPr lang="zh-CN" altLang="en-US" sz="2100" dirty="0"/>
-              <a:t>复制当前行</a:t>
-            </a:r>
-            <a:endParaRPr lang="en-US" altLang="zh-CN" sz="2100" dirty="0"/>
-          </a:p>
-          <a:p>
-            <a:pPr marL="457200" lvl="1" indent="0">
-              <a:buNone/>
-            </a:pPr>
-            <a:r>
-              <a:rPr lang="en-US" altLang="zh-CN" sz="2100" dirty="0"/>
-              <a:t>p     </a:t>
-            </a:r>
-            <a:r>
-              <a:rPr lang="zh-CN" altLang="en-US" sz="2100" dirty="0"/>
-              <a:t>粘贴</a:t>
-            </a:r>
-            <a:endParaRPr lang="en-US" altLang="zh-CN" sz="2100" dirty="0"/>
-          </a:p>
-          <a:p>
-            <a:pPr marL="457200" lvl="1" indent="0">
-              <a:buNone/>
-            </a:pPr>
-            <a:r>
-              <a:rPr lang="en-US" altLang="zh-CN" sz="2100" dirty="0"/>
-              <a:t>V     </a:t>
-            </a:r>
-            <a:r>
-              <a:rPr lang="zh-CN" altLang="en-US" sz="2100" dirty="0"/>
-              <a:t>选中整行，此时移动光标可以成块选中</a:t>
-            </a:r>
-            <a:endParaRPr lang="en-US" altLang="zh-CN" sz="2100" dirty="0"/>
-          </a:p>
-          <a:p>
-            <a:pPr marL="457200" lvl="1" indent="0">
-              <a:buNone/>
-            </a:pPr>
-            <a:r>
-              <a:rPr lang="en-US" altLang="zh-CN" sz="2100" dirty="0"/>
-              <a:t>v      </a:t>
-            </a:r>
-            <a:r>
-              <a:rPr lang="zh-CN" altLang="en-US" sz="2100" dirty="0"/>
-              <a:t>从光标标记位置开始选中</a:t>
-            </a:r>
-            <a:endParaRPr lang="en-US" altLang="zh-CN" sz="2100" dirty="0"/>
-          </a:p>
-          <a:p>
-            <a:pPr marL="457200" lvl="1" indent="0">
-              <a:buNone/>
-            </a:pPr>
-            <a:r>
-              <a:rPr lang="en-US" altLang="zh-CN" sz="2100" dirty="0"/>
-              <a:t>u     </a:t>
-            </a:r>
-            <a:r>
-              <a:rPr lang="zh-CN" altLang="en-US" sz="2100" dirty="0"/>
-              <a:t>撤销更改</a:t>
-            </a:r>
-            <a:endParaRPr lang="en-US" altLang="zh-CN" sz="2100" dirty="0"/>
-          </a:p>
-          <a:p>
-            <a:pPr marL="457200" lvl="1" indent="0">
-              <a:buNone/>
-            </a:pPr>
-            <a:r>
-              <a:rPr lang="en-US" altLang="zh-CN" sz="2100" dirty="0" err="1"/>
-              <a:t>Ctrl+R</a:t>
-            </a:r>
-            <a:r>
-              <a:rPr lang="en-US" altLang="zh-CN" sz="2100" dirty="0"/>
-              <a:t>  </a:t>
-            </a:r>
-            <a:r>
-              <a:rPr lang="zh-CN" altLang="en-US" sz="2100" dirty="0"/>
-              <a:t>恢复更改，</a:t>
-            </a:r>
-            <a:r>
-              <a:rPr lang="en-US" altLang="zh-CN" sz="2100" dirty="0"/>
-              <a:t>R</a:t>
-            </a:r>
-            <a:r>
-              <a:rPr lang="zh-CN" altLang="en-US" sz="2100" dirty="0"/>
-              <a:t>大写</a:t>
-            </a:r>
-            <a:endParaRPr lang="en-US" altLang="zh-CN" sz="2100" dirty="0"/>
-          </a:p>
-          <a:p>
-            <a:pPr marL="0" indent="0">
-              <a:buNone/>
-            </a:pPr>
-            <a:r>
-              <a:rPr lang="en-US" altLang="zh-CN" sz="2100" dirty="0"/>
-              <a:t>       0     </a:t>
-            </a:r>
-            <a:r>
-              <a:rPr lang="zh-CN" altLang="en-US" sz="2100" dirty="0"/>
-              <a:t>到行首</a:t>
-            </a:r>
-            <a:endParaRPr lang="en-US" altLang="zh-CN" sz="2100" dirty="0"/>
-          </a:p>
-          <a:p>
-            <a:pPr marL="0" indent="0">
-              <a:buNone/>
-            </a:pPr>
-            <a:r>
-              <a:rPr lang="en-US" altLang="zh-CN" sz="2100" dirty="0"/>
-              <a:t>       $</a:t>
-            </a:r>
-            <a:r>
-              <a:rPr lang="zh-CN" altLang="en-US" sz="2100" dirty="0"/>
-              <a:t>      到行尾</a:t>
-            </a:r>
-            <a:endParaRPr lang="en-US" altLang="zh-CN" sz="2100" dirty="0"/>
-          </a:p>
-          <a:p>
-            <a:pPr marL="0" indent="0">
-              <a:buNone/>
-            </a:pPr>
-            <a:r>
-              <a:rPr lang="en-US" altLang="zh-CN" sz="2000" dirty="0"/>
-              <a:t>       </a:t>
-            </a:r>
-          </a:p>
-          <a:p>
-            <a:r>
-              <a:rPr lang="zh-CN" altLang="en-US" sz="2000" dirty="0"/>
-              <a:t>输入：</a:t>
-            </a:r>
-            <a:r>
-              <a:rPr lang="en-US" altLang="zh-CN" sz="2000" dirty="0"/>
-              <a:t>0</a:t>
-            </a:r>
-            <a:r>
-              <a:rPr lang="zh-CN" altLang="en-US" sz="2000" dirty="0"/>
-              <a:t>会定位到第一行，：</a:t>
-            </a:r>
-            <a:r>
-              <a:rPr lang="en-US" altLang="zh-CN" sz="2000" dirty="0"/>
-              <a:t>$</a:t>
-            </a:r>
-            <a:r>
-              <a:rPr lang="zh-CN" altLang="en-US" sz="2000" dirty="0"/>
-              <a:t>定位到最后一行。</a:t>
-            </a:r>
-            <a:endParaRPr lang="en-US" altLang="zh-CN" sz="2000" dirty="0"/>
-          </a:p>
-          <a:p>
-            <a:r>
-              <a:rPr lang="zh-CN" altLang="en-US" sz="2000" dirty="0"/>
-              <a:t>输入：</a:t>
-            </a:r>
-            <a:r>
-              <a:rPr lang="en-US" altLang="zh-CN" sz="2000" dirty="0"/>
-              <a:t>/</a:t>
-            </a:r>
-            <a:r>
-              <a:rPr lang="zh-CN" altLang="en-US" sz="2000" dirty="0"/>
-              <a:t>执行搜索，：</a:t>
-            </a:r>
-            <a:r>
-              <a:rPr lang="en-US" altLang="zh-CN" sz="2000" dirty="0"/>
-              <a:t>/t</a:t>
-            </a:r>
-            <a:r>
-              <a:rPr lang="zh-CN" altLang="en-US" sz="2000" dirty="0"/>
-              <a:t>会搜索含有</a:t>
-            </a:r>
-            <a:r>
-              <a:rPr lang="en-US" altLang="zh-CN" sz="2000" dirty="0"/>
-              <a:t>t</a:t>
-            </a:r>
-            <a:r>
-              <a:rPr lang="zh-CN" altLang="en-US" sz="2000" dirty="0"/>
-              <a:t>的行。</a:t>
-            </a:r>
-            <a:endParaRPr lang="en-US" altLang="zh-CN" sz="2000" dirty="0"/>
-          </a:p>
-          <a:p>
-            <a:r>
-              <a:rPr lang="zh-CN" altLang="en-US" sz="2000" dirty="0"/>
-              <a:t>输入：</a:t>
-            </a:r>
-            <a:r>
-              <a:rPr lang="en-US" altLang="zh-CN" sz="2000" dirty="0"/>
-              <a:t>help</a:t>
-            </a:r>
-            <a:r>
-              <a:rPr lang="zh-CN" altLang="en-US" sz="2000" dirty="0"/>
-              <a:t>获取帮助文档，输入：</a:t>
-            </a:r>
-            <a:r>
-              <a:rPr lang="en-US" altLang="zh-CN" sz="2000" dirty="0"/>
-              <a:t>help [</a:t>
-            </a:r>
-            <a:r>
-              <a:rPr lang="zh-CN" altLang="en-US" sz="2000" dirty="0"/>
-              <a:t>帮助文档名</a:t>
-            </a:r>
-            <a:r>
-              <a:rPr lang="en-US" altLang="zh-CN" sz="2000" dirty="0"/>
-              <a:t>]</a:t>
-            </a:r>
-            <a:r>
-              <a:rPr lang="zh-CN" altLang="en-US" sz="2000" dirty="0"/>
-              <a:t>获取具体信息。</a:t>
-            </a:r>
-            <a:endParaRPr lang="en-US" altLang="zh-CN" sz="2000" dirty="0"/>
+              <a:rPr lang="zh-CN" altLang="en-US"/>
+              <a:t>：</a:t>
+            </a:r>
+            <a:r>
+              <a:rPr lang="en-US" altLang="zh-CN"/>
+              <a:t>q</a:t>
+            </a:r>
+            <a:r>
+              <a:rPr lang="zh-CN" altLang="en-US"/>
+              <a:t>！ 不保存退出</a:t>
+            </a:r>
+            <a:endParaRPr lang="en-US" altLang="zh-CN" dirty="0"/>
           </a:p>
         </p:txBody>
       </p:sp>
     </p:spTree>
     <p:extLst>
       <p:ext uri="{BB962C8B-B14F-4D97-AF65-F5344CB8AC3E}">
-        <p14:creationId xmlns:p14="http://schemas.microsoft.com/office/powerpoint/2010/main" val="3274389365"/>
+        <p14:creationId xmlns:p14="http://schemas.microsoft.com/office/powerpoint/2010/main" val="3904430670"/>
       </p:ext>
     </p:extLst>
   </p:cSld>
@@ -8626,7 +8971,7 @@
             </a:r>
             <a:r>
               <a:rPr lang="zh-CN" altLang="en-US" dirty="0"/>
-              <a:t>配置文件</a:t>
+              <a:t>基本操作</a:t>
             </a:r>
           </a:p>
         </p:txBody>
@@ -8649,161 +8994,341 @@
         </p:nvSpPr>
         <p:spPr/>
         <p:txBody>
-          <a:bodyPr/>
-          <a:lstStyle/>
-          <a:p>
-            <a:r>
-              <a:rPr lang="zh-CN" altLang="en-US" sz="2000" dirty="0"/>
-              <a:t>默认安装的</a:t>
-            </a:r>
-            <a:r>
-              <a:rPr lang="en-US" altLang="zh-CN" sz="2000" dirty="0"/>
-              <a:t>vim</a:t>
-            </a:r>
-            <a:r>
-              <a:rPr lang="zh-CN" altLang="en-US" sz="2000" dirty="0"/>
-              <a:t>配置文件在</a:t>
-            </a:r>
-            <a:r>
-              <a:rPr lang="en-US" altLang="zh-CN" sz="2000" dirty="0"/>
+          <a:bodyPr>
+            <a:normAutofit/>
+          </a:bodyPr>
+          <a:lstStyle/>
+          <a:p>
+            <a:r>
+              <a:rPr lang="zh-CN" altLang="en-US" sz="2400"/>
+              <a:t>指令</a:t>
+            </a:r>
+            <a:r>
+              <a:rPr lang="zh-CN" altLang="en-US" sz="2400" dirty="0"/>
+              <a:t>模式操作：</a:t>
+            </a:r>
+            <a:endParaRPr lang="en-US" altLang="zh-CN" sz="2400" dirty="0"/>
+          </a:p>
+          <a:p>
+            <a:pPr marL="457200" lvl="1" indent="0">
+              <a:buNone/>
+            </a:pPr>
+            <a:r>
+              <a:rPr lang="en-US" altLang="zh-CN" dirty="0"/>
+              <a:t>d</a:t>
+            </a:r>
+            <a:r>
+              <a:rPr lang="zh-CN" altLang="en-US" dirty="0"/>
+              <a:t>      删除</a:t>
+            </a:r>
+            <a:r>
+              <a:rPr lang="en-US" altLang="zh-CN"/>
               <a:t>/</a:t>
             </a:r>
             <a:r>
-              <a:rPr lang="en-US" altLang="zh-CN" sz="2000" dirty="0" err="1"/>
-              <a:t>etc</a:t>
-            </a:r>
-            <a:r>
-              <a:rPr lang="en-US" altLang="zh-CN" sz="2000" dirty="0"/>
-              <a:t>/</a:t>
-            </a:r>
-            <a:r>
-              <a:rPr lang="en-US" altLang="zh-CN" sz="2000" dirty="0" err="1"/>
-              <a:t>vimrc</a:t>
-            </a:r>
-            <a:r>
-              <a:rPr lang="zh-CN" altLang="en-US" sz="2000" dirty="0"/>
-              <a:t>。</a:t>
-            </a:r>
-            <a:endParaRPr lang="en-US" altLang="zh-CN" sz="2000" dirty="0"/>
-          </a:p>
-          <a:p>
-            <a:endParaRPr lang="en-US" altLang="zh-CN" sz="2000" dirty="0"/>
-          </a:p>
-          <a:p>
-            <a:r>
-              <a:rPr lang="zh-CN" altLang="en-US" sz="2000" dirty="0"/>
-              <a:t>在用户主目录下，创建</a:t>
-            </a:r>
-            <a:r>
-              <a:rPr lang="en-US" altLang="zh-CN" sz="2000" dirty="0"/>
-              <a:t>.</a:t>
-            </a:r>
-            <a:r>
-              <a:rPr lang="en-US" altLang="zh-CN" sz="2000" dirty="0" err="1"/>
-              <a:t>vimrc</a:t>
-            </a:r>
-            <a:r>
-              <a:rPr lang="zh-CN" altLang="en-US" sz="2000" dirty="0"/>
-              <a:t>文件也是</a:t>
-            </a:r>
-            <a:r>
-              <a:rPr lang="en-US" altLang="zh-CN" sz="2000" dirty="0"/>
-              <a:t>vim</a:t>
-            </a:r>
-            <a:r>
-              <a:rPr lang="zh-CN" altLang="en-US" sz="2000" dirty="0"/>
-              <a:t>默认读取的配置文件。</a:t>
-            </a:r>
-            <a:endParaRPr lang="en-US" altLang="zh-CN" sz="2000" dirty="0"/>
-          </a:p>
-          <a:p>
-            <a:endParaRPr lang="en-US" altLang="zh-CN" sz="2000" dirty="0"/>
-          </a:p>
-          <a:p>
-            <a:r>
-              <a:rPr lang="en-US" altLang="zh-CN" sz="2000" dirty="0"/>
-              <a:t>vim</a:t>
-            </a:r>
-            <a:r>
-              <a:rPr lang="zh-CN" altLang="en-US" sz="2000" dirty="0"/>
-              <a:t>在启动时会先读取</a:t>
-            </a:r>
-            <a:r>
-              <a:rPr lang="en-US" altLang="zh-CN" sz="2000" dirty="0"/>
-              <a:t>/</a:t>
-            </a:r>
-            <a:r>
-              <a:rPr lang="en-US" altLang="zh-CN" sz="2000" dirty="0" err="1"/>
-              <a:t>etc</a:t>
-            </a:r>
-            <a:r>
-              <a:rPr lang="en-US" altLang="zh-CN" sz="2000" dirty="0"/>
-              <a:t>/</a:t>
-            </a:r>
-            <a:r>
-              <a:rPr lang="en-US" altLang="zh-CN" sz="2000" dirty="0" err="1"/>
-              <a:t>vimrc</a:t>
-            </a:r>
-            <a:r>
-              <a:rPr lang="zh-CN" altLang="en-US" sz="2000" dirty="0"/>
-              <a:t>，然后是</a:t>
-            </a:r>
-            <a:r>
-              <a:rPr lang="en-US" altLang="zh-CN" sz="2000" dirty="0"/>
-              <a:t>.</a:t>
-            </a:r>
-            <a:r>
-              <a:rPr lang="en-US" altLang="zh-CN" sz="2000" dirty="0" err="1"/>
-              <a:t>vimrc</a:t>
-            </a:r>
-            <a:r>
-              <a:rPr lang="en-US" altLang="zh-CN" sz="2000" dirty="0"/>
+              <a:rPr lang="zh-CN" altLang="en-US"/>
+              <a:t>剪切  ； </a:t>
+            </a:r>
+            <a:r>
+              <a:rPr lang="en-US" altLang="zh-CN"/>
+              <a:t>dd    </a:t>
+            </a:r>
+            <a:r>
+              <a:rPr lang="zh-CN" altLang="en-US" dirty="0"/>
+              <a:t>删除</a:t>
+            </a:r>
+            <a:r>
+              <a:rPr lang="zh-CN" altLang="en-US"/>
+              <a:t>当前行 ；</a:t>
+            </a:r>
+            <a:endParaRPr lang="en-US" altLang="zh-CN" dirty="0"/>
+          </a:p>
+          <a:p>
+            <a:pPr marL="457200" lvl="1" indent="0">
+              <a:buNone/>
+            </a:pPr>
+            <a:r>
+              <a:rPr lang="en-US" altLang="zh-CN" dirty="0"/>
+              <a:t>d$    </a:t>
+            </a:r>
+            <a:r>
+              <a:rPr lang="zh-CN" altLang="en-US" dirty="0"/>
+              <a:t>删除到行尾</a:t>
+            </a:r>
+            <a:r>
+              <a:rPr lang="zh-CN" altLang="en-US"/>
+              <a:t>的内容 ； </a:t>
+            </a:r>
+            <a:r>
+              <a:rPr lang="en-US" altLang="zh-CN"/>
+              <a:t>2dd  </a:t>
+            </a:r>
+            <a:r>
+              <a:rPr lang="zh-CN" altLang="en-US" dirty="0"/>
+              <a:t>会重复两次运行</a:t>
+            </a:r>
+            <a:r>
+              <a:rPr lang="en-US" altLang="zh-CN" dirty="0" err="1"/>
+              <a:t>dd</a:t>
+            </a:r>
+            <a:r>
+              <a:rPr lang="zh-CN" altLang="en-US" dirty="0"/>
+              <a:t>命令</a:t>
+            </a:r>
+            <a:endParaRPr lang="en-US" altLang="zh-CN" dirty="0"/>
+          </a:p>
+          <a:p>
+            <a:pPr marL="457200" lvl="1" indent="0">
+              <a:buNone/>
+            </a:pPr>
+            <a:r>
+              <a:rPr lang="en-US" altLang="zh-CN" dirty="0" err="1"/>
+              <a:t>yy</a:t>
+            </a:r>
+            <a:r>
+              <a:rPr lang="en-US" altLang="zh-CN" dirty="0"/>
+              <a:t>    </a:t>
+            </a:r>
+            <a:r>
+              <a:rPr lang="zh-CN" altLang="en-US" dirty="0"/>
+              <a:t>复制</a:t>
+            </a:r>
+            <a:r>
+              <a:rPr lang="zh-CN" altLang="en-US"/>
+              <a:t>当前行 ； </a:t>
+            </a:r>
+            <a:r>
+              <a:rPr lang="en-US" altLang="zh-CN"/>
+              <a:t>p   </a:t>
+            </a:r>
+            <a:r>
+              <a:rPr lang="zh-CN" altLang="en-US"/>
+              <a:t>粘贴</a:t>
+            </a:r>
+            <a:endParaRPr lang="en-US" altLang="zh-CN" dirty="0"/>
+          </a:p>
+          <a:p>
+            <a:pPr marL="457200" lvl="1" indent="0">
+              <a:buNone/>
+            </a:pPr>
+            <a:r>
+              <a:rPr lang="en-US" altLang="zh-CN" dirty="0"/>
+              <a:t>V     </a:t>
+            </a:r>
+            <a:r>
+              <a:rPr lang="zh-CN" altLang="en-US" dirty="0"/>
+              <a:t>选中整行，此时移动光标可以成块选中</a:t>
+            </a:r>
+            <a:endParaRPr lang="en-US" altLang="zh-CN" dirty="0"/>
+          </a:p>
+          <a:p>
+            <a:pPr marL="457200" lvl="1" indent="0">
+              <a:buNone/>
+            </a:pPr>
+            <a:r>
+              <a:rPr lang="en-US" altLang="zh-CN" dirty="0"/>
+              <a:t>v      </a:t>
+            </a:r>
+            <a:r>
+              <a:rPr lang="zh-CN" altLang="en-US" dirty="0"/>
+              <a:t>从光标标记位置开始选中</a:t>
+            </a:r>
+            <a:endParaRPr lang="en-US" altLang="zh-CN" dirty="0"/>
+          </a:p>
+          <a:p>
+            <a:pPr marL="457200" lvl="1" indent="0">
+              <a:buNone/>
+            </a:pPr>
+            <a:r>
+              <a:rPr lang="en-US" altLang="zh-CN" dirty="0"/>
+              <a:t>u     </a:t>
+            </a:r>
+            <a:r>
+              <a:rPr lang="zh-CN" altLang="en-US" dirty="0"/>
+              <a:t>撤销更改</a:t>
+            </a:r>
+            <a:endParaRPr lang="en-US" altLang="zh-CN" dirty="0"/>
+          </a:p>
+          <a:p>
+            <a:pPr marL="457200" lvl="1" indent="0">
+              <a:buNone/>
+            </a:pPr>
+            <a:r>
+              <a:rPr lang="en-US" altLang="zh-CN" dirty="0" err="1">
+                <a:solidFill>
+                  <a:srgbClr val="C00000"/>
+                </a:solidFill>
+              </a:rPr>
+              <a:t>Ctrl+R</a:t>
+            </a:r>
+            <a:r>
+              <a:rPr lang="en-US" altLang="zh-CN" dirty="0">
+                <a:solidFill>
+                  <a:srgbClr val="C00000"/>
+                </a:solidFill>
+              </a:rPr>
+              <a:t>  </a:t>
+            </a:r>
+            <a:r>
+              <a:rPr lang="zh-CN" altLang="en-US" dirty="0">
+                <a:solidFill>
+                  <a:srgbClr val="C00000"/>
+                </a:solidFill>
+              </a:rPr>
+              <a:t>恢复更改，</a:t>
+            </a:r>
+            <a:r>
+              <a:rPr lang="en-US" altLang="zh-CN" dirty="0">
+                <a:solidFill>
+                  <a:srgbClr val="C00000"/>
+                </a:solidFill>
+              </a:rPr>
+              <a:t>R</a:t>
+            </a:r>
+            <a:r>
+              <a:rPr lang="zh-CN" altLang="en-US" dirty="0">
+                <a:solidFill>
+                  <a:srgbClr val="C00000"/>
+                </a:solidFill>
+              </a:rPr>
+              <a:t>大写</a:t>
+            </a:r>
+            <a:endParaRPr lang="en-US" altLang="zh-CN" dirty="0">
+              <a:solidFill>
+                <a:srgbClr val="C00000"/>
+              </a:solidFill>
+            </a:endParaRPr>
+          </a:p>
+          <a:p>
+            <a:pPr marL="0" indent="0">
+              <a:buNone/>
+            </a:pPr>
+            <a:r>
+              <a:rPr lang="en-US" altLang="zh-CN" sz="2400" dirty="0">
+                <a:solidFill>
+                  <a:srgbClr val="C00000"/>
+                </a:solidFill>
+              </a:rPr>
+              <a:t>       </a:t>
+            </a:r>
+            <a:r>
+              <a:rPr lang="en-US" altLang="zh-CN" sz="2400">
+                <a:solidFill>
+                  <a:srgbClr val="C00000"/>
+                </a:solidFill>
+              </a:rPr>
+              <a:t>0   </a:t>
+            </a:r>
+            <a:r>
+              <a:rPr lang="zh-CN" altLang="en-US" sz="2400">
+                <a:solidFill>
+                  <a:srgbClr val="C00000"/>
+                </a:solidFill>
+              </a:rPr>
+              <a:t>到行首</a:t>
+            </a:r>
+            <a:r>
+              <a:rPr lang="en-US" altLang="zh-CN" sz="2400">
+                <a:solidFill>
+                  <a:srgbClr val="C00000"/>
+                </a:solidFill>
+              </a:rPr>
               <a:t> </a:t>
             </a:r>
             <a:r>
-              <a:rPr lang="zh-CN" altLang="en-US" sz="2000" dirty="0"/>
-              <a:t>，重复的配置，</a:t>
-            </a:r>
-            <a:r>
-              <a:rPr lang="en-US" altLang="zh-CN" sz="2000" dirty="0"/>
-              <a:t>.</a:t>
-            </a:r>
-            <a:r>
-              <a:rPr lang="en-US" altLang="zh-CN" sz="2000" dirty="0" err="1"/>
-              <a:t>vimrc</a:t>
-            </a:r>
-            <a:r>
-              <a:rPr lang="zh-CN" altLang="en-US" sz="2000" dirty="0"/>
-              <a:t>会覆盖</a:t>
-            </a:r>
-            <a:r>
-              <a:rPr lang="en-US" altLang="zh-CN" sz="2000" dirty="0"/>
-              <a:t>/</a:t>
-            </a:r>
-            <a:r>
-              <a:rPr lang="en-US" altLang="zh-CN" sz="2000" dirty="0" err="1"/>
-              <a:t>etc</a:t>
-            </a:r>
-            <a:r>
-              <a:rPr lang="en-US" altLang="zh-CN" sz="2000" dirty="0"/>
-              <a:t>/</a:t>
-            </a:r>
-            <a:r>
-              <a:rPr lang="en-US" altLang="zh-CN" sz="2000" dirty="0" err="1"/>
-              <a:t>vimrc</a:t>
-            </a:r>
-            <a:r>
-              <a:rPr lang="zh-CN" altLang="en-US" sz="2000" dirty="0"/>
-              <a:t>的配置。</a:t>
-            </a:r>
-            <a:endParaRPr lang="en-US" altLang="zh-CN" sz="2000" dirty="0"/>
+              <a:rPr lang="zh-CN" altLang="en-US" sz="2400">
+                <a:solidFill>
+                  <a:srgbClr val="C00000"/>
+                </a:solidFill>
+              </a:rPr>
+              <a:t>； </a:t>
+            </a:r>
+            <a:r>
+              <a:rPr lang="en-US" altLang="zh-CN" sz="2400">
+                <a:solidFill>
+                  <a:srgbClr val="C00000"/>
+                </a:solidFill>
+              </a:rPr>
+              <a:t>$</a:t>
+            </a:r>
+            <a:r>
+              <a:rPr lang="zh-CN" altLang="en-US" sz="2400">
+                <a:solidFill>
+                  <a:srgbClr val="C00000"/>
+                </a:solidFill>
+              </a:rPr>
+              <a:t>  到行尾</a:t>
+            </a:r>
+            <a:endParaRPr lang="en-US" altLang="zh-CN" sz="2400" dirty="0">
+              <a:solidFill>
+                <a:srgbClr val="C00000"/>
+              </a:solidFill>
+            </a:endParaRPr>
+          </a:p>
+          <a:p>
+            <a:r>
+              <a:rPr lang="zh-CN" altLang="en-US" sz="2400" dirty="0"/>
+              <a:t>输入：</a:t>
+            </a:r>
+            <a:r>
+              <a:rPr lang="en-US" altLang="zh-CN" sz="2400" dirty="0"/>
+              <a:t>0</a:t>
+            </a:r>
+            <a:r>
+              <a:rPr lang="zh-CN" altLang="en-US" sz="2400" dirty="0"/>
+              <a:t>会定位到第一行，：</a:t>
+            </a:r>
+            <a:r>
+              <a:rPr lang="en-US" altLang="zh-CN" sz="2400" dirty="0"/>
+              <a:t>$</a:t>
+            </a:r>
+            <a:r>
+              <a:rPr lang="zh-CN" altLang="en-US" sz="2400" dirty="0"/>
+              <a:t>定位到最后</a:t>
+            </a:r>
+            <a:r>
+              <a:rPr lang="zh-CN" altLang="en-US" sz="2400"/>
+              <a:t>一行。</a:t>
+            </a:r>
+            <a:endParaRPr lang="en-US" altLang="zh-CN" sz="2400" dirty="0"/>
+          </a:p>
+          <a:p>
+            <a:r>
+              <a:rPr lang="zh-CN" altLang="en-US" sz="2400" dirty="0"/>
+              <a:t>输入：</a:t>
+            </a:r>
+            <a:r>
+              <a:rPr lang="en-US" altLang="zh-CN" sz="2400" dirty="0"/>
+              <a:t>help</a:t>
+            </a:r>
+            <a:r>
+              <a:rPr lang="zh-CN" altLang="en-US" sz="2400" dirty="0"/>
+              <a:t>获取帮助文档，输入：</a:t>
+            </a:r>
+            <a:r>
+              <a:rPr lang="en-US" altLang="zh-CN" sz="2400" dirty="0"/>
+              <a:t>help [</a:t>
+            </a:r>
+            <a:r>
+              <a:rPr lang="zh-CN" altLang="en-US" sz="2400" dirty="0"/>
+              <a:t>帮助文档名</a:t>
+            </a:r>
+            <a:r>
+              <a:rPr lang="en-US" altLang="zh-CN" sz="2400" dirty="0"/>
+              <a:t>]</a:t>
+            </a:r>
+            <a:r>
+              <a:rPr lang="zh-CN" altLang="en-US" sz="2400" dirty="0"/>
+              <a:t>获取具体信息。</a:t>
+            </a:r>
+            <a:endParaRPr lang="en-US" altLang="zh-CN" sz="2400" dirty="0"/>
           </a:p>
         </p:txBody>
       </p:sp>
     </p:spTree>
     <p:extLst>
       <p:ext uri="{BB962C8B-B14F-4D97-AF65-F5344CB8AC3E}">
-        <p14:creationId xmlns:p14="http://schemas.microsoft.com/office/powerpoint/2010/main" val="3045266092"/>
+        <p14:creationId xmlns:p14="http://schemas.microsoft.com/office/powerpoint/2010/main" val="3274389365"/>
       </p:ext>
     </p:extLst>
   </p:cSld>
@@ -8835,7 +9360,7 @@
           <p:cNvPr id="2" name="标题 1">
             <a:extLst>
               <a:ext uri="{FF2B5EF4-FFF2-40B4-BE49-F238E27FC236}">
-                <a16:creationId xmlns:a16="http://schemas.microsoft.com/office/drawing/2014/main" id="{8B88BACC-24DE-4087-9AB3-A099CF573089}"/>
+                <a16:creationId xmlns:a16="http://schemas.microsoft.com/office/drawing/2014/main" id="{633591D4-5318-4244-8A14-954CA95E8BC4}"/>
               </a:ext>
             </a:extLst>
           </p:cNvPr>
@@ -8852,16 +9377,12 @@
           <a:lstStyle/>
           <a:p>
             <a:r>
-              <a:rPr lang="zh-CN" altLang="en-US" dirty="0"/>
-              <a:t>在</a:t>
-            </a:r>
-            <a:r>
-              <a:rPr lang="en-US" altLang="zh-CN" dirty="0"/>
+              <a:rPr lang="en-US" altLang="zh-CN"/>
               <a:t>vim</a:t>
             </a:r>
             <a:r>
-              <a:rPr lang="zh-CN" altLang="en-US" dirty="0"/>
-              <a:t>中运行本地命令</a:t>
+              <a:rPr lang="zh-CN" altLang="en-US"/>
+              <a:t>搜索和替换</a:t>
             </a:r>
           </a:p>
         </p:txBody>
@@ -8871,7 +9392,7 @@
           <p:cNvPr id="3" name="内容占位符 2">
             <a:extLst>
               <a:ext uri="{FF2B5EF4-FFF2-40B4-BE49-F238E27FC236}">
-                <a16:creationId xmlns:a16="http://schemas.microsoft.com/office/drawing/2014/main" id="{0A1C6B17-780B-4799-8193-E52FD817AC0E}"/>
+                <a16:creationId xmlns:a16="http://schemas.microsoft.com/office/drawing/2014/main" id="{72AD6D66-9644-47EB-981A-8C08617DEB86}"/>
               </a:ext>
             </a:extLst>
           </p:cNvPr>
@@ -8884,57 +9405,491 @@
         </p:nvSpPr>
         <p:spPr/>
         <p:txBody>
-          <a:bodyPr/>
-          <a:lstStyle/>
-          <a:p>
-            <a:r>
-              <a:rPr lang="zh-CN" altLang="en-US" sz="2000" dirty="0"/>
-              <a:t>输入：！</a:t>
-            </a:r>
-            <a:r>
-              <a:rPr lang="en-US" altLang="zh-CN" sz="2000" dirty="0"/>
-              <a:t>echo ‘hello vim’</a:t>
-            </a:r>
-            <a:r>
-              <a:rPr lang="zh-CN" altLang="en-US" sz="2000" dirty="0"/>
-              <a:t>查看效果。</a:t>
-            </a:r>
-            <a:endParaRPr lang="en-US" altLang="zh-CN" sz="2000" dirty="0"/>
-          </a:p>
-          <a:p>
-            <a:endParaRPr lang="en-US" altLang="zh-CN" sz="2000" dirty="0"/>
-          </a:p>
-          <a:p>
-            <a:r>
-              <a:rPr lang="zh-CN" altLang="en-US" sz="2000" dirty="0"/>
-              <a:t>：！后面跟命令名称。</a:t>
-            </a:r>
-            <a:endParaRPr lang="en-US" altLang="zh-CN" sz="2000" dirty="0"/>
-          </a:p>
-          <a:p>
-            <a:endParaRPr lang="en-US" altLang="zh-CN" sz="2000" dirty="0"/>
-          </a:p>
-          <a:p>
-            <a:r>
-              <a:rPr lang="zh-CN" altLang="en-US" sz="2000" dirty="0"/>
-              <a:t>完成后会退出到</a:t>
-            </a:r>
-            <a:r>
-              <a:rPr lang="en-US" altLang="zh-CN" sz="2000" dirty="0"/>
-              <a:t>Vim</a:t>
-            </a:r>
-            <a:r>
-              <a:rPr lang="zh-CN" altLang="en-US" sz="2000" dirty="0"/>
-              <a:t>环境。</a:t>
-            </a:r>
-            <a:endParaRPr lang="en-US" altLang="zh-CN" sz="2000" dirty="0"/>
-          </a:p>
-        </p:txBody>
-      </p:sp>
+          <a:bodyPr>
+            <a:normAutofit/>
+          </a:bodyPr>
+          <a:lstStyle/>
+          <a:p>
+            <a:r>
+              <a:rPr lang="zh-CN" altLang="en-US" sz="2400"/>
+              <a:t>搜索和替换操作：</a:t>
+            </a:r>
+            <a:endParaRPr lang="en-US" altLang="zh-CN" sz="2400"/>
+          </a:p>
+        </p:txBody>
+      </p:sp>
+      <p:graphicFrame>
+        <p:nvGraphicFramePr>
+          <p:cNvPr id="4" name="表格 3">
+            <a:extLst>
+              <a:ext uri="{FF2B5EF4-FFF2-40B4-BE49-F238E27FC236}">
+                <a16:creationId xmlns:a16="http://schemas.microsoft.com/office/drawing/2014/main" id="{34E1C46C-09DD-40B2-BD2E-80CCC7A372A9}"/>
+              </a:ext>
+            </a:extLst>
+          </p:cNvPr>
+          <p:cNvGraphicFramePr>
+            <a:graphicFrameLocks noGrp="1"/>
+          </p:cNvGraphicFramePr>
+          <p:nvPr>
+            <p:extLst>
+              <p:ext uri="{D42A27DB-BD31-4B8C-83A1-F6EECF244321}">
+                <p14:modId xmlns:p14="http://schemas.microsoft.com/office/powerpoint/2010/main" val="670545114"/>
+              </p:ext>
+            </p:extLst>
+          </p:nvPr>
+        </p:nvGraphicFramePr>
+        <p:xfrm>
+          <a:off x="1071684" y="2161768"/>
+          <a:ext cx="9980248" cy="3781833"/>
+        </p:xfrm>
+        <a:graphic>
+          <a:graphicData uri="http://schemas.openxmlformats.org/drawingml/2006/table">
+            <a:tbl>
+              <a:tblPr firstRow="1" bandRow="1">
+                <a:tableStyleId>{5940675A-B579-460E-94D1-54222C63F5DA}</a:tableStyleId>
+              </a:tblPr>
+              <a:tblGrid>
+                <a:gridCol w="1733062">
+                  <a:extLst>
+                    <a:ext uri="{9D8B030D-6E8A-4147-A177-3AD203B41FA5}">
+                      <a16:colId xmlns:a16="http://schemas.microsoft.com/office/drawing/2014/main" val="1930762903"/>
+                    </a:ext>
+                  </a:extLst>
+                </a:gridCol>
+                <a:gridCol w="8247186">
+                  <a:extLst>
+                    <a:ext uri="{9D8B030D-6E8A-4147-A177-3AD203B41FA5}">
+                      <a16:colId xmlns:a16="http://schemas.microsoft.com/office/drawing/2014/main" val="3597110209"/>
+                    </a:ext>
+                  </a:extLst>
+                </a:gridCol>
+              </a:tblGrid>
+              <a:tr h="596907">
+                <a:tc>
+                  <a:txBody>
+                    <a:bodyPr/>
+                    <a:lstStyle/>
+                    <a:p>
+                      <a:r>
+                        <a:rPr lang="en-US" altLang="zh-CN" sz="2000"/>
+                        <a:t>:/php</a:t>
+                      </a:r>
+                      <a:endParaRPr lang="zh-CN" altLang="en-US" sz="2000"/>
+                    </a:p>
+                  </a:txBody>
+                  <a:tcPr anchor="ctr"/>
+                </a:tc>
+                <a:tc>
+                  <a:txBody>
+                    <a:bodyPr/>
+                    <a:lstStyle/>
+                    <a:p>
+                      <a:pPr marL="0" marR="0" lvl="0" indent="0" algn="l" defTabSz="914400" rtl="0" eaLnBrk="1" fontAlgn="auto" latinLnBrk="0" hangingPunct="1">
+                        <a:lnSpc>
+                          <a:spcPct val="100000"/>
+                        </a:lnSpc>
+                        <a:spcBef>
+                          <a:spcPts val="0"/>
+                        </a:spcBef>
+                        <a:spcAft>
+                          <a:spcPts val="0"/>
+                        </a:spcAft>
+                        <a:buClrTx/>
+                        <a:buSzTx/>
+                        <a:buFontTx/>
+                        <a:buNone/>
+                        <a:tabLst/>
+                        <a:defRPr/>
+                      </a:pPr>
+                      <a:r>
+                        <a:rPr lang="zh-CN" altLang="en-US" sz="2000"/>
+                        <a:t>搜索所有匹配</a:t>
+                      </a:r>
+                      <a:r>
+                        <a:rPr lang="en-US" altLang="zh-CN" sz="2000"/>
+                        <a:t>php</a:t>
+                      </a:r>
+                      <a:r>
+                        <a:rPr lang="zh-CN" altLang="en-US" sz="2000"/>
+                        <a:t>的行，输入</a:t>
+                      </a:r>
+                      <a:r>
+                        <a:rPr lang="en-US" altLang="zh-CN" sz="2000"/>
+                        <a:t>n</a:t>
+                      </a:r>
+                      <a:r>
+                        <a:rPr lang="zh-CN" altLang="en-US" sz="2000"/>
+                        <a:t>跳转到下一个匹配，</a:t>
+                      </a:r>
+                      <a:r>
+                        <a:rPr lang="en-US" altLang="zh-CN" sz="2000"/>
+                        <a:t>b</a:t>
+                      </a:r>
+                      <a:r>
+                        <a:rPr lang="zh-CN" altLang="en-US" sz="2000"/>
+                        <a:t>定位到上一个匹配</a:t>
+                      </a:r>
+                      <a:endParaRPr lang="en-US" altLang="zh-CN" sz="2000"/>
+                    </a:p>
+                  </a:txBody>
+                  <a:tcPr anchor="ctr"/>
+                </a:tc>
+                <a:extLst>
+                  <a:ext uri="{0D108BD9-81ED-4DB2-BD59-A6C34878D82A}">
+                    <a16:rowId xmlns:a16="http://schemas.microsoft.com/office/drawing/2014/main" val="3098519463"/>
+                  </a:ext>
+                </a:extLst>
+              </a:tr>
+              <a:tr h="530821">
+                <a:tc>
+                  <a:txBody>
+                    <a:bodyPr/>
+                    <a:lstStyle/>
+                    <a:p>
+                      <a:r>
+                        <a:rPr lang="en-US" altLang="zh-CN" sz="2000"/>
+                        <a:t>:s/php/c</a:t>
+                      </a:r>
+                      <a:endParaRPr lang="zh-CN" altLang="en-US" sz="2000"/>
+                    </a:p>
+                  </a:txBody>
+                  <a:tcPr anchor="ctr"/>
+                </a:tc>
+                <a:tc>
+                  <a:txBody>
+                    <a:bodyPr/>
+                    <a:lstStyle/>
+                    <a:p>
+                      <a:pPr marL="0" marR="0" lvl="0" indent="0" algn="l" defTabSz="914400" rtl="0" eaLnBrk="1" fontAlgn="auto" latinLnBrk="0" hangingPunct="1">
+                        <a:lnSpc>
+                          <a:spcPct val="100000"/>
+                        </a:lnSpc>
+                        <a:spcBef>
+                          <a:spcPts val="0"/>
+                        </a:spcBef>
+                        <a:spcAft>
+                          <a:spcPts val="0"/>
+                        </a:spcAft>
+                        <a:buClrTx/>
+                        <a:buSzTx/>
+                        <a:buFontTx/>
+                        <a:buNone/>
+                        <a:tabLst/>
+                        <a:defRPr/>
+                      </a:pPr>
+                      <a:r>
+                        <a:rPr lang="zh-CN" altLang="en-US" sz="2000"/>
+                        <a:t>替换当前行第一个</a:t>
+                      </a:r>
+                      <a:r>
+                        <a:rPr lang="en-US" altLang="zh-CN" sz="2000"/>
+                        <a:t>php</a:t>
+                      </a:r>
+                      <a:r>
+                        <a:rPr lang="zh-CN" altLang="en-US" sz="2000"/>
+                        <a:t>出现的位置为</a:t>
+                      </a:r>
+                      <a:r>
+                        <a:rPr lang="en-US" altLang="zh-CN" sz="2000"/>
+                        <a:t>c</a:t>
+                      </a:r>
+                    </a:p>
+                  </a:txBody>
+                  <a:tcPr anchor="ctr"/>
+                </a:tc>
+                <a:extLst>
+                  <a:ext uri="{0D108BD9-81ED-4DB2-BD59-A6C34878D82A}">
+                    <a16:rowId xmlns:a16="http://schemas.microsoft.com/office/drawing/2014/main" val="2735444704"/>
+                  </a:ext>
+                </a:extLst>
+              </a:tr>
+              <a:tr h="530821">
+                <a:tc>
+                  <a:txBody>
+                    <a:bodyPr/>
+                    <a:lstStyle/>
+                    <a:p>
+                      <a:r>
+                        <a:rPr lang="en-US" altLang="zh-CN" sz="2000"/>
+                        <a:t>:s/php/c/g</a:t>
+                      </a:r>
+                      <a:endParaRPr lang="zh-CN" altLang="en-US" sz="2000"/>
+                    </a:p>
+                  </a:txBody>
+                  <a:tcPr anchor="ctr"/>
+                </a:tc>
+                <a:tc>
+                  <a:txBody>
+                    <a:bodyPr/>
+                    <a:lstStyle/>
+                    <a:p>
+                      <a:pPr marL="0" marR="0" lvl="0" indent="0" algn="l" defTabSz="914400" rtl="0" eaLnBrk="1" fontAlgn="auto" latinLnBrk="0" hangingPunct="1">
+                        <a:lnSpc>
+                          <a:spcPct val="100000"/>
+                        </a:lnSpc>
+                        <a:spcBef>
+                          <a:spcPts val="0"/>
+                        </a:spcBef>
+                        <a:spcAft>
+                          <a:spcPts val="0"/>
+                        </a:spcAft>
+                        <a:buClrTx/>
+                        <a:buSzTx/>
+                        <a:buFontTx/>
+                        <a:buNone/>
+                        <a:tabLst/>
+                        <a:defRPr/>
+                      </a:pPr>
+                      <a:r>
+                        <a:rPr lang="zh-CN" altLang="en-US" sz="2000"/>
+                        <a:t>替换当前行所有匹配位置</a:t>
+                      </a:r>
+                      <a:endParaRPr lang="en-US" altLang="zh-CN" sz="2000"/>
+                    </a:p>
+                  </a:txBody>
+                  <a:tcPr anchor="ctr"/>
+                </a:tc>
+                <a:extLst>
+                  <a:ext uri="{0D108BD9-81ED-4DB2-BD59-A6C34878D82A}">
+                    <a16:rowId xmlns:a16="http://schemas.microsoft.com/office/drawing/2014/main" val="1351133665"/>
+                  </a:ext>
+                </a:extLst>
+              </a:tr>
+              <a:tr h="530821">
+                <a:tc>
+                  <a:txBody>
+                    <a:bodyPr/>
+                    <a:lstStyle/>
+                    <a:p>
+                      <a:r>
+                        <a:rPr lang="en-US" altLang="zh-CN" sz="2000"/>
+                        <a:t>:%s/php/c/</a:t>
+                      </a:r>
+                      <a:endParaRPr lang="zh-CN" altLang="en-US" sz="2000"/>
+                    </a:p>
+                  </a:txBody>
+                  <a:tcPr anchor="ctr"/>
+                </a:tc>
+                <a:tc>
+                  <a:txBody>
+                    <a:bodyPr/>
+                    <a:lstStyle/>
+                    <a:p>
+                      <a:r>
+                        <a:rPr lang="zh-CN" altLang="en-US" sz="2000"/>
+                        <a:t>替换所有行第一个</a:t>
+                      </a:r>
+                      <a:r>
+                        <a:rPr lang="en-US" altLang="zh-CN" sz="2000"/>
+                        <a:t>php</a:t>
+                      </a:r>
+                      <a:r>
+                        <a:rPr lang="zh-CN" altLang="en-US" sz="2000"/>
+                        <a:t>位置为</a:t>
+                      </a:r>
+                      <a:r>
+                        <a:rPr lang="en-US" altLang="zh-CN" sz="2000"/>
+                        <a:t>c</a:t>
+                      </a:r>
+                      <a:endParaRPr lang="zh-CN" altLang="en-US" sz="2000"/>
+                    </a:p>
+                  </a:txBody>
+                  <a:tcPr anchor="ctr"/>
+                </a:tc>
+                <a:extLst>
+                  <a:ext uri="{0D108BD9-81ED-4DB2-BD59-A6C34878D82A}">
+                    <a16:rowId xmlns:a16="http://schemas.microsoft.com/office/drawing/2014/main" val="1232623931"/>
+                  </a:ext>
+                </a:extLst>
+              </a:tr>
+              <a:tr h="530821">
+                <a:tc>
+                  <a:txBody>
+                    <a:bodyPr/>
+                    <a:lstStyle/>
+                    <a:p>
+                      <a:r>
+                        <a:rPr lang="en-US" altLang="zh-CN" sz="2000"/>
+                        <a:t>:%s/php/c/g</a:t>
+                      </a:r>
+                      <a:endParaRPr lang="zh-CN" altLang="en-US" sz="2000"/>
+                    </a:p>
+                  </a:txBody>
+                  <a:tcPr anchor="ctr"/>
+                </a:tc>
+                <a:tc>
+                  <a:txBody>
+                    <a:bodyPr/>
+                    <a:lstStyle/>
+                    <a:p>
+                      <a:pPr marL="0" marR="0" lvl="0" indent="0" algn="l" defTabSz="914400" rtl="0" eaLnBrk="1" fontAlgn="auto" latinLnBrk="0" hangingPunct="1">
+                        <a:lnSpc>
+                          <a:spcPct val="100000"/>
+                        </a:lnSpc>
+                        <a:spcBef>
+                          <a:spcPts val="0"/>
+                        </a:spcBef>
+                        <a:spcAft>
+                          <a:spcPts val="0"/>
+                        </a:spcAft>
+                        <a:buClrTx/>
+                        <a:buSzTx/>
+                        <a:buFontTx/>
+                        <a:buNone/>
+                        <a:tabLst/>
+                        <a:defRPr/>
+                      </a:pPr>
+                      <a:r>
+                        <a:rPr lang="zh-CN" altLang="en-US" sz="2000"/>
+                        <a:t>替换所有行所有位置</a:t>
+                      </a:r>
+                      <a:endParaRPr lang="en-US" altLang="zh-CN" sz="2000"/>
+                    </a:p>
+                  </a:txBody>
+                  <a:tcPr anchor="ctr"/>
+                </a:tc>
+                <a:extLst>
+                  <a:ext uri="{0D108BD9-81ED-4DB2-BD59-A6C34878D82A}">
+                    <a16:rowId xmlns:a16="http://schemas.microsoft.com/office/drawing/2014/main" val="1115894576"/>
+                  </a:ext>
+                </a:extLst>
+              </a:tr>
+              <a:tr h="530821">
+                <a:tc>
+                  <a:txBody>
+                    <a:bodyPr/>
+                    <a:lstStyle/>
+                    <a:p>
+                      <a:r>
+                        <a:rPr lang="en-US" altLang="zh-CN" sz="2000"/>
+                        <a:t>:5,$s/php/c</a:t>
+                      </a:r>
+                      <a:endParaRPr lang="zh-CN" altLang="en-US" sz="2000"/>
+                    </a:p>
+                  </a:txBody>
+                  <a:tcPr anchor="ctr"/>
+                </a:tc>
+                <a:tc>
+                  <a:txBody>
+                    <a:bodyPr/>
+                    <a:lstStyle/>
+                    <a:p>
+                      <a:pPr marL="0" marR="0" lvl="0" indent="0" algn="l" defTabSz="914400" rtl="0" eaLnBrk="1" fontAlgn="auto" latinLnBrk="0" hangingPunct="1">
+                        <a:lnSpc>
+                          <a:spcPct val="100000"/>
+                        </a:lnSpc>
+                        <a:spcBef>
+                          <a:spcPts val="0"/>
+                        </a:spcBef>
+                        <a:spcAft>
+                          <a:spcPts val="0"/>
+                        </a:spcAft>
+                        <a:buClrTx/>
+                        <a:buSzTx/>
+                        <a:buFontTx/>
+                        <a:buNone/>
+                        <a:tabLst/>
+                        <a:defRPr/>
+                      </a:pPr>
+                      <a:r>
+                        <a:rPr lang="zh-CN" altLang="en-US" sz="2000"/>
+                        <a:t>替换第</a:t>
+                      </a:r>
+                      <a:r>
+                        <a:rPr lang="en-US" altLang="zh-CN" sz="2000"/>
+                        <a:t>5</a:t>
+                      </a:r>
+                      <a:r>
+                        <a:rPr lang="zh-CN" altLang="en-US" sz="2000"/>
+                        <a:t>行到最后一行</a:t>
+                      </a:r>
+                      <a:endParaRPr lang="en-US" altLang="zh-CN" sz="2000"/>
+                    </a:p>
+                  </a:txBody>
+                  <a:tcPr anchor="ctr"/>
+                </a:tc>
+                <a:extLst>
+                  <a:ext uri="{0D108BD9-81ED-4DB2-BD59-A6C34878D82A}">
+                    <a16:rowId xmlns:a16="http://schemas.microsoft.com/office/drawing/2014/main" val="1179008992"/>
+                  </a:ext>
+                </a:extLst>
+              </a:tr>
+              <a:tr h="530821">
+                <a:tc>
+                  <a:txBody>
+                    <a:bodyPr/>
+                    <a:lstStyle/>
+                    <a:p>
+                      <a:r>
+                        <a:rPr lang="en-US" altLang="zh-CN" sz="2000"/>
+                        <a:t>:1,5s/php/c</a:t>
+                      </a:r>
+                      <a:endParaRPr lang="zh-CN" altLang="en-US" sz="2000"/>
+                    </a:p>
+                  </a:txBody>
+                  <a:tcPr anchor="ctr"/>
+                </a:tc>
+                <a:tc>
+                  <a:txBody>
+                    <a:bodyPr/>
+                    <a:lstStyle/>
+                    <a:p>
+                      <a:pPr marL="0" marR="0" lvl="0" indent="0" algn="l" defTabSz="914400" rtl="0" eaLnBrk="1" fontAlgn="auto" latinLnBrk="0" hangingPunct="1">
+                        <a:lnSpc>
+                          <a:spcPct val="100000"/>
+                        </a:lnSpc>
+                        <a:spcBef>
+                          <a:spcPts val="0"/>
+                        </a:spcBef>
+                        <a:spcAft>
+                          <a:spcPts val="0"/>
+                        </a:spcAft>
+                        <a:buClrTx/>
+                        <a:buSzTx/>
+                        <a:buFontTx/>
+                        <a:buNone/>
+                        <a:tabLst/>
+                        <a:defRPr/>
+                      </a:pPr>
+                      <a:r>
+                        <a:rPr lang="zh-CN" altLang="en-US" sz="2000"/>
+                        <a:t>替换的是第</a:t>
+                      </a:r>
+                      <a:r>
+                        <a:rPr lang="en-US" altLang="zh-CN" sz="2000"/>
+                        <a:t>1</a:t>
+                      </a:r>
+                      <a:r>
+                        <a:rPr lang="zh-CN" altLang="en-US" sz="2000"/>
+                        <a:t>到第</a:t>
+                      </a:r>
+                      <a:r>
+                        <a:rPr lang="en-US" altLang="zh-CN" sz="2000"/>
+                        <a:t>5</a:t>
+                      </a:r>
+                      <a:r>
+                        <a:rPr lang="zh-CN" altLang="en-US" sz="2000"/>
+                        <a:t>行</a:t>
+                      </a:r>
+                      <a:endParaRPr lang="en-US" altLang="zh-CN" sz="2000"/>
+                    </a:p>
+                  </a:txBody>
+                  <a:tcPr anchor="ctr"/>
+                </a:tc>
+                <a:extLst>
+                  <a:ext uri="{0D108BD9-81ED-4DB2-BD59-A6C34878D82A}">
+                    <a16:rowId xmlns:a16="http://schemas.microsoft.com/office/drawing/2014/main" val="3001650040"/>
+                  </a:ext>
+                </a:extLst>
+              </a:tr>
+            </a:tbl>
+          </a:graphicData>
+        </a:graphic>
+      </p:graphicFrame>
     </p:spTree>
     <p:extLst>
       <p:ext uri="{BB962C8B-B14F-4D97-AF65-F5344CB8AC3E}">
-        <p14:creationId xmlns:p14="http://schemas.microsoft.com/office/powerpoint/2010/main" val="902376419"/>
+        <p14:creationId xmlns:p14="http://schemas.microsoft.com/office/powerpoint/2010/main" val="747239609"/>
       </p:ext>
     </p:extLst>
   </p:cSld>

--- a/materials/slides/ch07-edit-file.pptx
+++ b/materials/slides/ch07-edit-file.pptx
@@ -279,7 +279,7 @@
           <a:p>
             <a:fld id="{02E60DA2-A0BC-48C9-AA88-75C78721B420}" type="datetimeFigureOut">
               <a:rPr lang="zh-CN" altLang="en-US" smtClean="0"/>
-              <a:t>2018/4/15</a:t>
+              <a:t>2018/4/16</a:t>
             </a:fld>
             <a:endParaRPr lang="zh-CN" altLang="en-US"/>
           </a:p>
@@ -501,7 +501,7 @@
           <a:p>
             <a:fld id="{02E60DA2-A0BC-48C9-AA88-75C78721B420}" type="datetimeFigureOut">
               <a:rPr lang="zh-CN" altLang="en-US" smtClean="0"/>
-              <a:t>2018/4/15</a:t>
+              <a:t>2018/4/16</a:t>
             </a:fld>
             <a:endParaRPr lang="zh-CN" altLang="en-US"/>
           </a:p>
@@ -733,7 +733,7 @@
           <a:p>
             <a:fld id="{02E60DA2-A0BC-48C9-AA88-75C78721B420}" type="datetimeFigureOut">
               <a:rPr lang="zh-CN" altLang="en-US" smtClean="0"/>
-              <a:t>2018/4/15</a:t>
+              <a:t>2018/4/16</a:t>
             </a:fld>
             <a:endParaRPr lang="zh-CN" altLang="en-US"/>
           </a:p>
@@ -983,7 +983,7 @@
           <a:p>
             <a:fld id="{02E60DA2-A0BC-48C9-AA88-75C78721B420}" type="datetimeFigureOut">
               <a:rPr lang="zh-CN" altLang="en-US" smtClean="0"/>
-              <a:t>2018/4/15</a:t>
+              <a:t>2018/4/16</a:t>
             </a:fld>
             <a:endParaRPr lang="zh-CN" altLang="en-US"/>
           </a:p>
@@ -1221,7 +1221,7 @@
           <a:p>
             <a:fld id="{02E60DA2-A0BC-48C9-AA88-75C78721B420}" type="datetimeFigureOut">
               <a:rPr lang="zh-CN" altLang="en-US" smtClean="0"/>
-              <a:t>2018/4/15</a:t>
+              <a:t>2018/4/16</a:t>
             </a:fld>
             <a:endParaRPr lang="zh-CN" altLang="en-US"/>
           </a:p>
@@ -1526,7 +1526,7 @@
           <a:p>
             <a:fld id="{02E60DA2-A0BC-48C9-AA88-75C78721B420}" type="datetimeFigureOut">
               <a:rPr lang="zh-CN" altLang="en-US" smtClean="0"/>
-              <a:t>2018/4/15</a:t>
+              <a:t>2018/4/16</a:t>
             </a:fld>
             <a:endParaRPr lang="zh-CN" altLang="en-US"/>
           </a:p>
@@ -1829,7 +1829,7 @@
           <a:p>
             <a:fld id="{02E60DA2-A0BC-48C9-AA88-75C78721B420}" type="datetimeFigureOut">
               <a:rPr lang="zh-CN" altLang="en-US" smtClean="0"/>
-              <a:t>2018/4/15</a:t>
+              <a:t>2018/4/16</a:t>
             </a:fld>
             <a:endParaRPr lang="zh-CN" altLang="en-US"/>
           </a:p>
@@ -2280,7 +2280,7 @@
           <a:p>
             <a:fld id="{02E60DA2-A0BC-48C9-AA88-75C78721B420}" type="datetimeFigureOut">
               <a:rPr lang="zh-CN" altLang="en-US" smtClean="0"/>
-              <a:t>2018/4/15</a:t>
+              <a:t>2018/4/16</a:t>
             </a:fld>
             <a:endParaRPr lang="zh-CN" altLang="en-US"/>
           </a:p>
@@ -2453,7 +2453,7 @@
           <a:p>
             <a:fld id="{02E60DA2-A0BC-48C9-AA88-75C78721B420}" type="datetimeFigureOut">
               <a:rPr lang="zh-CN" altLang="en-US" smtClean="0"/>
-              <a:t>2018/4/15</a:t>
+              <a:t>2018/4/16</a:t>
             </a:fld>
             <a:endParaRPr lang="zh-CN" altLang="en-US"/>
           </a:p>
@@ -2590,7 +2590,7 @@
           <a:p>
             <a:fld id="{02E60DA2-A0BC-48C9-AA88-75C78721B420}" type="datetimeFigureOut">
               <a:rPr lang="zh-CN" altLang="en-US" smtClean="0"/>
-              <a:t>2018/4/15</a:t>
+              <a:t>2018/4/16</a:t>
             </a:fld>
             <a:endParaRPr lang="zh-CN" altLang="en-US"/>
           </a:p>
@@ -2934,7 +2934,7 @@
           <a:p>
             <a:fld id="{02E60DA2-A0BC-48C9-AA88-75C78721B420}" type="datetimeFigureOut">
               <a:rPr lang="zh-CN" altLang="en-US" smtClean="0"/>
-              <a:t>2018/4/15</a:t>
+              <a:t>2018/4/16</a:t>
             </a:fld>
             <a:endParaRPr lang="zh-CN" altLang="en-US"/>
           </a:p>
@@ -3156,7 +3156,7 @@
           <a:p>
             <a:fld id="{02E60DA2-A0BC-48C9-AA88-75C78721B420}" type="datetimeFigureOut">
               <a:rPr lang="zh-CN" altLang="en-US" smtClean="0"/>
-              <a:t>2018/4/15</a:t>
+              <a:t>2018/4/16</a:t>
             </a:fld>
             <a:endParaRPr lang="zh-CN" altLang="en-US"/>
           </a:p>
@@ -3477,7 +3477,7 @@
           <a:p>
             <a:fld id="{02E60DA2-A0BC-48C9-AA88-75C78721B420}" type="datetimeFigureOut">
               <a:rPr lang="zh-CN" altLang="en-US" smtClean="0"/>
-              <a:t>2018/4/15</a:t>
+              <a:t>2018/4/16</a:t>
             </a:fld>
             <a:endParaRPr lang="zh-CN" altLang="en-US"/>
           </a:p>
@@ -3715,7 +3715,7 @@
           <a:p>
             <a:fld id="{02E60DA2-A0BC-48C9-AA88-75C78721B420}" type="datetimeFigureOut">
               <a:rPr lang="zh-CN" altLang="en-US" smtClean="0"/>
-              <a:t>2018/4/15</a:t>
+              <a:t>2018/4/16</a:t>
             </a:fld>
             <a:endParaRPr lang="zh-CN" altLang="en-US"/>
           </a:p>
@@ -3953,7 +3953,7 @@
           <a:p>
             <a:fld id="{02E60DA2-A0BC-48C9-AA88-75C78721B420}" type="datetimeFigureOut">
               <a:rPr lang="zh-CN" altLang="en-US" smtClean="0"/>
-              <a:t>2018/4/15</a:t>
+              <a:t>2018/4/16</a:t>
             </a:fld>
             <a:endParaRPr lang="zh-CN" altLang="en-US"/>
           </a:p>
@@ -4252,7 +4252,7 @@
           <a:p>
             <a:fld id="{02E60DA2-A0BC-48C9-AA88-75C78721B420}" type="datetimeFigureOut">
               <a:rPr lang="zh-CN" altLang="en-US" smtClean="0"/>
-              <a:t>2018/4/15</a:t>
+              <a:t>2018/4/16</a:t>
             </a:fld>
             <a:endParaRPr lang="zh-CN" altLang="en-US"/>
           </a:p>
@@ -4541,7 +4541,7 @@
           <a:p>
             <a:fld id="{02E60DA2-A0BC-48C9-AA88-75C78721B420}" type="datetimeFigureOut">
               <a:rPr lang="zh-CN" altLang="en-US" smtClean="0"/>
-              <a:t>2018/4/15</a:t>
+              <a:t>2018/4/16</a:t>
             </a:fld>
             <a:endParaRPr lang="zh-CN" altLang="en-US"/>
           </a:p>
@@ -4977,7 +4977,7 @@
           <a:p>
             <a:fld id="{02E60DA2-A0BC-48C9-AA88-75C78721B420}" type="datetimeFigureOut">
               <a:rPr lang="zh-CN" altLang="en-US" smtClean="0"/>
-              <a:t>2018/4/15</a:t>
+              <a:t>2018/4/16</a:t>
             </a:fld>
             <a:endParaRPr lang="zh-CN" altLang="en-US"/>
           </a:p>
@@ -5142,7 +5142,7 @@
           <a:p>
             <a:fld id="{02E60DA2-A0BC-48C9-AA88-75C78721B420}" type="datetimeFigureOut">
               <a:rPr lang="zh-CN" altLang="en-US" smtClean="0"/>
-              <a:t>2018/4/15</a:t>
+              <a:t>2018/4/16</a:t>
             </a:fld>
             <a:endParaRPr lang="zh-CN" altLang="en-US"/>
           </a:p>
@@ -5279,7 +5279,7 @@
           <a:p>
             <a:fld id="{02E60DA2-A0BC-48C9-AA88-75C78721B420}" type="datetimeFigureOut">
               <a:rPr lang="zh-CN" altLang="en-US" smtClean="0"/>
-              <a:t>2018/4/15</a:t>
+              <a:t>2018/4/16</a:t>
             </a:fld>
             <a:endParaRPr lang="zh-CN" altLang="en-US"/>
           </a:p>
@@ -5614,7 +5614,7 @@
           <a:p>
             <a:fld id="{02E60DA2-A0BC-48C9-AA88-75C78721B420}" type="datetimeFigureOut">
               <a:rPr lang="zh-CN" altLang="en-US" smtClean="0"/>
-              <a:t>2018/4/15</a:t>
+              <a:t>2018/4/16</a:t>
             </a:fld>
             <a:endParaRPr lang="zh-CN" altLang="en-US"/>
           </a:p>
@@ -5926,7 +5926,7 @@
           <a:p>
             <a:fld id="{02E60DA2-A0BC-48C9-AA88-75C78721B420}" type="datetimeFigureOut">
               <a:rPr lang="zh-CN" altLang="en-US" smtClean="0"/>
-              <a:t>2018/4/15</a:t>
+              <a:t>2018/4/16</a:t>
             </a:fld>
             <a:endParaRPr lang="zh-CN" altLang="en-US"/>
           </a:p>
@@ -7941,8 +7941,26 @@
               <a:t>Ctrl+X</a:t>
             </a:r>
             <a:r>
-              <a:rPr lang="zh-CN" altLang="en-US" sz="2400" dirty="0"/>
+              <a:rPr lang="zh-CN" altLang="en-US" sz="2400"/>
               <a:t>退出。</a:t>
+            </a:r>
+            <a:endParaRPr lang="en-US" altLang="zh-CN" sz="2400"/>
+          </a:p>
+          <a:p>
+            <a:endParaRPr lang="en-US" altLang="zh-CN" sz="2400"/>
+          </a:p>
+          <a:p>
+            <a:r>
+              <a:rPr lang="zh-CN" altLang="en-US" sz="2400"/>
+              <a:t>配置文件：</a:t>
+            </a:r>
+            <a:r>
+              <a:rPr lang="en-US" altLang="zh-CN" sz="2400"/>
+              <a:t>/etc/nanorc</a:t>
+            </a:r>
+            <a:r>
+              <a:rPr lang="zh-CN" altLang="en-US" sz="2400"/>
+              <a:t>。</a:t>
             </a:r>
             <a:endParaRPr lang="en-US" altLang="zh-CN" sz="2400" dirty="0"/>
           </a:p>
@@ -8000,16 +8018,20 @@
           <a:lstStyle/>
           <a:p>
             <a:r>
+              <a:rPr lang="en-US" altLang="zh-CN"/>
+              <a:t>vim</a:t>
+            </a:r>
+            <a:r>
+              <a:rPr lang="zh-CN" altLang="en-US"/>
+              <a:t>与</a:t>
+            </a:r>
+            <a:r>
               <a:rPr lang="en-US" altLang="zh-CN" dirty="0"/>
-              <a:t>Vim</a:t>
-            </a:r>
-            <a:r>
-              <a:rPr lang="zh-CN" altLang="en-US" dirty="0"/>
-              <a:t>与</a:t>
-            </a:r>
-            <a:r>
-              <a:rPr lang="en-US" altLang="zh-CN" dirty="0"/>
-              <a:t>Vi</a:t>
+              <a:t>v</a:t>
+            </a:r>
+            <a:r>
+              <a:rPr lang="en-US" altLang="zh-CN"/>
+              <a:t>i</a:t>
             </a:r>
             <a:endParaRPr lang="zh-CN" altLang="en-US" dirty="0"/>
           </a:p>
@@ -8045,7 +8067,11 @@
           <a:p>
             <a:r>
               <a:rPr lang="en-US" altLang="zh-CN" sz="2400" dirty="0"/>
-              <a:t>Vi</a:t>
+              <a:t>v</a:t>
+            </a:r>
+            <a:r>
+              <a:rPr lang="en-US" altLang="zh-CN" sz="2400"/>
+              <a:t>i</a:t>
             </a:r>
             <a:r>
               <a:rPr lang="zh-CN" altLang="en-US" sz="2400" dirty="0"/>
@@ -8067,7 +8093,11 @@
           <a:p>
             <a:r>
               <a:rPr lang="en-US" altLang="zh-CN" sz="2400" dirty="0"/>
-              <a:t>Vi</a:t>
+              <a:t>v</a:t>
+            </a:r>
+            <a:r>
+              <a:rPr lang="en-US" altLang="zh-CN" sz="2400"/>
+              <a:t>i</a:t>
             </a:r>
             <a:r>
               <a:rPr lang="zh-CN" altLang="en-US" sz="2400" dirty="0"/>
@@ -8124,16 +8154,20 @@
           </a:p>
           <a:p>
             <a:r>
+              <a:rPr lang="en-US" altLang="zh-CN" sz="2400"/>
+              <a:t>vim</a:t>
+            </a:r>
+            <a:r>
+              <a:rPr lang="zh-CN" altLang="en-US" sz="2400"/>
+              <a:t>是</a:t>
+            </a:r>
+            <a:r>
               <a:rPr lang="en-US" altLang="zh-CN" sz="2400" dirty="0"/>
-              <a:t>Vim</a:t>
-            </a:r>
-            <a:r>
-              <a:rPr lang="zh-CN" altLang="en-US" sz="2400" dirty="0"/>
-              <a:t>是</a:t>
-            </a:r>
-            <a:r>
-              <a:rPr lang="en-US" altLang="zh-CN" sz="2400" dirty="0"/>
-              <a:t>Vi</a:t>
+              <a:t>v</a:t>
+            </a:r>
+            <a:r>
+              <a:rPr lang="en-US" altLang="zh-CN" sz="2400"/>
+              <a:t>i</a:t>
             </a:r>
             <a:r>
               <a:rPr lang="zh-CN" altLang="en-US" sz="2400" dirty="0"/>
@@ -8229,7 +8263,11 @@
           <a:p>
             <a:r>
               <a:rPr lang="en-US" altLang="zh-CN" dirty="0"/>
-              <a:t>Vim</a:t>
+              <a:t>v</a:t>
+            </a:r>
+            <a:r>
+              <a:rPr lang="en-US" altLang="zh-CN"/>
+              <a:t>im</a:t>
             </a:r>
             <a:r>
               <a:rPr lang="zh-CN" altLang="en-US" dirty="0"/>
@@ -8533,7 +8571,11 @@
           <a:p>
             <a:r>
               <a:rPr lang="en-US" altLang="zh-CN" dirty="0"/>
-              <a:t>Vim</a:t>
+              <a:t>v</a:t>
+            </a:r>
+            <a:r>
+              <a:rPr lang="en-US" altLang="zh-CN"/>
+              <a:t>im</a:t>
             </a:r>
             <a:r>
               <a:rPr lang="zh-CN" altLang="en-US" dirty="0"/>
@@ -8571,7 +8613,11 @@
             </a:r>
             <a:r>
               <a:rPr lang="en-US" altLang="zh-CN" sz="2400" dirty="0"/>
-              <a:t>Vim</a:t>
+              <a:t>v</a:t>
+            </a:r>
+            <a:r>
+              <a:rPr lang="en-US" altLang="zh-CN" sz="2400"/>
+              <a:t>im</a:t>
             </a:r>
             <a:r>
               <a:rPr lang="zh-CN" altLang="en-US" sz="2400" dirty="0"/>

--- a/materials/slides/ch07-edit-file.pptx
+++ b/materials/slides/ch07-edit-file.pptx
@@ -8171,7 +8171,23 @@
             </a:r>
             <a:r>
               <a:rPr lang="zh-CN" altLang="en-US" sz="2400" dirty="0"/>
-              <a:t>的增强版，并且提供了</a:t>
+              <a:t>的增强</a:t>
+            </a:r>
+            <a:r>
+              <a:rPr lang="zh-CN" altLang="en-US" sz="2400"/>
+              <a:t>版，支持配色主题，有大量插件，可以打造强大的</a:t>
+            </a:r>
+            <a:r>
+              <a:rPr lang="en-US" altLang="zh-CN" sz="2400"/>
+              <a:t>IDE</a:t>
+            </a:r>
+            <a:r>
+              <a:rPr lang="zh-CN" altLang="en-US" sz="2400"/>
+              <a:t>环境。并且</a:t>
+            </a:r>
+            <a:r>
+              <a:rPr lang="zh-CN" altLang="en-US" sz="2400" dirty="0"/>
+              <a:t>提供了</a:t>
             </a:r>
             <a:r>
               <a:rPr lang="en-US" altLang="zh-CN" sz="2400" dirty="0"/>
@@ -8378,20 +8394,8 @@
           </a:p>
           <a:p>
             <a:r>
-              <a:rPr lang="en-US" altLang="zh-CN" sz="2400"/>
-              <a:t>vim</a:t>
-            </a:r>
-            <a:r>
               <a:rPr lang="zh-CN" altLang="en-US" sz="2400"/>
-              <a:t>是</a:t>
-            </a:r>
-            <a:r>
-              <a:rPr lang="en-US" altLang="zh-CN" sz="2400"/>
-              <a:t>vi</a:t>
-            </a:r>
-            <a:r>
-              <a:rPr lang="zh-CN" altLang="en-US" sz="2400"/>
-              <a:t>的升级版，功能更强。如果</a:t>
+              <a:t>如果</a:t>
             </a:r>
             <a:r>
               <a:rPr lang="zh-CN" altLang="en-US" sz="2400" dirty="0"/>

--- a/materials/slides/ch07-edit-file.pptx
+++ b/materials/slides/ch07-edit-file.pptx
@@ -279,7 +279,7 @@
           <a:p>
             <a:fld id="{02E60DA2-A0BC-48C9-AA88-75C78721B420}" type="datetimeFigureOut">
               <a:rPr lang="zh-CN" altLang="en-US" smtClean="0"/>
-              <a:t>2018/4/16</a:t>
+              <a:t>2018/4/20</a:t>
             </a:fld>
             <a:endParaRPr lang="zh-CN" altLang="en-US"/>
           </a:p>
@@ -501,7 +501,7 @@
           <a:p>
             <a:fld id="{02E60DA2-A0BC-48C9-AA88-75C78721B420}" type="datetimeFigureOut">
               <a:rPr lang="zh-CN" altLang="en-US" smtClean="0"/>
-              <a:t>2018/4/16</a:t>
+              <a:t>2018/4/20</a:t>
             </a:fld>
             <a:endParaRPr lang="zh-CN" altLang="en-US"/>
           </a:p>
@@ -733,7 +733,7 @@
           <a:p>
             <a:fld id="{02E60DA2-A0BC-48C9-AA88-75C78721B420}" type="datetimeFigureOut">
               <a:rPr lang="zh-CN" altLang="en-US" smtClean="0"/>
-              <a:t>2018/4/16</a:t>
+              <a:t>2018/4/20</a:t>
             </a:fld>
             <a:endParaRPr lang="zh-CN" altLang="en-US"/>
           </a:p>
@@ -983,7 +983,7 @@
           <a:p>
             <a:fld id="{02E60DA2-A0BC-48C9-AA88-75C78721B420}" type="datetimeFigureOut">
               <a:rPr lang="zh-CN" altLang="en-US" smtClean="0"/>
-              <a:t>2018/4/16</a:t>
+              <a:t>2018/4/20</a:t>
             </a:fld>
             <a:endParaRPr lang="zh-CN" altLang="en-US"/>
           </a:p>
@@ -1221,7 +1221,7 @@
           <a:p>
             <a:fld id="{02E60DA2-A0BC-48C9-AA88-75C78721B420}" type="datetimeFigureOut">
               <a:rPr lang="zh-CN" altLang="en-US" smtClean="0"/>
-              <a:t>2018/4/16</a:t>
+              <a:t>2018/4/20</a:t>
             </a:fld>
             <a:endParaRPr lang="zh-CN" altLang="en-US"/>
           </a:p>
@@ -1526,7 +1526,7 @@
           <a:p>
             <a:fld id="{02E60DA2-A0BC-48C9-AA88-75C78721B420}" type="datetimeFigureOut">
               <a:rPr lang="zh-CN" altLang="en-US" smtClean="0"/>
-              <a:t>2018/4/16</a:t>
+              <a:t>2018/4/20</a:t>
             </a:fld>
             <a:endParaRPr lang="zh-CN" altLang="en-US"/>
           </a:p>
@@ -1829,7 +1829,7 @@
           <a:p>
             <a:fld id="{02E60DA2-A0BC-48C9-AA88-75C78721B420}" type="datetimeFigureOut">
               <a:rPr lang="zh-CN" altLang="en-US" smtClean="0"/>
-              <a:t>2018/4/16</a:t>
+              <a:t>2018/4/20</a:t>
             </a:fld>
             <a:endParaRPr lang="zh-CN" altLang="en-US"/>
           </a:p>
@@ -2280,7 +2280,7 @@
           <a:p>
             <a:fld id="{02E60DA2-A0BC-48C9-AA88-75C78721B420}" type="datetimeFigureOut">
               <a:rPr lang="zh-CN" altLang="en-US" smtClean="0"/>
-              <a:t>2018/4/16</a:t>
+              <a:t>2018/4/20</a:t>
             </a:fld>
             <a:endParaRPr lang="zh-CN" altLang="en-US"/>
           </a:p>
@@ -2453,7 +2453,7 @@
           <a:p>
             <a:fld id="{02E60DA2-A0BC-48C9-AA88-75C78721B420}" type="datetimeFigureOut">
               <a:rPr lang="zh-CN" altLang="en-US" smtClean="0"/>
-              <a:t>2018/4/16</a:t>
+              <a:t>2018/4/20</a:t>
             </a:fld>
             <a:endParaRPr lang="zh-CN" altLang="en-US"/>
           </a:p>
@@ -2590,7 +2590,7 @@
           <a:p>
             <a:fld id="{02E60DA2-A0BC-48C9-AA88-75C78721B420}" type="datetimeFigureOut">
               <a:rPr lang="zh-CN" altLang="en-US" smtClean="0"/>
-              <a:t>2018/4/16</a:t>
+              <a:t>2018/4/20</a:t>
             </a:fld>
             <a:endParaRPr lang="zh-CN" altLang="en-US"/>
           </a:p>
@@ -2934,7 +2934,7 @@
           <a:p>
             <a:fld id="{02E60DA2-A0BC-48C9-AA88-75C78721B420}" type="datetimeFigureOut">
               <a:rPr lang="zh-CN" altLang="en-US" smtClean="0"/>
-              <a:t>2018/4/16</a:t>
+              <a:t>2018/4/20</a:t>
             </a:fld>
             <a:endParaRPr lang="zh-CN" altLang="en-US"/>
           </a:p>
@@ -3156,7 +3156,7 @@
           <a:p>
             <a:fld id="{02E60DA2-A0BC-48C9-AA88-75C78721B420}" type="datetimeFigureOut">
               <a:rPr lang="zh-CN" altLang="en-US" smtClean="0"/>
-              <a:t>2018/4/16</a:t>
+              <a:t>2018/4/20</a:t>
             </a:fld>
             <a:endParaRPr lang="zh-CN" altLang="en-US"/>
           </a:p>
@@ -3477,7 +3477,7 @@
           <a:p>
             <a:fld id="{02E60DA2-A0BC-48C9-AA88-75C78721B420}" type="datetimeFigureOut">
               <a:rPr lang="zh-CN" altLang="en-US" smtClean="0"/>
-              <a:t>2018/4/16</a:t>
+              <a:t>2018/4/20</a:t>
             </a:fld>
             <a:endParaRPr lang="zh-CN" altLang="en-US"/>
           </a:p>
@@ -3715,7 +3715,7 @@
           <a:p>
             <a:fld id="{02E60DA2-A0BC-48C9-AA88-75C78721B420}" type="datetimeFigureOut">
               <a:rPr lang="zh-CN" altLang="en-US" smtClean="0"/>
-              <a:t>2018/4/16</a:t>
+              <a:t>2018/4/20</a:t>
             </a:fld>
             <a:endParaRPr lang="zh-CN" altLang="en-US"/>
           </a:p>
@@ -3953,7 +3953,7 @@
           <a:p>
             <a:fld id="{02E60DA2-A0BC-48C9-AA88-75C78721B420}" type="datetimeFigureOut">
               <a:rPr lang="zh-CN" altLang="en-US" smtClean="0"/>
-              <a:t>2018/4/16</a:t>
+              <a:t>2018/4/20</a:t>
             </a:fld>
             <a:endParaRPr lang="zh-CN" altLang="en-US"/>
           </a:p>
@@ -4252,7 +4252,7 @@
           <a:p>
             <a:fld id="{02E60DA2-A0BC-48C9-AA88-75C78721B420}" type="datetimeFigureOut">
               <a:rPr lang="zh-CN" altLang="en-US" smtClean="0"/>
-              <a:t>2018/4/16</a:t>
+              <a:t>2018/4/20</a:t>
             </a:fld>
             <a:endParaRPr lang="zh-CN" altLang="en-US"/>
           </a:p>
@@ -4541,7 +4541,7 @@
           <a:p>
             <a:fld id="{02E60DA2-A0BC-48C9-AA88-75C78721B420}" type="datetimeFigureOut">
               <a:rPr lang="zh-CN" altLang="en-US" smtClean="0"/>
-              <a:t>2018/4/16</a:t>
+              <a:t>2018/4/20</a:t>
             </a:fld>
             <a:endParaRPr lang="zh-CN" altLang="en-US"/>
           </a:p>
@@ -4977,7 +4977,7 @@
           <a:p>
             <a:fld id="{02E60DA2-A0BC-48C9-AA88-75C78721B420}" type="datetimeFigureOut">
               <a:rPr lang="zh-CN" altLang="en-US" smtClean="0"/>
-              <a:t>2018/4/16</a:t>
+              <a:t>2018/4/20</a:t>
             </a:fld>
             <a:endParaRPr lang="zh-CN" altLang="en-US"/>
           </a:p>
@@ -5142,7 +5142,7 @@
           <a:p>
             <a:fld id="{02E60DA2-A0BC-48C9-AA88-75C78721B420}" type="datetimeFigureOut">
               <a:rPr lang="zh-CN" altLang="en-US" smtClean="0"/>
-              <a:t>2018/4/16</a:t>
+              <a:t>2018/4/20</a:t>
             </a:fld>
             <a:endParaRPr lang="zh-CN" altLang="en-US"/>
           </a:p>
@@ -5279,7 +5279,7 @@
           <a:p>
             <a:fld id="{02E60DA2-A0BC-48C9-AA88-75C78721B420}" type="datetimeFigureOut">
               <a:rPr lang="zh-CN" altLang="en-US" smtClean="0"/>
-              <a:t>2018/4/16</a:t>
+              <a:t>2018/4/20</a:t>
             </a:fld>
             <a:endParaRPr lang="zh-CN" altLang="en-US"/>
           </a:p>
@@ -5614,7 +5614,7 @@
           <a:p>
             <a:fld id="{02E60DA2-A0BC-48C9-AA88-75C78721B420}" type="datetimeFigureOut">
               <a:rPr lang="zh-CN" altLang="en-US" smtClean="0"/>
-              <a:t>2018/4/16</a:t>
+              <a:t>2018/4/20</a:t>
             </a:fld>
             <a:endParaRPr lang="zh-CN" altLang="en-US"/>
           </a:p>
@@ -5926,7 +5926,7 @@
           <a:p>
             <a:fld id="{02E60DA2-A0BC-48C9-AA88-75C78721B420}" type="datetimeFigureOut">
               <a:rPr lang="zh-CN" altLang="en-US" smtClean="0"/>
-              <a:t>2018/4/16</a:t>
+              <a:t>2018/4/20</a:t>
             </a:fld>
             <a:endParaRPr lang="zh-CN" altLang="en-US"/>
           </a:p>
@@ -7577,7 +7577,7 @@
             </a:r>
             <a:r>
               <a:rPr lang="en-US" altLang="zh-CN" sz="2400"/>
-              <a:t>/var/dpkg/available </a:t>
+              <a:t>/var/lib/dpkg/available </a:t>
             </a:r>
             <a:r>
               <a:rPr lang="zh-CN" altLang="en-US" sz="2400"/>
@@ -9483,7 +9483,7 @@
           <p:nvPr>
             <p:extLst>
               <p:ext uri="{D42A27DB-BD31-4B8C-83A1-F6EECF244321}">
-                <p14:modId xmlns:p14="http://schemas.microsoft.com/office/powerpoint/2010/main" val="670545114"/>
+                <p14:modId xmlns:p14="http://schemas.microsoft.com/office/powerpoint/2010/main" val="1736196680"/>
               </p:ext>
             </p:extLst>
           </p:nvPr>
@@ -9573,7 +9573,7 @@
                       </a:r>
                       <a:r>
                         <a:rPr lang="en-US" altLang="zh-CN" sz="2000"/>
-                        <a:t>b</a:t>
+                        <a:t>N</a:t>
                       </a:r>
                       <a:r>
                         <a:rPr lang="zh-CN" altLang="en-US" sz="2000"/>

--- a/materials/slides/ch07-edit-file.pptx
+++ b/materials/slides/ch07-edit-file.pptx
@@ -8110,21 +8110,37 @@
               <a:buNone/>
             </a:pPr>
             <a:r>
-              <a:rPr lang="zh-CN" altLang="en-US" sz="2000" dirty="0"/>
-              <a:t>命令模式：输入命令对文档等进行操作</a:t>
-            </a:r>
-            <a:endParaRPr lang="en-US" altLang="zh-CN" sz="2000" dirty="0"/>
+              <a:rPr lang="zh-CN" altLang="en-US" dirty="0">
+                <a:solidFill>
+                  <a:srgbClr val="C00000"/>
+                </a:solidFill>
+              </a:rPr>
+              <a:t>命令模式</a:t>
+            </a:r>
+            <a:r>
+              <a:rPr lang="zh-CN" altLang="en-US" dirty="0"/>
+              <a:t>：输入命令对文档等进行操作</a:t>
+            </a:r>
+            <a:endParaRPr lang="en-US" altLang="zh-CN" dirty="0"/>
           </a:p>
           <a:p>
             <a:pPr marL="457200" lvl="1" indent="0">
               <a:buNone/>
             </a:pPr>
             <a:r>
-              <a:rPr lang="zh-CN" altLang="en-US" sz="2000" dirty="0"/>
-              <a:t>输入模式：编辑文本，左下角显</a:t>
-            </a:r>
-            <a:r>
-              <a:rPr lang="en-US" altLang="zh-CN" sz="2000" dirty="0"/>
+              <a:rPr lang="zh-CN" altLang="en-US" dirty="0">
+                <a:solidFill>
+                  <a:srgbClr val="C00000"/>
+                </a:solidFill>
+              </a:rPr>
+              <a:t>输入模式</a:t>
+            </a:r>
+            <a:r>
+              <a:rPr lang="zh-CN" altLang="en-US" dirty="0"/>
+              <a:t>：编辑文本，左下角显</a:t>
+            </a:r>
+            <a:r>
+              <a:rPr lang="en-US" altLang="zh-CN" dirty="0"/>
               <a:t>--INSERT--</a:t>
             </a:r>
           </a:p>
@@ -8133,18 +8149,26 @@
               <a:buNone/>
             </a:pPr>
             <a:r>
-              <a:rPr lang="zh-CN" altLang="en-US" sz="2000" dirty="0"/>
-              <a:t>底行模式：输入</a:t>
-            </a:r>
-            <a:r>
-              <a:rPr lang="en-US" altLang="zh-CN" sz="2000" dirty="0"/>
+              <a:rPr lang="zh-CN" altLang="en-US" dirty="0">
+                <a:solidFill>
+                  <a:srgbClr val="C00000"/>
+                </a:solidFill>
+              </a:rPr>
+              <a:t>底行模式</a:t>
+            </a:r>
+            <a:r>
+              <a:rPr lang="zh-CN" altLang="en-US" dirty="0"/>
+              <a:t>：输入</a:t>
+            </a:r>
+            <a:r>
+              <a:rPr lang="en-US" altLang="zh-CN" dirty="0"/>
               <a:t>:</a:t>
             </a:r>
             <a:r>
-              <a:rPr lang="zh-CN" altLang="en-US" sz="2000" dirty="0"/>
+              <a:rPr lang="zh-CN" altLang="en-US" dirty="0"/>
               <a:t>会在文档最后一行显示：并等待输入命令，执行完成后会自动返回命令模式。</a:t>
             </a:r>
-            <a:endParaRPr lang="en-US" altLang="zh-CN" sz="2000" dirty="0"/>
+            <a:endParaRPr lang="en-US" altLang="zh-CN" dirty="0"/>
           </a:p>
           <a:p>
             <a:pPr marL="457200" lvl="1" indent="0">
@@ -8316,12 +8340,16 @@
           <a:lstStyle/>
           <a:p>
             <a:r>
-              <a:rPr lang="en-US" altLang="zh-CN" sz="2400" dirty="0"/>
-              <a:t>Ubuntu</a:t>
+              <a:rPr lang="en-US" altLang="zh-CN" sz="2400"/>
+              <a:t>UbuntuServer</a:t>
+            </a:r>
+            <a:r>
+              <a:rPr lang="zh-CN" altLang="en-US" sz="2400"/>
+              <a:t>默认</a:t>
             </a:r>
             <a:r>
               <a:rPr lang="zh-CN" altLang="en-US" sz="2400" dirty="0"/>
-              <a:t>默认会提供</a:t>
+              <a:t>会提供</a:t>
             </a:r>
             <a:r>
               <a:rPr lang="en-US" altLang="zh-CN" sz="2400" dirty="0" err="1"/>
@@ -9437,37 +9465,6 @@
           </a:p>
         </p:txBody>
       </p:sp>
-      <p:sp>
-        <p:nvSpPr>
-          <p:cNvPr id="3" name="内容占位符 2">
-            <a:extLst>
-              <a:ext uri="{FF2B5EF4-FFF2-40B4-BE49-F238E27FC236}">
-                <a16:creationId xmlns:a16="http://schemas.microsoft.com/office/drawing/2014/main" id="{72AD6D66-9644-47EB-981A-8C08617DEB86}"/>
-              </a:ext>
-            </a:extLst>
-          </p:cNvPr>
-          <p:cNvSpPr>
-            <a:spLocks noGrp="1"/>
-          </p:cNvSpPr>
-          <p:nvPr>
-            <p:ph idx="1"/>
-          </p:nvPr>
-        </p:nvSpPr>
-        <p:spPr/>
-        <p:txBody>
-          <a:bodyPr>
-            <a:normAutofit/>
-          </a:bodyPr>
-          <a:lstStyle/>
-          <a:p>
-            <a:r>
-              <a:rPr lang="zh-CN" altLang="en-US" sz="2400"/>
-              <a:t>搜索和替换操作：</a:t>
-            </a:r>
-            <a:endParaRPr lang="en-US" altLang="zh-CN" sz="2400"/>
-          </a:p>
-        </p:txBody>
-      </p:sp>
       <p:graphicFrame>
         <p:nvGraphicFramePr>
           <p:cNvPr id="4" name="表格 3">
@@ -9483,14 +9480,14 @@
           <p:nvPr>
             <p:extLst>
               <p:ext uri="{D42A27DB-BD31-4B8C-83A1-F6EECF244321}">
-                <p14:modId xmlns:p14="http://schemas.microsoft.com/office/powerpoint/2010/main" val="1736196680"/>
+                <p14:modId xmlns:p14="http://schemas.microsoft.com/office/powerpoint/2010/main" val="3859738610"/>
               </p:ext>
             </p:extLst>
           </p:nvPr>
         </p:nvGraphicFramePr>
         <p:xfrm>
-          <a:off x="1071684" y="2161768"/>
-          <a:ext cx="9980248" cy="3781833"/>
+          <a:off x="1071684" y="1793632"/>
+          <a:ext cx="10282116" cy="4712680"/>
         </p:xfrm>
         <a:graphic>
           <a:graphicData uri="http://schemas.openxmlformats.org/drawingml/2006/table">
@@ -9499,14 +9496,14 @@
                 <a:tableStyleId>{5940675A-B579-460E-94D1-54222C63F5DA}</a:tableStyleId>
               </a:tblPr>
               <a:tblGrid>
-                <a:gridCol w="1733062">
+                <a:gridCol w="1812656">
                   <a:extLst>
                     <a:ext uri="{9D8B030D-6E8A-4147-A177-3AD203B41FA5}">
                       <a16:colId xmlns:a16="http://schemas.microsoft.com/office/drawing/2014/main" val="1930762903"/>
                     </a:ext>
                   </a:extLst>
                 </a:gridCol>
-                <a:gridCol w="8247186">
+                <a:gridCol w="8469460">
                   <a:extLst>
                     <a:ext uri="{9D8B030D-6E8A-4147-A177-3AD203B41FA5}">
                       <a16:colId xmlns:a16="http://schemas.microsoft.com/office/drawing/2014/main" val="3597110209"/>
@@ -9514,17 +9511,17 @@
                   </a:extLst>
                 </a:gridCol>
               </a:tblGrid>
-              <a:tr h="596907">
+              <a:tr h="967678">
                 <a:tc>
                   <a:txBody>
                     <a:bodyPr/>
                     <a:lstStyle/>
                     <a:p>
                       <a:r>
-                        <a:rPr lang="en-US" altLang="zh-CN" sz="2000"/>
+                        <a:rPr lang="en-US" altLang="zh-CN" sz="2400"/>
                         <a:t>:/php</a:t>
                       </a:r>
-                      <a:endParaRPr lang="zh-CN" altLang="en-US" sz="2000"/>
+                      <a:endParaRPr lang="zh-CN" altLang="en-US" sz="2400"/>
                     </a:p>
                   </a:txBody>
                   <a:tcPr anchor="ctr"/>
@@ -9552,34 +9549,34 @@
                         <a:defRPr/>
                       </a:pPr>
                       <a:r>
-                        <a:rPr lang="zh-CN" altLang="en-US" sz="2000"/>
+                        <a:rPr lang="zh-CN" altLang="en-US" sz="2400"/>
                         <a:t>搜索所有匹配</a:t>
                       </a:r>
                       <a:r>
-                        <a:rPr lang="en-US" altLang="zh-CN" sz="2000"/>
+                        <a:rPr lang="en-US" altLang="zh-CN" sz="2400"/>
                         <a:t>php</a:t>
                       </a:r>
                       <a:r>
-                        <a:rPr lang="zh-CN" altLang="en-US" sz="2000"/>
+                        <a:rPr lang="zh-CN" altLang="en-US" sz="2400"/>
                         <a:t>的行，输入</a:t>
                       </a:r>
                       <a:r>
-                        <a:rPr lang="en-US" altLang="zh-CN" sz="2000"/>
+                        <a:rPr lang="en-US" altLang="zh-CN" sz="2400"/>
                         <a:t>n</a:t>
                       </a:r>
                       <a:r>
-                        <a:rPr lang="zh-CN" altLang="en-US" sz="2000"/>
+                        <a:rPr lang="zh-CN" altLang="en-US" sz="2400"/>
                         <a:t>跳转到下一个匹配，</a:t>
                       </a:r>
                       <a:r>
-                        <a:rPr lang="en-US" altLang="zh-CN" sz="2000"/>
+                        <a:rPr lang="en-US" altLang="zh-CN" sz="2400"/>
                         <a:t>N</a:t>
                       </a:r>
                       <a:r>
-                        <a:rPr lang="zh-CN" altLang="en-US" sz="2000"/>
+                        <a:rPr lang="zh-CN" altLang="en-US" sz="2400"/>
                         <a:t>定位到上一个匹配</a:t>
                       </a:r>
-                      <a:endParaRPr lang="en-US" altLang="zh-CN" sz="2000"/>
+                      <a:endParaRPr lang="en-US" altLang="zh-CN" sz="2400"/>
                     </a:p>
                   </a:txBody>
                   <a:tcPr anchor="ctr"/>
@@ -9590,17 +9587,17 @@
                   </a:ext>
                 </a:extLst>
               </a:tr>
-              <a:tr h="530821">
+              <a:tr h="624167">
                 <a:tc>
                   <a:txBody>
                     <a:bodyPr/>
                     <a:lstStyle/>
                     <a:p>
                       <a:r>
-                        <a:rPr lang="en-US" altLang="zh-CN" sz="2000"/>
+                        <a:rPr lang="en-US" altLang="zh-CN" sz="2400"/>
                         <a:t>:s/php/c</a:t>
                       </a:r>
-                      <a:endParaRPr lang="zh-CN" altLang="en-US" sz="2000"/>
+                      <a:endParaRPr lang="zh-CN" altLang="en-US" sz="2400"/>
                     </a:p>
                   </a:txBody>
                   <a:tcPr anchor="ctr"/>
@@ -9628,19 +9625,19 @@
                         <a:defRPr/>
                       </a:pPr>
                       <a:r>
-                        <a:rPr lang="zh-CN" altLang="en-US" sz="2000"/>
+                        <a:rPr lang="zh-CN" altLang="en-US" sz="2400"/>
                         <a:t>替换当前行第一个</a:t>
                       </a:r>
                       <a:r>
-                        <a:rPr lang="en-US" altLang="zh-CN" sz="2000"/>
+                        <a:rPr lang="en-US" altLang="zh-CN" sz="2400"/>
                         <a:t>php</a:t>
                       </a:r>
                       <a:r>
-                        <a:rPr lang="zh-CN" altLang="en-US" sz="2000"/>
+                        <a:rPr lang="zh-CN" altLang="en-US" sz="2400"/>
                         <a:t>出现的位置为</a:t>
                       </a:r>
                       <a:r>
-                        <a:rPr lang="en-US" altLang="zh-CN" sz="2000"/>
+                        <a:rPr lang="en-US" altLang="zh-CN" sz="2400"/>
                         <a:t>c</a:t>
                       </a:r>
                     </a:p>
@@ -9653,17 +9650,17 @@
                   </a:ext>
                 </a:extLst>
               </a:tr>
-              <a:tr h="530821">
+              <a:tr h="624167">
                 <a:tc>
                   <a:txBody>
                     <a:bodyPr/>
                     <a:lstStyle/>
                     <a:p>
                       <a:r>
-                        <a:rPr lang="en-US" altLang="zh-CN" sz="2000"/>
+                        <a:rPr lang="en-US" altLang="zh-CN" sz="2400"/>
                         <a:t>:s/php/c/g</a:t>
                       </a:r>
-                      <a:endParaRPr lang="zh-CN" altLang="en-US" sz="2000"/>
+                      <a:endParaRPr lang="zh-CN" altLang="en-US" sz="2400"/>
                     </a:p>
                   </a:txBody>
                   <a:tcPr anchor="ctr"/>
@@ -9691,10 +9688,10 @@
                         <a:defRPr/>
                       </a:pPr>
                       <a:r>
-                        <a:rPr lang="zh-CN" altLang="en-US" sz="2000"/>
+                        <a:rPr lang="zh-CN" altLang="en-US" sz="2400"/>
                         <a:t>替换当前行所有匹配位置</a:t>
                       </a:r>
-                      <a:endParaRPr lang="en-US" altLang="zh-CN" sz="2000"/>
+                      <a:endParaRPr lang="en-US" altLang="zh-CN" sz="2400"/>
                     </a:p>
                   </a:txBody>
                   <a:tcPr anchor="ctr"/>
@@ -9705,17 +9702,17 @@
                   </a:ext>
                 </a:extLst>
               </a:tr>
-              <a:tr h="530821">
+              <a:tr h="624167">
                 <a:tc>
                   <a:txBody>
                     <a:bodyPr/>
                     <a:lstStyle/>
                     <a:p>
                       <a:r>
-                        <a:rPr lang="en-US" altLang="zh-CN" sz="2000"/>
+                        <a:rPr lang="en-US" altLang="zh-CN" sz="2400"/>
                         <a:t>:%s/php/c/</a:t>
                       </a:r>
-                      <a:endParaRPr lang="zh-CN" altLang="en-US" sz="2000"/>
+                      <a:endParaRPr lang="zh-CN" altLang="en-US" sz="2400"/>
                     </a:p>
                   </a:txBody>
                   <a:tcPr anchor="ctr"/>
@@ -9726,22 +9723,22 @@
                     <a:lstStyle/>
                     <a:p>
                       <a:r>
-                        <a:rPr lang="zh-CN" altLang="en-US" sz="2000"/>
+                        <a:rPr lang="zh-CN" altLang="en-US" sz="2400"/>
                         <a:t>替换所有行第一个</a:t>
                       </a:r>
                       <a:r>
-                        <a:rPr lang="en-US" altLang="zh-CN" sz="2000"/>
+                        <a:rPr lang="en-US" altLang="zh-CN" sz="2400"/>
                         <a:t>php</a:t>
                       </a:r>
                       <a:r>
-                        <a:rPr lang="zh-CN" altLang="en-US" sz="2000"/>
+                        <a:rPr lang="zh-CN" altLang="en-US" sz="2400"/>
                         <a:t>位置为</a:t>
                       </a:r>
                       <a:r>
-                        <a:rPr lang="en-US" altLang="zh-CN" sz="2000"/>
+                        <a:rPr lang="en-US" altLang="zh-CN" sz="2400"/>
                         <a:t>c</a:t>
                       </a:r>
-                      <a:endParaRPr lang="zh-CN" altLang="en-US" sz="2000"/>
+                      <a:endParaRPr lang="zh-CN" altLang="en-US" sz="2400"/>
                     </a:p>
                   </a:txBody>
                   <a:tcPr anchor="ctr"/>
@@ -9752,17 +9749,17 @@
                   </a:ext>
                 </a:extLst>
               </a:tr>
-              <a:tr h="530821">
+              <a:tr h="624167">
                 <a:tc>
                   <a:txBody>
                     <a:bodyPr/>
                     <a:lstStyle/>
                     <a:p>
                       <a:r>
-                        <a:rPr lang="en-US" altLang="zh-CN" sz="2000"/>
+                        <a:rPr lang="en-US" altLang="zh-CN" sz="2400"/>
                         <a:t>:%s/php/c/g</a:t>
                       </a:r>
-                      <a:endParaRPr lang="zh-CN" altLang="en-US" sz="2000"/>
+                      <a:endParaRPr lang="zh-CN" altLang="en-US" sz="2400"/>
                     </a:p>
                   </a:txBody>
                   <a:tcPr anchor="ctr"/>
@@ -9790,10 +9787,10 @@
                         <a:defRPr/>
                       </a:pPr>
                       <a:r>
-                        <a:rPr lang="zh-CN" altLang="en-US" sz="2000"/>
+                        <a:rPr lang="zh-CN" altLang="en-US" sz="2400"/>
                         <a:t>替换所有行所有位置</a:t>
                       </a:r>
-                      <a:endParaRPr lang="en-US" altLang="zh-CN" sz="2000"/>
+                      <a:endParaRPr lang="en-US" altLang="zh-CN" sz="2400"/>
                     </a:p>
                   </a:txBody>
                   <a:tcPr anchor="ctr"/>
@@ -9804,17 +9801,17 @@
                   </a:ext>
                 </a:extLst>
               </a:tr>
-              <a:tr h="530821">
+              <a:tr h="624167">
                 <a:tc>
                   <a:txBody>
                     <a:bodyPr/>
                     <a:lstStyle/>
                     <a:p>
                       <a:r>
-                        <a:rPr lang="en-US" altLang="zh-CN" sz="2000"/>
+                        <a:rPr lang="en-US" altLang="zh-CN" sz="2400"/>
                         <a:t>:5,$s/php/c</a:t>
                       </a:r>
-                      <a:endParaRPr lang="zh-CN" altLang="en-US" sz="2000"/>
+                      <a:endParaRPr lang="zh-CN" altLang="en-US" sz="2400"/>
                     </a:p>
                   </a:txBody>
                   <a:tcPr anchor="ctr"/>
@@ -9842,18 +9839,18 @@
                         <a:defRPr/>
                       </a:pPr>
                       <a:r>
-                        <a:rPr lang="zh-CN" altLang="en-US" sz="2000"/>
+                        <a:rPr lang="zh-CN" altLang="en-US" sz="2400"/>
                         <a:t>替换第</a:t>
                       </a:r>
                       <a:r>
-                        <a:rPr lang="en-US" altLang="zh-CN" sz="2000"/>
+                        <a:rPr lang="en-US" altLang="zh-CN" sz="2400"/>
                         <a:t>5</a:t>
                       </a:r>
                       <a:r>
-                        <a:rPr lang="zh-CN" altLang="en-US" sz="2000"/>
+                        <a:rPr lang="zh-CN" altLang="en-US" sz="2400"/>
                         <a:t>行到最后一行</a:t>
                       </a:r>
-                      <a:endParaRPr lang="en-US" altLang="zh-CN" sz="2000"/>
+                      <a:endParaRPr lang="en-US" altLang="zh-CN" sz="2400"/>
                     </a:p>
                   </a:txBody>
                   <a:tcPr anchor="ctr"/>
@@ -9864,17 +9861,17 @@
                   </a:ext>
                 </a:extLst>
               </a:tr>
-              <a:tr h="530821">
+              <a:tr h="624167">
                 <a:tc>
                   <a:txBody>
                     <a:bodyPr/>
                     <a:lstStyle/>
                     <a:p>
                       <a:r>
-                        <a:rPr lang="en-US" altLang="zh-CN" sz="2000"/>
+                        <a:rPr lang="en-US" altLang="zh-CN" sz="2400"/>
                         <a:t>:1,5s/php/c</a:t>
                       </a:r>
-                      <a:endParaRPr lang="zh-CN" altLang="en-US" sz="2000"/>
+                      <a:endParaRPr lang="zh-CN" altLang="en-US" sz="2400"/>
                     </a:p>
                   </a:txBody>
                   <a:tcPr anchor="ctr"/>
@@ -9902,26 +9899,26 @@
                         <a:defRPr/>
                       </a:pPr>
                       <a:r>
-                        <a:rPr lang="zh-CN" altLang="en-US" sz="2000"/>
+                        <a:rPr lang="zh-CN" altLang="en-US" sz="2400"/>
                         <a:t>替换的是第</a:t>
                       </a:r>
                       <a:r>
-                        <a:rPr lang="en-US" altLang="zh-CN" sz="2000"/>
+                        <a:rPr lang="en-US" altLang="zh-CN" sz="2400"/>
                         <a:t>1</a:t>
                       </a:r>
                       <a:r>
-                        <a:rPr lang="zh-CN" altLang="en-US" sz="2000"/>
+                        <a:rPr lang="zh-CN" altLang="en-US" sz="2400"/>
                         <a:t>到第</a:t>
                       </a:r>
                       <a:r>
-                        <a:rPr lang="en-US" altLang="zh-CN" sz="2000"/>
+                        <a:rPr lang="en-US" altLang="zh-CN" sz="2400"/>
                         <a:t>5</a:t>
                       </a:r>
                       <a:r>
-                        <a:rPr lang="zh-CN" altLang="en-US" sz="2000"/>
+                        <a:rPr lang="zh-CN" altLang="en-US" sz="2400"/>
                         <a:t>行</a:t>
                       </a:r>
-                      <a:endParaRPr lang="en-US" altLang="zh-CN" sz="2000"/>
+                      <a:endParaRPr lang="en-US" altLang="zh-CN" sz="2400"/>
                     </a:p>
                   </a:txBody>
                   <a:tcPr anchor="ctr"/>
